--- a/AMPLab Stuff/Spring 2011 Retreat/Spark Debugger.pptx
+++ b/AMPLab Stuff/Spring 2011 Retreat/Spark Debugger.pptx
@@ -8,8 +8,8 @@
     <p:notesMasterId r:id="rId4"/>
   </p:notesMasterIdLst>
   <p:sldIdLst>
-    <p:sldId id="256" r:id="rId2"/>
-    <p:sldId id="257" r:id="rId3"/>
+    <p:sldId id="257" r:id="rId2"/>
+    <p:sldId id="256" r:id="rId3"/>
   </p:sldIdLst>
   <p:sldSz cx="32918400" cy="27432000"/>
   <p:notesSz cx="6858000" cy="9144000"/>
@@ -4065,16 +4065,16 @@
       </p:grpSpPr>
       <p:sp>
         <p:nvSpPr>
-          <p:cNvPr id="14340" name="Title 3"/>
+          <p:cNvPr id="20" name="Text Box 5"/>
           <p:cNvSpPr txBox="1">
-            <a:spLocks/>
+            <a:spLocks noChangeArrowheads="1"/>
           </p:cNvSpPr>
           <p:nvPr/>
         </p:nvSpPr>
         <p:spPr bwMode="auto">
           <a:xfrm>
-            <a:off x="533400" y="2971800"/>
-            <a:ext cx="32385000" cy="1219200"/>
+            <a:off x="11734800" y="6781801"/>
+            <a:ext cx="12573000" cy="9296400"/>
           </a:xfrm>
           <a:prstGeom prst="rect">
             <a:avLst/>
@@ -4088,29 +4088,243 @@
           </a:ln>
         </p:spPr>
         <p:txBody>
-          <a:bodyPr lIns="91434" tIns="45717" rIns="91434" bIns="45717" anchor="ctr">
+          <a:bodyPr lIns="49227" tIns="24614" rIns="49227" bIns="24614">
             <a:prstTxWarp prst="textNoShape">
               <a:avLst/>
             </a:prstTxWarp>
           </a:bodyPr>
           <a:lstStyle/>
           <a:p>
-            <a:pPr algn="l" defTabSz="455613"/>
-            <a:r>
-              <a:rPr lang="en-US" sz="8000" baseline="0" dirty="0" smtClean="0">
-                <a:solidFill>
-                  <a:srgbClr val="3366FF"/>
-                </a:solidFill>
-                <a:latin typeface="Corbel" charset="0"/>
-                <a:ea typeface="Corbel" charset="0"/>
-                <a:cs typeface="Corbel" charset="0"/>
-              </a:rPr>
-              <a:t>Leveraging computation structure for debugging datacenter applications</a:t>
-            </a:r>
-            <a:endParaRPr lang="en-US" sz="8000" baseline="0" dirty="0">
-              <a:solidFill>
-                <a:srgbClr val="3366FF"/>
-              </a:solidFill>
+            <a:pPr marL="911226" lvl="1" indent="-455613" algn="l" defTabSz="490538">
+              <a:lnSpc>
+                <a:spcPct val="105000"/>
+              </a:lnSpc>
+              <a:buFont typeface="Arial" charset="0"/>
+              <a:buChar char="•"/>
+            </a:pPr>
+            <a:r>
+              <a:rPr lang="en-US" sz="4500" baseline="0" dirty="0">
+                <a:latin typeface="Corbel" charset="0"/>
+                <a:ea typeface="Corbel" charset="0"/>
+                <a:cs typeface="Corbel" charset="0"/>
+              </a:rPr>
+              <a:t>A </a:t>
+            </a:r>
+            <a:r>
+              <a:rPr lang="en-US" sz="4500" baseline="0" dirty="0" smtClean="0">
+                <a:latin typeface="Corbel" charset="0"/>
+                <a:ea typeface="Corbel" charset="0"/>
+                <a:cs typeface="Corbel" charset="0"/>
+              </a:rPr>
+              <a:t>light-weight browser</a:t>
+            </a:r>
+            <a:r>
+              <a:rPr lang="en-US" sz="4500" baseline="0" dirty="0">
+                <a:latin typeface="Corbel" charset="0"/>
+                <a:ea typeface="Corbel" charset="0"/>
+                <a:cs typeface="Corbel" charset="0"/>
+              </a:rPr>
+              <a:t>-</a:t>
+            </a:r>
+            <a:r>
+              <a:rPr lang="en-US" sz="4500" baseline="0" dirty="0" smtClean="0">
+                <a:latin typeface="Corbel" charset="0"/>
+                <a:ea typeface="Corbel" charset="0"/>
+                <a:cs typeface="Corbel" charset="0"/>
+              </a:rPr>
+              <a:t>based integrated </a:t>
+            </a:r>
+            <a:r>
+              <a:rPr lang="en-US" sz="4500" i="1" baseline="0" dirty="0" smtClean="0">
+                <a:latin typeface="Corbel" charset="0"/>
+                <a:ea typeface="Corbel" charset="0"/>
+                <a:cs typeface="Corbel" charset="0"/>
+              </a:rPr>
+              <a:t>debugging</a:t>
+            </a:r>
+            <a:r>
+              <a:rPr lang="en-US" sz="4500" baseline="0" dirty="0" smtClean="0">
+                <a:latin typeface="Corbel" charset="0"/>
+                <a:ea typeface="Corbel" charset="0"/>
+                <a:cs typeface="Corbel" charset="0"/>
+              </a:rPr>
+              <a:t> environment</a:t>
+            </a:r>
+            <a:endParaRPr lang="en-US" sz="4500" baseline="0" dirty="0">
+              <a:latin typeface="Corbel" charset="0"/>
+              <a:ea typeface="Corbel" charset="0"/>
+              <a:cs typeface="Corbel" charset="0"/>
+            </a:endParaRPr>
+          </a:p>
+          <a:p>
+            <a:pPr marL="911226" lvl="1" indent="-455613" algn="l" defTabSz="490538">
+              <a:lnSpc>
+                <a:spcPct val="105000"/>
+              </a:lnSpc>
+              <a:buFont typeface="Arial" charset="0"/>
+              <a:buChar char="•"/>
+            </a:pPr>
+            <a:r>
+              <a:rPr lang="en-US" sz="4500" baseline="0" dirty="0" smtClean="0">
+                <a:latin typeface="Corbel" charset="0"/>
+                <a:ea typeface="Corbel" charset="0"/>
+                <a:cs typeface="Corbel" charset="0"/>
+              </a:rPr>
+              <a:t>Non-expert users can edit, debug, and visualize Spark </a:t>
+            </a:r>
+            <a:r>
+              <a:rPr lang="en-US" sz="4500" baseline="0" dirty="0">
+                <a:latin typeface="Corbel" charset="0"/>
+                <a:ea typeface="Corbel" charset="0"/>
+                <a:cs typeface="Corbel" charset="0"/>
+              </a:rPr>
+              <a:t>applications on the </a:t>
+            </a:r>
+            <a:r>
+              <a:rPr lang="en-US" sz="4500" baseline="0" dirty="0" smtClean="0">
+                <a:latin typeface="Corbel" charset="0"/>
+                <a:ea typeface="Corbel" charset="0"/>
+                <a:cs typeface="Corbel" charset="0"/>
+              </a:rPr>
+              <a:t>cluster</a:t>
+            </a:r>
+          </a:p>
+          <a:p>
+            <a:pPr marL="911226" lvl="1" indent="-455613" algn="l" defTabSz="490538">
+              <a:lnSpc>
+                <a:spcPct val="105000"/>
+              </a:lnSpc>
+              <a:buFont typeface="Arial" charset="0"/>
+              <a:buChar char="•"/>
+            </a:pPr>
+            <a:r>
+              <a:rPr lang="en-US" sz="4500" baseline="0" dirty="0" smtClean="0">
+                <a:latin typeface="Corbel" charset="0"/>
+                <a:ea typeface="Corbel" charset="0"/>
+                <a:cs typeface="Corbel" charset="0"/>
+              </a:rPr>
+              <a:t>Specifically, it allows the user to …</a:t>
+            </a:r>
+          </a:p>
+          <a:p>
+            <a:pPr marL="1368426" lvl="2" indent="-455613" algn="l" defTabSz="490538">
+              <a:lnSpc>
+                <a:spcPct val="105000"/>
+              </a:lnSpc>
+              <a:buFont typeface="Arial" charset="0"/>
+              <a:buChar char="•"/>
+            </a:pPr>
+            <a:r>
+              <a:rPr lang="en-US" sz="4500" b="1" baseline="0" dirty="0" smtClean="0">
+                <a:latin typeface="Corbel" charset="0"/>
+                <a:ea typeface="Corbel" charset="0"/>
+                <a:cs typeface="Corbel" charset="0"/>
+              </a:rPr>
+              <a:t>Visualize</a:t>
+            </a:r>
+            <a:r>
+              <a:rPr lang="en-US" sz="4500" baseline="0" dirty="0" smtClean="0">
+                <a:latin typeface="Corbel" charset="0"/>
+                <a:ea typeface="Corbel" charset="0"/>
+                <a:cs typeface="Corbel" charset="0"/>
+              </a:rPr>
+              <a:t> the lineage graph of generated RDDs </a:t>
+            </a:r>
+          </a:p>
+          <a:p>
+            <a:pPr marL="1368426" lvl="2" indent="-455613" algn="l" defTabSz="490538">
+              <a:lnSpc>
+                <a:spcPct val="105000"/>
+              </a:lnSpc>
+              <a:buFont typeface="Arial" charset="0"/>
+              <a:buChar char="•"/>
+            </a:pPr>
+            <a:r>
+              <a:rPr lang="en-US" sz="4500" b="1" baseline="0" dirty="0" smtClean="0">
+                <a:latin typeface="Corbel" charset="0"/>
+                <a:ea typeface="Corbel" charset="0"/>
+                <a:cs typeface="Corbel" charset="0"/>
+              </a:rPr>
+              <a:t>Reconstruct</a:t>
+            </a:r>
+            <a:r>
+              <a:rPr lang="en-US" sz="4500" baseline="0" dirty="0" smtClean="0">
+                <a:latin typeface="Corbel" charset="0"/>
+                <a:ea typeface="Corbel" charset="0"/>
+                <a:cs typeface="Corbel" charset="0"/>
+              </a:rPr>
+              <a:t> a specific RDD </a:t>
+            </a:r>
+            <a:r>
+              <a:rPr lang="en-US" sz="4500" baseline="0" dirty="0" smtClean="0">
+                <a:latin typeface="Corbel" charset="0"/>
+                <a:ea typeface="Corbel" charset="0"/>
+                <a:cs typeface="Corbel" charset="0"/>
+              </a:rPr>
+              <a:t>using the lineage and </a:t>
+            </a:r>
+            <a:r>
+              <a:rPr lang="en-US" sz="4500" baseline="0" dirty="0" smtClean="0">
+                <a:latin typeface="Corbel" charset="0"/>
+                <a:ea typeface="Corbel" charset="0"/>
+                <a:cs typeface="Corbel" charset="0"/>
+              </a:rPr>
+              <a:t>interactively run queries on it</a:t>
+            </a:r>
+          </a:p>
+          <a:p>
+            <a:pPr marL="1368426" lvl="2" indent="-455613" algn="l" defTabSz="490538">
+              <a:lnSpc>
+                <a:spcPct val="105000"/>
+              </a:lnSpc>
+              <a:buFont typeface="Arial" charset="0"/>
+              <a:buChar char="•"/>
+            </a:pPr>
+            <a:r>
+              <a:rPr lang="en-US" sz="4500" b="1" baseline="0" dirty="0" smtClean="0">
+                <a:latin typeface="Corbel" charset="0"/>
+                <a:ea typeface="Corbel" charset="0"/>
+                <a:cs typeface="Corbel" charset="0"/>
+              </a:rPr>
+              <a:t>Analyze</a:t>
+            </a:r>
+            <a:r>
+              <a:rPr lang="en-US" sz="4500" baseline="0" dirty="0" smtClean="0">
+                <a:latin typeface="Corbel" charset="0"/>
+                <a:ea typeface="Corbel" charset="0"/>
+                <a:cs typeface="Corbel" charset="0"/>
+              </a:rPr>
+              <a:t> logs distributed across the cluster</a:t>
+            </a:r>
+            <a:endParaRPr lang="en-US" sz="4500" baseline="0" dirty="0">
+              <a:latin typeface="Corbel" charset="0"/>
+              <a:ea typeface="Corbel" charset="0"/>
+              <a:cs typeface="Corbel" charset="0"/>
+            </a:endParaRPr>
+          </a:p>
+          <a:p>
+            <a:pPr marL="911226" lvl="1" indent="-455613" algn="l" defTabSz="490538">
+              <a:lnSpc>
+                <a:spcPct val="105000"/>
+              </a:lnSpc>
+              <a:buFont typeface="Arial" charset="0"/>
+              <a:buChar char="•"/>
+            </a:pPr>
+            <a:endParaRPr lang="en-US" sz="4500" baseline="0" dirty="0">
+              <a:latin typeface="Corbel" charset="0"/>
+              <a:ea typeface="Corbel" charset="0"/>
+              <a:cs typeface="Corbel" charset="0"/>
+            </a:endParaRPr>
+          </a:p>
+          <a:p>
+            <a:pPr marL="911226" lvl="1" indent="-455613" algn="l" defTabSz="490538">
+              <a:lnSpc>
+                <a:spcPct val="105000"/>
+              </a:lnSpc>
+              <a:buFont typeface="Arial" charset="0"/>
+              <a:buChar char="•"/>
+            </a:pPr>
+            <a:endParaRPr lang="en-US" sz="4500" baseline="0" dirty="0" smtClean="0">
               <a:latin typeface="Corbel" charset="0"/>
               <a:ea typeface="Corbel" charset="0"/>
               <a:cs typeface="Corbel" charset="0"/>
@@ -4166,169 +4380,6 @@
       </p:sp>
       <p:sp>
         <p:nvSpPr>
-          <p:cNvPr id="14342" name="Rectangle 58"/>
-          <p:cNvSpPr>
-            <a:spLocks noChangeArrowheads="1"/>
-          </p:cNvSpPr>
-          <p:nvPr/>
-        </p:nvSpPr>
-        <p:spPr bwMode="auto">
-          <a:xfrm>
-            <a:off x="533400" y="4267200"/>
-            <a:ext cx="30699758" cy="815602"/>
-          </a:xfrm>
-          <a:prstGeom prst="rect">
-            <a:avLst/>
-          </a:prstGeom>
-          <a:noFill/>
-          <a:ln w="9525">
-            <a:noFill/>
-            <a:miter lim="800000"/>
-            <a:headEnd/>
-            <a:tailEnd/>
-          </a:ln>
-        </p:spPr>
-        <p:txBody>
-          <a:bodyPr wrap="square" lIns="91434" tIns="45717" rIns="91434" bIns="45717">
-            <a:prstTxWarp prst="textNoShape">
-              <a:avLst/>
-            </a:prstTxWarp>
-            <a:spAutoFit/>
-          </a:bodyPr>
-          <a:lstStyle/>
-          <a:p>
-            <a:pPr algn="l">
-              <a:defRPr/>
-            </a:pPr>
-            <a:r>
-              <a:rPr lang="en-US" sz="4700" baseline="0" dirty="0">
-                <a:solidFill>
-                  <a:schemeClr val="bg1">
-                    <a:lumMod val="50000"/>
-                  </a:schemeClr>
-                </a:solidFill>
-                <a:latin typeface="Corbel" charset="0"/>
-                <a:ea typeface="Corbel" charset="0"/>
-                <a:cs typeface="Corbel" charset="0"/>
-              </a:rPr>
-              <a:t>Murphy McCauley, </a:t>
-            </a:r>
-            <a:r>
-              <a:rPr lang="en-US" sz="4700" baseline="0" dirty="0" err="1">
-                <a:solidFill>
-                  <a:schemeClr val="bg1">
-                    <a:lumMod val="50000"/>
-                  </a:schemeClr>
-                </a:solidFill>
-                <a:latin typeface="Corbel" charset="0"/>
-                <a:ea typeface="Corbel" charset="0"/>
-                <a:cs typeface="Corbel" charset="0"/>
-              </a:rPr>
-              <a:t>Matei</a:t>
-            </a:r>
-            <a:r>
-              <a:rPr lang="en-US" sz="4700" baseline="0" dirty="0">
-                <a:solidFill>
-                  <a:schemeClr val="bg1">
-                    <a:lumMod val="50000"/>
-                  </a:schemeClr>
-                </a:solidFill>
-                <a:latin typeface="Corbel" charset="0"/>
-                <a:ea typeface="Corbel" charset="0"/>
-                <a:cs typeface="Corbel" charset="0"/>
-              </a:rPr>
-              <a:t> </a:t>
-            </a:r>
-            <a:r>
-              <a:rPr lang="en-US" sz="4700" baseline="0" dirty="0" err="1" smtClean="0">
-                <a:solidFill>
-                  <a:schemeClr val="bg1">
-                    <a:lumMod val="50000"/>
-                  </a:schemeClr>
-                </a:solidFill>
-                <a:latin typeface="Corbel" charset="0"/>
-                <a:ea typeface="Corbel" charset="0"/>
-                <a:cs typeface="Corbel" charset="0"/>
-              </a:rPr>
-              <a:t>Zaharia</a:t>
-            </a:r>
-            <a:r>
-              <a:rPr lang="en-US" sz="4700" baseline="0" dirty="0" smtClean="0">
-                <a:solidFill>
-                  <a:schemeClr val="bg1">
-                    <a:lumMod val="50000"/>
-                  </a:schemeClr>
-                </a:solidFill>
-                <a:latin typeface="Corbel" charset="0"/>
-                <a:ea typeface="Corbel" charset="0"/>
-                <a:cs typeface="Corbel" charset="0"/>
-              </a:rPr>
-              <a:t>, </a:t>
-            </a:r>
-            <a:r>
-              <a:rPr lang="en-US" sz="4700" baseline="0" dirty="0">
-                <a:solidFill>
-                  <a:schemeClr val="bg1">
-                    <a:lumMod val="50000"/>
-                  </a:schemeClr>
-                </a:solidFill>
-                <a:latin typeface="Corbel" charset="0"/>
-                <a:ea typeface="Corbel" charset="0"/>
-                <a:cs typeface="Corbel" charset="0"/>
-              </a:rPr>
-              <a:t>Tathagata Das, Scott </a:t>
-            </a:r>
-            <a:r>
-              <a:rPr lang="en-US" sz="4700" baseline="0" dirty="0" err="1">
-                <a:solidFill>
-                  <a:schemeClr val="bg1">
-                    <a:lumMod val="50000"/>
-                  </a:schemeClr>
-                </a:solidFill>
-                <a:latin typeface="Corbel" charset="0"/>
-                <a:ea typeface="Corbel" charset="0"/>
-                <a:cs typeface="Corbel" charset="0"/>
-              </a:rPr>
-              <a:t>Shenker</a:t>
-            </a:r>
-            <a:r>
-              <a:rPr lang="en-US" sz="4700" baseline="0" dirty="0">
-                <a:solidFill>
-                  <a:schemeClr val="bg1">
-                    <a:lumMod val="50000"/>
-                  </a:schemeClr>
-                </a:solidFill>
-                <a:latin typeface="Corbel" charset="0"/>
-                <a:ea typeface="Corbel" charset="0"/>
-                <a:cs typeface="Corbel" charset="0"/>
-              </a:rPr>
-              <a:t>, Ion </a:t>
-            </a:r>
-            <a:r>
-              <a:rPr lang="en-US" sz="4700" baseline="0" dirty="0" err="1">
-                <a:solidFill>
-                  <a:schemeClr val="bg1">
-                    <a:lumMod val="50000"/>
-                  </a:schemeClr>
-                </a:solidFill>
-                <a:latin typeface="Corbel" charset="0"/>
-                <a:ea typeface="Corbel" charset="0"/>
-                <a:cs typeface="Corbel" charset="0"/>
-              </a:rPr>
-              <a:t>Stoica</a:t>
-            </a:r>
-            <a:endParaRPr lang="en-US" sz="4700" baseline="0" dirty="0">
-              <a:solidFill>
-                <a:schemeClr val="bg1">
-                  <a:lumMod val="50000"/>
-                </a:schemeClr>
-              </a:solidFill>
-            </a:endParaRPr>
-          </a:p>
-        </p:txBody>
-      </p:sp>
-      <p:sp>
-        <p:nvSpPr>
           <p:cNvPr id="14344" name="Text Box 5"/>
           <p:cNvSpPr txBox="1">
             <a:spLocks noChangeArrowheads="1"/>
@@ -4337,8 +4388,8 @@
         </p:nvSpPr>
         <p:spPr bwMode="auto">
           <a:xfrm>
-            <a:off x="12268200" y="5410200"/>
-            <a:ext cx="19888200" cy="1295400"/>
+            <a:off x="11734800" y="5410200"/>
+            <a:ext cx="20421600" cy="1295400"/>
           </a:xfrm>
           <a:prstGeom prst="rect">
             <a:avLst/>
@@ -4370,7 +4421,7 @@
                 <a:ea typeface="Corbel" charset="0"/>
                 <a:cs typeface="Corbel" charset="0"/>
               </a:rPr>
-              <a:t>Spark Studio </a:t>
+              <a:t>Spark Studio</a:t>
             </a:r>
             <a:endParaRPr lang="en-US" sz="6200" b="1" baseline="0" dirty="0">
               <a:latin typeface="Corbel" charset="0"/>
@@ -4390,8 +4441,8 @@
         </p:nvSpPr>
         <p:spPr bwMode="auto">
           <a:xfrm>
-            <a:off x="23337127" y="12954000"/>
-            <a:ext cx="9505073" cy="13746839"/>
+            <a:off x="23337127" y="17754600"/>
+            <a:ext cx="8819273" cy="8946239"/>
           </a:xfrm>
           <a:prstGeom prst="rect">
             <a:avLst/>
@@ -4419,6 +4470,173 @@
               <a:buFont typeface="Arial" charset="0"/>
               <a:buChar char="•"/>
             </a:pPr>
+            <a:r>
+              <a:rPr lang="en-US" sz="4500" baseline="0" dirty="0" smtClean="0">
+                <a:latin typeface="Corbel" charset="0"/>
+                <a:ea typeface="Corbel" charset="0"/>
+                <a:cs typeface="Corbel" charset="0"/>
+              </a:rPr>
+              <a:t>Performance profiling</a:t>
+            </a:r>
+          </a:p>
+          <a:p>
+            <a:pPr marL="911226" lvl="1" indent="-455613" algn="l" defTabSz="490538">
+              <a:lnSpc>
+                <a:spcPct val="105000"/>
+              </a:lnSpc>
+              <a:buFont typeface="Arial" charset="0"/>
+              <a:buChar char="•"/>
+            </a:pPr>
+            <a:r>
+              <a:rPr lang="en-US" sz="4500" baseline="0" dirty="0" smtClean="0">
+                <a:latin typeface="Corbel" charset="0"/>
+                <a:ea typeface="Corbel" charset="0"/>
+                <a:cs typeface="Corbel" charset="0"/>
+              </a:rPr>
+              <a:t>Execution time profiles</a:t>
+            </a:r>
+          </a:p>
+          <a:p>
+            <a:pPr marL="911226" lvl="1" indent="-455613" algn="l" defTabSz="490538">
+              <a:lnSpc>
+                <a:spcPct val="105000"/>
+              </a:lnSpc>
+              <a:buFont typeface="Arial" charset="0"/>
+              <a:buChar char="•"/>
+            </a:pPr>
+            <a:r>
+              <a:rPr lang="en-US" sz="4500" baseline="0" dirty="0" smtClean="0">
+                <a:latin typeface="Corbel" charset="0"/>
+                <a:ea typeface="Corbel" charset="0"/>
+                <a:cs typeface="Corbel" charset="0"/>
+              </a:rPr>
+              <a:t>Memory usage profiles</a:t>
+            </a:r>
+          </a:p>
+          <a:p>
+            <a:pPr marL="455613" indent="-455613" algn="l" defTabSz="490538">
+              <a:lnSpc>
+                <a:spcPct val="105000"/>
+              </a:lnSpc>
+              <a:buFont typeface="Arial" charset="0"/>
+              <a:buChar char="•"/>
+            </a:pPr>
+            <a:r>
+              <a:rPr lang="en-US" sz="4500" baseline="0" dirty="0" smtClean="0">
+                <a:latin typeface="Corbel" charset="0"/>
+                <a:ea typeface="Corbel" charset="0"/>
+                <a:cs typeface="Corbel" charset="0"/>
+              </a:rPr>
+              <a:t>More visualizations</a:t>
+            </a:r>
+          </a:p>
+          <a:p>
+            <a:pPr marL="911226" lvl="1" indent="-455613" algn="l" defTabSz="490538">
+              <a:lnSpc>
+                <a:spcPct val="105000"/>
+              </a:lnSpc>
+              <a:buFont typeface="Arial" charset="0"/>
+              <a:buChar char="•"/>
+            </a:pPr>
+            <a:r>
+              <a:rPr lang="en-US" sz="4500" baseline="0" dirty="0" smtClean="0">
+                <a:latin typeface="Corbel" charset="0"/>
+                <a:ea typeface="Corbel" charset="0"/>
+                <a:cs typeface="Corbel" charset="0"/>
+              </a:rPr>
+              <a:t>Node-specific task schedule view</a:t>
+            </a:r>
+          </a:p>
+          <a:p>
+            <a:pPr marL="911226" lvl="1" indent="-455613" algn="l" defTabSz="490538">
+              <a:lnSpc>
+                <a:spcPct val="105000"/>
+              </a:lnSpc>
+              <a:buFont typeface="Arial" charset="0"/>
+              <a:buChar char="•"/>
+            </a:pPr>
+            <a:r>
+              <a:rPr lang="en-US" sz="4500" baseline="0" dirty="0" smtClean="0">
+                <a:latin typeface="Corbel" charset="0"/>
+                <a:ea typeface="Corbel" charset="0"/>
+                <a:cs typeface="Corbel" charset="0"/>
+              </a:rPr>
+              <a:t>Data visualizations</a:t>
+            </a:r>
+          </a:p>
+          <a:p>
+            <a:pPr marL="455613" indent="-455613" algn="l" defTabSz="490538">
+              <a:lnSpc>
+                <a:spcPct val="105000"/>
+              </a:lnSpc>
+              <a:buFont typeface="Arial" charset="0"/>
+              <a:buChar char="•"/>
+            </a:pPr>
+            <a:r>
+              <a:rPr lang="en-US" sz="4500" baseline="0" dirty="0" smtClean="0">
+                <a:latin typeface="Corbel" charset="0"/>
+                <a:ea typeface="Corbel" charset="0"/>
+                <a:cs typeface="Corbel" charset="0"/>
+              </a:rPr>
+              <a:t>System status </a:t>
+            </a:r>
+          </a:p>
+          <a:p>
+            <a:pPr marL="911226" lvl="1" indent="-455613" algn="l" defTabSz="490538">
+              <a:lnSpc>
+                <a:spcPct val="105000"/>
+              </a:lnSpc>
+              <a:buFont typeface="Arial" charset="0"/>
+              <a:buChar char="•"/>
+            </a:pPr>
+            <a:r>
+              <a:rPr lang="en-US" sz="4500" baseline="0" dirty="0" smtClean="0">
+                <a:latin typeface="Corbel" charset="0"/>
+                <a:ea typeface="Corbel" charset="0"/>
+                <a:cs typeface="Corbel" charset="0"/>
+              </a:rPr>
+              <a:t>Higher level counters like number of garbage collections</a:t>
+            </a:r>
+          </a:p>
+          <a:p>
+            <a:pPr marL="455613" indent="-455613" algn="l" defTabSz="490538">
+              <a:lnSpc>
+                <a:spcPct val="105000"/>
+              </a:lnSpc>
+              <a:buFont typeface="Arial" charset="0"/>
+              <a:buChar char="•"/>
+            </a:pPr>
+            <a:r>
+              <a:rPr lang="en-US" sz="4500" baseline="0" dirty="0" smtClean="0">
+                <a:latin typeface="Corbel" charset="0"/>
+                <a:ea typeface="Corbel" charset="0"/>
+                <a:cs typeface="Corbel" charset="0"/>
+              </a:rPr>
+              <a:t>Suggestions from Spark users, </a:t>
+            </a:r>
+          </a:p>
+          <a:p>
+            <a:pPr algn="l" defTabSz="490538">
+              <a:lnSpc>
+                <a:spcPct val="105000"/>
+              </a:lnSpc>
+            </a:pPr>
+            <a:r>
+              <a:rPr lang="en-US" sz="4500" baseline="0" dirty="0">
+                <a:latin typeface="Corbel" charset="0"/>
+                <a:ea typeface="Corbel" charset="0"/>
+                <a:cs typeface="Corbel" charset="0"/>
+              </a:rPr>
+              <a:t>	</a:t>
+            </a:r>
+            <a:r>
+              <a:rPr lang="en-US" sz="4500" baseline="0" dirty="0" smtClean="0">
+                <a:latin typeface="Corbel" charset="0"/>
+                <a:ea typeface="Corbel" charset="0"/>
+                <a:cs typeface="Corbel" charset="0"/>
+              </a:rPr>
+              <a:t>you tell us!</a:t>
+            </a:r>
             <a:endParaRPr lang="en-US" sz="4500" baseline="0" dirty="0">
               <a:latin typeface="Corbel" charset="0"/>
               <a:ea typeface="Corbel" charset="0"/>
@@ -4498,8 +4716,8 @@
         </p:nvSpPr>
         <p:spPr bwMode="auto">
           <a:xfrm>
-            <a:off x="572710" y="5432980"/>
-            <a:ext cx="11012339" cy="1295400"/>
+            <a:off x="953711" y="5410200"/>
+            <a:ext cx="9942889" cy="1295400"/>
           </a:xfrm>
           <a:prstGeom prst="rect">
             <a:avLst/>
@@ -4543,312 +4761,6 @@
       </p:sp>
       <p:sp>
         <p:nvSpPr>
-          <p:cNvPr id="75" name="Text Box 5"/>
-          <p:cNvSpPr txBox="1">
-            <a:spLocks noChangeArrowheads="1"/>
-          </p:cNvSpPr>
-          <p:nvPr/>
-        </p:nvSpPr>
-        <p:spPr bwMode="auto">
-          <a:xfrm>
-            <a:off x="527352" y="6738474"/>
-            <a:ext cx="11055048" cy="12235325"/>
-          </a:xfrm>
-          <a:prstGeom prst="rect">
-            <a:avLst/>
-          </a:prstGeom>
-          <a:noFill/>
-          <a:ln w="9525">
-            <a:noFill/>
-            <a:miter lim="800000"/>
-            <a:headEnd/>
-            <a:tailEnd/>
-          </a:ln>
-        </p:spPr>
-        <p:txBody>
-          <a:bodyPr lIns="49227" tIns="24614" rIns="49227" bIns="24614">
-            <a:prstTxWarp prst="textNoShape">
-              <a:avLst/>
-            </a:prstTxWarp>
-          </a:bodyPr>
-          <a:lstStyle/>
-          <a:p>
-            <a:pPr marL="455613" indent="-455613" algn="l" defTabSz="490538">
-              <a:lnSpc>
-                <a:spcPct val="105000"/>
-              </a:lnSpc>
-              <a:buFont typeface="Arial" charset="0"/>
-              <a:buChar char="•"/>
-            </a:pPr>
-            <a:r>
-              <a:rPr lang="en-US" sz="4500" baseline="0" dirty="0" smtClean="0">
-                <a:latin typeface="Corbel" charset="0"/>
-                <a:ea typeface="Corbel" charset="0"/>
-                <a:cs typeface="Corbel" charset="0"/>
-              </a:rPr>
-              <a:t>Debugging distributed datacenter applications is hard and slow, especially for non-experts</a:t>
-            </a:r>
-          </a:p>
-          <a:p>
-            <a:pPr marL="911226" lvl="1" indent="-455613" algn="l" defTabSz="490538">
-              <a:lnSpc>
-                <a:spcPct val="105000"/>
-              </a:lnSpc>
-              <a:buFont typeface="Arial" charset="0"/>
-              <a:buChar char="•"/>
-            </a:pPr>
-            <a:r>
-              <a:rPr lang="en-US" sz="4500" baseline="0" dirty="0" smtClean="0">
-                <a:latin typeface="Corbel" charset="0"/>
-                <a:ea typeface="Corbel" charset="0"/>
-                <a:cs typeface="Corbel" charset="0"/>
-              </a:rPr>
-              <a:t>In addition to logical correctness, </a:t>
-            </a:r>
-            <a:r>
-              <a:rPr lang="en-US" sz="4500" i="1" baseline="0" dirty="0" smtClean="0">
-                <a:latin typeface="Corbel" charset="0"/>
-                <a:ea typeface="Corbel" charset="0"/>
-                <a:cs typeface="Corbel" charset="0"/>
-              </a:rPr>
-              <a:t>performance is important </a:t>
-            </a:r>
-            <a:endParaRPr lang="en-US" sz="4500" baseline="0" dirty="0" smtClean="0">
-              <a:latin typeface="Corbel" charset="0"/>
-              <a:ea typeface="Corbel" charset="0"/>
-              <a:cs typeface="Corbel" charset="0"/>
-            </a:endParaRPr>
-          </a:p>
-          <a:p>
-            <a:pPr marL="455613" indent="-455613" algn="l" defTabSz="490538">
-              <a:lnSpc>
-                <a:spcPct val="105000"/>
-              </a:lnSpc>
-              <a:buFont typeface="Arial" charset="0"/>
-              <a:buChar char="•"/>
-            </a:pPr>
-            <a:r>
-              <a:rPr lang="en-US" sz="4500" baseline="0" dirty="0" smtClean="0">
-                <a:latin typeface="Corbel" charset="0"/>
-                <a:ea typeface="Corbel" charset="0"/>
-                <a:cs typeface="Corbel" charset="0"/>
-              </a:rPr>
-              <a:t>Hard </a:t>
-            </a:r>
-            <a:r>
-              <a:rPr lang="en-US" sz="4500" baseline="0" dirty="0">
-                <a:latin typeface="Corbel" charset="0"/>
-                <a:ea typeface="Corbel" charset="0"/>
-                <a:cs typeface="Corbel" charset="0"/>
-              </a:rPr>
-              <a:t>to judge </a:t>
-            </a:r>
-            <a:r>
-              <a:rPr lang="en-US" sz="4500" i="1" baseline="0" dirty="0">
-                <a:latin typeface="Corbel" charset="0"/>
-                <a:ea typeface="Corbel" charset="0"/>
-                <a:cs typeface="Corbel" charset="0"/>
-              </a:rPr>
-              <a:t>expected </a:t>
-            </a:r>
-            <a:r>
-              <a:rPr lang="en-US" sz="4500" i="1" baseline="0" dirty="0" smtClean="0">
-                <a:latin typeface="Corbel" charset="0"/>
-                <a:ea typeface="Corbel" charset="0"/>
-                <a:cs typeface="Corbel" charset="0"/>
-              </a:rPr>
-              <a:t>performance </a:t>
-            </a:r>
-            <a:r>
-              <a:rPr lang="en-US" sz="4500" baseline="0" dirty="0" smtClean="0">
-                <a:latin typeface="Corbel" charset="0"/>
-                <a:ea typeface="Corbel" charset="0"/>
-                <a:cs typeface="Corbel" charset="0"/>
-              </a:rPr>
-              <a:t>as multi</a:t>
-            </a:r>
-            <a:r>
-              <a:rPr lang="en-US" sz="4500" baseline="0" dirty="0" smtClean="0">
-                <a:latin typeface="Corbel" charset="0"/>
-                <a:ea typeface="Corbel" charset="0"/>
-                <a:cs typeface="Corbel" charset="0"/>
-              </a:rPr>
-              <a:t>-stage parallel computation on </a:t>
-            </a:r>
-            <a:r>
-              <a:rPr lang="en-US" sz="4500" baseline="0" dirty="0" smtClean="0">
-                <a:latin typeface="Corbel" charset="0"/>
-                <a:ea typeface="Corbel" charset="0"/>
-                <a:cs typeface="Corbel" charset="0"/>
-              </a:rPr>
-              <a:t>large clusters </a:t>
-            </a:r>
-            <a:r>
-              <a:rPr lang="en-US" sz="4500" baseline="0" dirty="0" smtClean="0">
-                <a:latin typeface="Corbel" charset="0"/>
-                <a:ea typeface="Corbel" charset="0"/>
-                <a:cs typeface="Corbel" charset="0"/>
-              </a:rPr>
-              <a:t>can have non-intuitive behavior</a:t>
-            </a:r>
-            <a:endParaRPr lang="en-US" sz="4500" baseline="0" dirty="0">
-              <a:latin typeface="Corbel" charset="0"/>
-              <a:ea typeface="Corbel" charset="0"/>
-              <a:cs typeface="Corbel" charset="0"/>
-            </a:endParaRPr>
-          </a:p>
-          <a:p>
-            <a:pPr marL="455613" indent="-455613" algn="l" defTabSz="490538">
-              <a:lnSpc>
-                <a:spcPct val="105000"/>
-              </a:lnSpc>
-              <a:buFont typeface="Arial" charset="0"/>
-              <a:buChar char="•"/>
-            </a:pPr>
-            <a:r>
-              <a:rPr lang="en-US" sz="4500" baseline="0" dirty="0" smtClean="0">
-                <a:latin typeface="Corbel" charset="0"/>
-                <a:ea typeface="Corbel" charset="0"/>
-                <a:cs typeface="Corbel" charset="0"/>
-              </a:rPr>
-              <a:t>Hard to analyze </a:t>
-            </a:r>
-            <a:r>
-              <a:rPr lang="en-US" sz="4500" i="1" baseline="0" dirty="0" smtClean="0">
-                <a:latin typeface="Corbel" charset="0"/>
-                <a:ea typeface="Corbel" charset="0"/>
-                <a:cs typeface="Corbel" charset="0"/>
-              </a:rPr>
-              <a:t>actual </a:t>
-            </a:r>
-            <a:r>
-              <a:rPr lang="en-US" sz="4500" i="1" baseline="0" dirty="0" smtClean="0">
-                <a:latin typeface="Corbel" charset="0"/>
-                <a:ea typeface="Corbel" charset="0"/>
-                <a:cs typeface="Corbel" charset="0"/>
-              </a:rPr>
-              <a:t>performance </a:t>
-            </a:r>
-            <a:r>
-              <a:rPr lang="en-US" sz="4500" baseline="0" dirty="0" smtClean="0">
-                <a:latin typeface="Corbel" charset="0"/>
-                <a:ea typeface="Corbel" charset="0"/>
-                <a:cs typeface="Corbel" charset="0"/>
-              </a:rPr>
-              <a:t>due to </a:t>
-            </a:r>
-            <a:r>
-              <a:rPr lang="en-US" sz="4500" baseline="0" dirty="0" smtClean="0">
-                <a:latin typeface="Corbel" charset="0"/>
-                <a:ea typeface="Corbel" charset="0"/>
-                <a:cs typeface="Corbel" charset="0"/>
-              </a:rPr>
-              <a:t>i</a:t>
-            </a:r>
-            <a:r>
-              <a:rPr lang="en-US" sz="4500" baseline="0" dirty="0" smtClean="0">
-                <a:latin typeface="Corbel" charset="0"/>
-                <a:ea typeface="Corbel" charset="0"/>
-                <a:cs typeface="Corbel" charset="0"/>
-              </a:rPr>
-              <a:t>nsufficient </a:t>
-            </a:r>
-            <a:r>
-              <a:rPr lang="en-US" sz="4500" baseline="0" dirty="0" smtClean="0">
-                <a:latin typeface="Corbel" charset="0"/>
-                <a:ea typeface="Corbel" charset="0"/>
-                <a:cs typeface="Corbel" charset="0"/>
-              </a:rPr>
-              <a:t>feedback of application </a:t>
-            </a:r>
-            <a:r>
-              <a:rPr lang="en-US" sz="4500" baseline="0" dirty="0" smtClean="0">
-                <a:latin typeface="Corbel" charset="0"/>
-                <a:ea typeface="Corbel" charset="0"/>
-                <a:cs typeface="Corbel" charset="0"/>
-              </a:rPr>
-              <a:t>execution</a:t>
-            </a:r>
-            <a:endParaRPr lang="en-US" sz="4500" baseline="0" dirty="0">
-              <a:latin typeface="Corbel" charset="0"/>
-              <a:ea typeface="Corbel" charset="0"/>
-              <a:cs typeface="Corbel" charset="0"/>
-            </a:endParaRPr>
-          </a:p>
-          <a:p>
-            <a:pPr marL="455613" indent="-455613" algn="l" defTabSz="490538">
-              <a:lnSpc>
-                <a:spcPct val="105000"/>
-              </a:lnSpc>
-              <a:buFont typeface="Arial" charset="0"/>
-              <a:buChar char="•"/>
-            </a:pPr>
-            <a:r>
-              <a:rPr lang="en-US" sz="4500" baseline="0" dirty="0" smtClean="0">
-                <a:latin typeface="Corbel" charset="0"/>
-                <a:ea typeface="Corbel" charset="0"/>
-                <a:cs typeface="Corbel" charset="0"/>
-              </a:rPr>
-              <a:t>Existing debuggers use logging, but have high overhead</a:t>
-            </a:r>
-          </a:p>
-          <a:p>
-            <a:pPr marL="455613" indent="-455613" algn="l" defTabSz="490538">
-              <a:lnSpc>
-                <a:spcPct val="105000"/>
-              </a:lnSpc>
-              <a:buFont typeface="Arial" charset="0"/>
-              <a:buChar char="•"/>
-            </a:pPr>
-            <a:r>
-              <a:rPr lang="en-US" sz="4500" baseline="0" dirty="0" smtClean="0">
-                <a:latin typeface="Corbel" charset="0"/>
-                <a:ea typeface="Corbel" charset="0"/>
-                <a:cs typeface="Corbel" charset="0"/>
-              </a:rPr>
-              <a:t>Spark makes writing applications fast and intuitive. </a:t>
-            </a:r>
-            <a:r>
-              <a:rPr lang="en-US" sz="4500" i="1" baseline="0" dirty="0" smtClean="0">
-                <a:latin typeface="Corbel" charset="0"/>
-                <a:ea typeface="Corbel" charset="0"/>
-                <a:cs typeface="Corbel" charset="0"/>
-              </a:rPr>
-              <a:t>Can it make debugging fast?</a:t>
-            </a:r>
-          </a:p>
-          <a:p>
-            <a:pPr marL="911226" lvl="1" indent="-455613" algn="l" defTabSz="490538">
-              <a:lnSpc>
-                <a:spcPct val="105000"/>
-              </a:lnSpc>
-              <a:buFont typeface="Arial" charset="0"/>
-              <a:buChar char="•"/>
-            </a:pPr>
-            <a:endParaRPr lang="en-US" sz="4500" baseline="0" dirty="0">
-              <a:latin typeface="Corbel" charset="0"/>
-              <a:ea typeface="Corbel" charset="0"/>
-              <a:cs typeface="Corbel" charset="0"/>
-            </a:endParaRPr>
-          </a:p>
-          <a:p>
-            <a:pPr marL="911226" lvl="1" indent="-455613" algn="l" defTabSz="490538">
-              <a:lnSpc>
-                <a:spcPct val="105000"/>
-              </a:lnSpc>
-              <a:buFont typeface="Arial" charset="0"/>
-              <a:buChar char="•"/>
-            </a:pPr>
-            <a:endParaRPr lang="en-US" sz="4500" baseline="0" dirty="0" smtClean="0">
-              <a:latin typeface="Corbel" charset="0"/>
-              <a:ea typeface="Corbel" charset="0"/>
-              <a:cs typeface="Corbel" charset="0"/>
-            </a:endParaRPr>
-          </a:p>
-        </p:txBody>
-      </p:sp>
-      <p:sp>
-        <p:nvSpPr>
           <p:cNvPr id="79" name="Text Box 5"/>
           <p:cNvSpPr txBox="1">
             <a:spLocks noChangeArrowheads="1"/>
@@ -4857,1699 +4769,8 @@
         </p:nvSpPr>
         <p:spPr bwMode="auto">
           <a:xfrm>
-            <a:off x="609600" y="19354800"/>
-            <a:ext cx="10977604" cy="1295400"/>
-          </a:xfrm>
-          <a:prstGeom prst="rect">
-            <a:avLst/>
-          </a:prstGeom>
-          <a:noFill/>
-          <a:ln w="9525">
-            <a:noFill/>
-            <a:miter lim="800000"/>
-            <a:headEnd/>
-            <a:tailEnd/>
-          </a:ln>
-        </p:spPr>
-        <p:txBody>
-          <a:bodyPr lIns="49227" tIns="24614" rIns="49227" bIns="24614">
-            <a:prstTxWarp prst="textNoShape">
-              <a:avLst/>
-            </a:prstTxWarp>
-          </a:bodyPr>
-          <a:lstStyle/>
-          <a:p>
-            <a:pPr marL="455613" indent="-455613" defTabSz="490538">
-              <a:lnSpc>
-                <a:spcPct val="110000"/>
-              </a:lnSpc>
-            </a:pPr>
-            <a:r>
-              <a:rPr lang="en-US" sz="6200" b="1" baseline="0" dirty="0" smtClean="0">
-                <a:latin typeface="Corbel" charset="0"/>
-                <a:ea typeface="Corbel" charset="0"/>
-                <a:cs typeface="Corbel" charset="0"/>
-              </a:rPr>
-              <a:t>Approach</a:t>
-            </a:r>
-            <a:endParaRPr lang="en-US" sz="6200" b="1" baseline="0" dirty="0">
-              <a:latin typeface="Corbel" charset="0"/>
-              <a:ea typeface="Corbel" charset="0"/>
-              <a:cs typeface="Corbel" charset="0"/>
-            </a:endParaRPr>
-          </a:p>
-        </p:txBody>
-      </p:sp>
-      <p:pic>
-        <p:nvPicPr>
-          <p:cNvPr id="2" name="Picture 1" descr="amplab_hires.png"/>
-          <p:cNvPicPr>
-            <a:picLocks noChangeAspect="1"/>
-          </p:cNvPicPr>
-          <p:nvPr/>
-        </p:nvPicPr>
-        <p:blipFill>
-          <a:blip r:embed="rId3">
-            <a:extLst>
-              <a:ext uri="{28A0092B-C50C-407E-A947-70E740481C1C}">
-                <a14:useLocalDpi xmlns:a14="http://schemas.microsoft.com/office/drawing/2010/main" val="0"/>
-              </a:ext>
-            </a:extLst>
-          </a:blip>
-          <a:stretch>
-            <a:fillRect/>
-          </a:stretch>
-        </p:blipFill>
-        <p:spPr>
-          <a:xfrm>
-            <a:off x="18259095" y="228600"/>
-            <a:ext cx="7267905" cy="2438400"/>
-          </a:xfrm>
-          <a:prstGeom prst="rect">
-            <a:avLst/>
-          </a:prstGeom>
-        </p:spPr>
-      </p:pic>
-      <p:sp>
-        <p:nvSpPr>
-          <p:cNvPr id="101" name="Text Box 5"/>
-          <p:cNvSpPr txBox="1">
-            <a:spLocks noChangeArrowheads="1"/>
-          </p:cNvSpPr>
-          <p:nvPr/>
-        </p:nvSpPr>
-        <p:spPr bwMode="auto">
-          <a:xfrm>
-            <a:off x="11963400" y="16383000"/>
-            <a:ext cx="9982200" cy="1295400"/>
-          </a:xfrm>
-          <a:prstGeom prst="rect">
-            <a:avLst/>
-          </a:prstGeom>
-          <a:noFill/>
-          <a:ln w="9525">
-            <a:noFill/>
-            <a:miter lim="800000"/>
-            <a:headEnd/>
-            <a:tailEnd/>
-          </a:ln>
-        </p:spPr>
-        <p:txBody>
-          <a:bodyPr lIns="49227" tIns="24614" rIns="49227" bIns="24614" anchor="ctr">
-            <a:prstTxWarp prst="textNoShape">
-              <a:avLst/>
-            </a:prstTxWarp>
-          </a:bodyPr>
-          <a:lstStyle/>
-          <a:p>
-            <a:pPr marL="455613" indent="-455613" defTabSz="490538">
-              <a:lnSpc>
-                <a:spcPct val="80000"/>
-              </a:lnSpc>
-            </a:pPr>
-            <a:r>
-              <a:rPr lang="en-US" sz="6200" b="1" baseline="0" dirty="0" smtClean="0">
-                <a:latin typeface="Corbel" charset="0"/>
-                <a:ea typeface="Corbel" charset="0"/>
-                <a:cs typeface="Corbel" charset="0"/>
-              </a:rPr>
-              <a:t>Screenshots</a:t>
-            </a:r>
-            <a:endParaRPr lang="en-US" sz="6200" b="1" baseline="0" dirty="0">
-              <a:latin typeface="Corbel" charset="0"/>
-              <a:ea typeface="Corbel" charset="0"/>
-              <a:cs typeface="Corbel" charset="0"/>
-            </a:endParaRPr>
-          </a:p>
-        </p:txBody>
-      </p:sp>
-      <p:sp>
-        <p:nvSpPr>
-          <p:cNvPr id="70" name="Text Box 5"/>
-          <p:cNvSpPr txBox="1">
-            <a:spLocks noChangeArrowheads="1"/>
-          </p:cNvSpPr>
-          <p:nvPr/>
-        </p:nvSpPr>
-        <p:spPr bwMode="auto">
-          <a:xfrm>
-            <a:off x="19278600" y="8686800"/>
-            <a:ext cx="6096000" cy="7391400"/>
-          </a:xfrm>
-          <a:prstGeom prst="rect">
-            <a:avLst/>
-          </a:prstGeom>
-          <a:noFill/>
-          <a:ln w="9525">
-            <a:noFill/>
-            <a:miter lim="800000"/>
-            <a:headEnd/>
-            <a:tailEnd/>
-          </a:ln>
-        </p:spPr>
-        <p:txBody>
-          <a:bodyPr lIns="49227" tIns="24614" rIns="49227" bIns="24614">
-            <a:prstTxWarp prst="textNoShape">
-              <a:avLst/>
-            </a:prstTxWarp>
-          </a:bodyPr>
-          <a:lstStyle/>
-          <a:p>
-            <a:pPr lvl="1" indent="0" defTabSz="490538">
-              <a:lnSpc>
-                <a:spcPct val="105000"/>
-              </a:lnSpc>
-            </a:pPr>
-            <a:r>
-              <a:rPr lang="en-US" sz="5400" b="1" baseline="0" dirty="0" smtClean="0">
-                <a:latin typeface="Corbel" charset="0"/>
-                <a:ea typeface="Corbel" charset="0"/>
-                <a:cs typeface="Corbel" charset="0"/>
-              </a:rPr>
-              <a:t>Replay</a:t>
-            </a:r>
-          </a:p>
-          <a:p>
-            <a:pPr lvl="1" indent="0" algn="l" defTabSz="490538">
-              <a:lnSpc>
-                <a:spcPct val="105000"/>
-              </a:lnSpc>
-            </a:pPr>
-            <a:r>
-              <a:rPr lang="en-US" sz="4500" baseline="0" dirty="0" smtClean="0">
-                <a:latin typeface="Corbel" charset="0"/>
-                <a:ea typeface="Corbel" charset="0"/>
-                <a:cs typeface="Corbel" charset="0"/>
-              </a:rPr>
-              <a:t>Reconstruct a specific RDD by partial execution of tasks using the lineage</a:t>
-            </a:r>
-          </a:p>
-        </p:txBody>
-      </p:sp>
-      <p:sp>
-        <p:nvSpPr>
-          <p:cNvPr id="72" name="Text Box 5"/>
-          <p:cNvSpPr txBox="1">
-            <a:spLocks noChangeArrowheads="1"/>
-          </p:cNvSpPr>
-          <p:nvPr/>
-        </p:nvSpPr>
-        <p:spPr bwMode="auto">
-          <a:xfrm>
-            <a:off x="25831800" y="8686800"/>
-            <a:ext cx="6172200" cy="7391400"/>
-          </a:xfrm>
-          <a:prstGeom prst="rect">
-            <a:avLst/>
-          </a:prstGeom>
-          <a:noFill/>
-          <a:ln w="9525">
-            <a:noFill/>
-            <a:miter lim="800000"/>
-            <a:headEnd/>
-            <a:tailEnd/>
-          </a:ln>
-        </p:spPr>
-        <p:txBody>
-          <a:bodyPr lIns="49227" tIns="24614" rIns="49227" bIns="24614">
-            <a:prstTxWarp prst="textNoShape">
-              <a:avLst/>
-            </a:prstTxWarp>
-          </a:bodyPr>
-          <a:lstStyle/>
-          <a:p>
-            <a:pPr lvl="1" indent="0" defTabSz="490538">
-              <a:lnSpc>
-                <a:spcPct val="105000"/>
-              </a:lnSpc>
-            </a:pPr>
-            <a:r>
-              <a:rPr lang="en-US" sz="5400" b="1" baseline="0" dirty="0" smtClean="0">
-                <a:latin typeface="Corbel" charset="0"/>
-                <a:ea typeface="Corbel" charset="0"/>
-                <a:cs typeface="Corbel" charset="0"/>
-              </a:rPr>
-              <a:t>Debug</a:t>
-            </a:r>
-            <a:endParaRPr lang="en-US" sz="4800" b="1" baseline="0" dirty="0" smtClean="0">
-              <a:latin typeface="Corbel" charset="0"/>
-              <a:ea typeface="Corbel" charset="0"/>
-              <a:cs typeface="Corbel" charset="0"/>
-            </a:endParaRPr>
-          </a:p>
-          <a:p>
-            <a:pPr lvl="1" indent="0" algn="l" defTabSz="490538">
-              <a:lnSpc>
-                <a:spcPct val="105000"/>
-              </a:lnSpc>
-            </a:pPr>
-            <a:r>
-              <a:rPr lang="en-US" sz="4500" baseline="0" dirty="0">
-                <a:solidFill>
-                  <a:prstClr val="black"/>
-                </a:solidFill>
-                <a:latin typeface="Corbel" charset="0"/>
-                <a:ea typeface="Corbel" charset="0"/>
-                <a:cs typeface="Corbel" charset="0"/>
-              </a:rPr>
-              <a:t>I</a:t>
-            </a:r>
-            <a:r>
-              <a:rPr lang="en-US" sz="4500" baseline="0" dirty="0" smtClean="0">
-                <a:solidFill>
-                  <a:prstClr val="black"/>
-                </a:solidFill>
-                <a:latin typeface="Corbel" charset="0"/>
-                <a:ea typeface="Corbel" charset="0"/>
-                <a:cs typeface="Corbel" charset="0"/>
-              </a:rPr>
-              <a:t>nteractively inspect reconstructed RDDs and </a:t>
-            </a:r>
-            <a:r>
-              <a:rPr lang="en-US" sz="4500" baseline="0" dirty="0" smtClean="0">
-                <a:solidFill>
-                  <a:prstClr val="black"/>
-                </a:solidFill>
-                <a:latin typeface="Corbel" charset="0"/>
-                <a:ea typeface="Corbel" charset="0"/>
-                <a:cs typeface="Corbel" charset="0"/>
-              </a:rPr>
-              <a:t>logs </a:t>
-            </a:r>
-            <a:r>
-              <a:rPr lang="en-US" sz="4500" baseline="0" dirty="0" smtClean="0">
-                <a:solidFill>
-                  <a:prstClr val="black"/>
-                </a:solidFill>
-                <a:latin typeface="Corbel" charset="0"/>
-                <a:ea typeface="Corbel" charset="0"/>
-                <a:cs typeface="Corbel" charset="0"/>
-              </a:rPr>
-              <a:t>distributed </a:t>
-            </a:r>
-            <a:r>
-              <a:rPr lang="en-US" sz="4500" baseline="0" dirty="0" smtClean="0">
-                <a:solidFill>
-                  <a:prstClr val="black"/>
-                </a:solidFill>
-                <a:latin typeface="Corbel" charset="0"/>
-                <a:ea typeface="Corbel" charset="0"/>
-                <a:cs typeface="Corbel" charset="0"/>
-              </a:rPr>
-              <a:t>across the </a:t>
-            </a:r>
-            <a:r>
-              <a:rPr lang="en-US" sz="4500" baseline="0" dirty="0" smtClean="0">
-                <a:solidFill>
-                  <a:prstClr val="black"/>
-                </a:solidFill>
-                <a:latin typeface="Corbel" charset="0"/>
-                <a:ea typeface="Corbel" charset="0"/>
-                <a:cs typeface="Corbel" charset="0"/>
-              </a:rPr>
-              <a:t>cluster</a:t>
-            </a:r>
-            <a:endParaRPr lang="en-US" sz="4500" baseline="0" dirty="0">
-              <a:solidFill>
-                <a:prstClr val="black"/>
-              </a:solidFill>
-              <a:latin typeface="Corbel" charset="0"/>
-              <a:ea typeface="Corbel" charset="0"/>
-              <a:cs typeface="Corbel" charset="0"/>
-            </a:endParaRPr>
-          </a:p>
-          <a:p>
-            <a:pPr marL="911226" lvl="1" indent="-455613" defTabSz="490538">
-              <a:lnSpc>
-                <a:spcPct val="105000"/>
-              </a:lnSpc>
-              <a:buFont typeface="Arial" charset="0"/>
-              <a:buChar char="•"/>
-            </a:pPr>
-            <a:endParaRPr lang="en-US" sz="4500" baseline="0" dirty="0" smtClean="0">
-              <a:latin typeface="Corbel" charset="0"/>
-              <a:ea typeface="Corbel" charset="0"/>
-              <a:cs typeface="Corbel" charset="0"/>
-            </a:endParaRPr>
-          </a:p>
-        </p:txBody>
-      </p:sp>
-      <p:sp>
-        <p:nvSpPr>
-          <p:cNvPr id="78" name="Text Box 5"/>
-          <p:cNvSpPr txBox="1">
-            <a:spLocks noChangeArrowheads="1"/>
-          </p:cNvSpPr>
-          <p:nvPr/>
-        </p:nvSpPr>
-        <p:spPr bwMode="auto">
-          <a:xfrm>
-            <a:off x="12725400" y="8686800"/>
-            <a:ext cx="6096000" cy="7391400"/>
-          </a:xfrm>
-          <a:prstGeom prst="rect">
-            <a:avLst/>
-          </a:prstGeom>
-          <a:noFill/>
-          <a:ln w="9525">
-            <a:noFill/>
-            <a:miter lim="800000"/>
-            <a:headEnd/>
-            <a:tailEnd/>
-          </a:ln>
-        </p:spPr>
-        <p:txBody>
-          <a:bodyPr lIns="49227" tIns="24614" rIns="49227" bIns="24614">
-            <a:prstTxWarp prst="textNoShape">
-              <a:avLst/>
-            </a:prstTxWarp>
-          </a:bodyPr>
-          <a:lstStyle/>
-          <a:p>
-            <a:pPr lvl="1" indent="0" defTabSz="490538">
-              <a:lnSpc>
-                <a:spcPct val="105000"/>
-              </a:lnSpc>
-            </a:pPr>
-            <a:r>
-              <a:rPr lang="en-US" sz="5400" b="1" baseline="0" dirty="0" smtClean="0">
-                <a:latin typeface="Corbel" charset="0"/>
-                <a:ea typeface="Corbel" charset="0"/>
-                <a:cs typeface="Corbel" charset="0"/>
-              </a:rPr>
-              <a:t>Visualize</a:t>
-            </a:r>
-            <a:endParaRPr lang="en-US" sz="4800" b="1" baseline="0" dirty="0" smtClean="0">
-              <a:latin typeface="Corbel" charset="0"/>
-              <a:ea typeface="Corbel" charset="0"/>
-              <a:cs typeface="Corbel" charset="0"/>
-            </a:endParaRPr>
-          </a:p>
-          <a:p>
-            <a:pPr lvl="1" indent="0" algn="l" defTabSz="490538">
-              <a:lnSpc>
-                <a:spcPct val="105000"/>
-              </a:lnSpc>
-            </a:pPr>
-            <a:r>
-              <a:rPr lang="en-US" sz="4500" baseline="0" dirty="0" smtClean="0">
-                <a:solidFill>
-                  <a:prstClr val="black"/>
-                </a:solidFill>
-                <a:latin typeface="Corbel" charset="0"/>
-                <a:ea typeface="Corbel" charset="0"/>
-                <a:cs typeface="Corbel" charset="0"/>
-              </a:rPr>
-              <a:t>Visually interact with the lineage graph of the generated RDDs</a:t>
-            </a:r>
-          </a:p>
-          <a:p>
-            <a:pPr lvl="1" indent="0" algn="l" defTabSz="490538">
-              <a:lnSpc>
-                <a:spcPct val="105000"/>
-              </a:lnSpc>
-            </a:pPr>
-            <a:endParaRPr lang="en-US" sz="4500" baseline="0" dirty="0">
-              <a:solidFill>
-                <a:prstClr val="black"/>
-              </a:solidFill>
-              <a:latin typeface="Corbel" charset="0"/>
-              <a:ea typeface="Corbel" charset="0"/>
-              <a:cs typeface="Corbel" charset="0"/>
-            </a:endParaRPr>
-          </a:p>
-          <a:p>
-            <a:pPr lvl="1" indent="0" algn="l" defTabSz="490538">
-              <a:lnSpc>
-                <a:spcPct val="105000"/>
-              </a:lnSpc>
-            </a:pPr>
-            <a:r>
-              <a:rPr lang="en-US" sz="4500" i="1" baseline="0" dirty="0" smtClean="0">
-                <a:solidFill>
-                  <a:prstClr val="black"/>
-                </a:solidFill>
-                <a:latin typeface="Corbel" charset="0"/>
-                <a:ea typeface="Corbel" charset="0"/>
-                <a:cs typeface="Corbel" charset="0"/>
-              </a:rPr>
-              <a:t>RDD View </a:t>
-            </a:r>
-          </a:p>
-          <a:p>
-            <a:pPr lvl="1" indent="0" algn="l" defTabSz="490538">
-              <a:lnSpc>
-                <a:spcPct val="105000"/>
-              </a:lnSpc>
-            </a:pPr>
-            <a:r>
-              <a:rPr lang="en-US" sz="4500" baseline="0" dirty="0" smtClean="0">
-                <a:solidFill>
-                  <a:prstClr val="black"/>
-                </a:solidFill>
-                <a:latin typeface="Corbel" charset="0"/>
-                <a:ea typeface="Corbel" charset="0"/>
-                <a:cs typeface="Corbel" charset="0"/>
-              </a:rPr>
-              <a:t>		…</a:t>
-            </a:r>
-            <a:endParaRPr lang="en-US" sz="4500" baseline="0" dirty="0">
-              <a:solidFill>
-                <a:prstClr val="black"/>
-              </a:solidFill>
-              <a:latin typeface="Corbel" charset="0"/>
-              <a:ea typeface="Corbel" charset="0"/>
-              <a:cs typeface="Corbel" charset="0"/>
-            </a:endParaRPr>
-          </a:p>
-          <a:p>
-            <a:pPr lvl="1" indent="0" algn="l" defTabSz="490538">
-              <a:lnSpc>
-                <a:spcPct val="105000"/>
-              </a:lnSpc>
-            </a:pPr>
-            <a:r>
-              <a:rPr lang="en-US" sz="4500" i="1" baseline="0" dirty="0" smtClean="0">
-                <a:solidFill>
-                  <a:prstClr val="black"/>
-                </a:solidFill>
-                <a:latin typeface="Corbel" charset="0"/>
-                <a:ea typeface="Corbel" charset="0"/>
-                <a:cs typeface="Corbel" charset="0"/>
-              </a:rPr>
-              <a:t>Dependency View</a:t>
-            </a:r>
-          </a:p>
-          <a:p>
-            <a:pPr lvl="1" indent="0" algn="l" defTabSz="490538">
-              <a:lnSpc>
-                <a:spcPct val="105000"/>
-              </a:lnSpc>
-            </a:pPr>
-            <a:r>
-              <a:rPr lang="en-US" sz="4500" i="1" baseline="0" dirty="0">
-                <a:solidFill>
-                  <a:prstClr val="black"/>
-                </a:solidFill>
-                <a:latin typeface="Corbel" charset="0"/>
-                <a:ea typeface="Corbel" charset="0"/>
-                <a:cs typeface="Corbel" charset="0"/>
-              </a:rPr>
-              <a:t>	</a:t>
-            </a:r>
-            <a:r>
-              <a:rPr lang="en-US" sz="4500" i="1" baseline="0" dirty="0" smtClean="0">
-                <a:solidFill>
-                  <a:prstClr val="black"/>
-                </a:solidFill>
-                <a:latin typeface="Corbel" charset="0"/>
-                <a:ea typeface="Corbel" charset="0"/>
-                <a:cs typeface="Corbel" charset="0"/>
-              </a:rPr>
-              <a:t>	…  </a:t>
-            </a:r>
-            <a:endParaRPr lang="en-US" sz="4500" i="1" baseline="0" dirty="0">
-              <a:solidFill>
-                <a:prstClr val="black"/>
-              </a:solidFill>
-              <a:latin typeface="Corbel" charset="0"/>
-              <a:ea typeface="Corbel" charset="0"/>
-              <a:cs typeface="Corbel" charset="0"/>
-            </a:endParaRPr>
-          </a:p>
-          <a:p>
-            <a:pPr marL="911226" lvl="1" indent="-455613" defTabSz="490538">
-              <a:lnSpc>
-                <a:spcPct val="105000"/>
-              </a:lnSpc>
-              <a:buFont typeface="Arial" charset="0"/>
-              <a:buChar char="•"/>
-            </a:pPr>
-            <a:endParaRPr lang="en-US" sz="4500" baseline="0" dirty="0" smtClean="0">
-              <a:latin typeface="Corbel" charset="0"/>
-              <a:ea typeface="Corbel" charset="0"/>
-              <a:cs typeface="Corbel" charset="0"/>
-            </a:endParaRPr>
-          </a:p>
-        </p:txBody>
-      </p:sp>
-      <p:sp>
-        <p:nvSpPr>
-          <p:cNvPr id="81" name="Text Box 5"/>
-          <p:cNvSpPr txBox="1">
-            <a:spLocks noChangeArrowheads="1"/>
-          </p:cNvSpPr>
-          <p:nvPr/>
-        </p:nvSpPr>
-        <p:spPr bwMode="auto">
-          <a:xfrm>
-            <a:off x="12649200" y="6705600"/>
-            <a:ext cx="19202400" cy="1981200"/>
-          </a:xfrm>
-          <a:prstGeom prst="rect">
-            <a:avLst/>
-          </a:prstGeom>
-          <a:noFill/>
-          <a:ln w="9525">
-            <a:noFill/>
-            <a:miter lim="800000"/>
-            <a:headEnd/>
-            <a:tailEnd/>
-          </a:ln>
-        </p:spPr>
-        <p:txBody>
-          <a:bodyPr lIns="49227" tIns="24614" rIns="49227" bIns="24614">
-            <a:prstTxWarp prst="textNoShape">
-              <a:avLst/>
-            </a:prstTxWarp>
-          </a:bodyPr>
-          <a:lstStyle/>
-          <a:p>
-            <a:pPr algn="l" defTabSz="490538">
-              <a:lnSpc>
-                <a:spcPct val="105000"/>
-              </a:lnSpc>
-            </a:pPr>
-            <a:r>
-              <a:rPr lang="en-US" sz="4500" baseline="0" dirty="0" smtClean="0">
-                <a:latin typeface="Corbel" charset="0"/>
-                <a:ea typeface="Corbel" charset="0"/>
-                <a:cs typeface="Corbel" charset="0"/>
-              </a:rPr>
-              <a:t>A browser-based Integrated </a:t>
-            </a:r>
-            <a:r>
-              <a:rPr lang="en-US" sz="4500" baseline="0" dirty="0" smtClean="0">
-                <a:latin typeface="Corbel" charset="0"/>
-                <a:ea typeface="Corbel" charset="0"/>
-                <a:cs typeface="Corbel" charset="0"/>
-              </a:rPr>
-              <a:t>Debugging Environment</a:t>
-            </a:r>
-            <a:r>
-              <a:rPr lang="en-US" sz="4500" baseline="0" dirty="0" smtClean="0">
-                <a:latin typeface="Corbel" charset="0"/>
-                <a:ea typeface="Corbel" charset="0"/>
-                <a:cs typeface="Corbel" charset="0"/>
-              </a:rPr>
-              <a:t>, that lets non-experts to edit/compile/debug Spark applications on the datacenter.</a:t>
-            </a:r>
-          </a:p>
-        </p:txBody>
-      </p:sp>
-      <p:sp>
-        <p:nvSpPr>
-          <p:cNvPr id="82" name="Text Box 5"/>
-          <p:cNvSpPr txBox="1">
-            <a:spLocks noChangeArrowheads="1"/>
-          </p:cNvSpPr>
-          <p:nvPr/>
-        </p:nvSpPr>
-        <p:spPr bwMode="auto">
-          <a:xfrm>
-            <a:off x="23337127" y="17983200"/>
-            <a:ext cx="8819273" cy="8717639"/>
-          </a:xfrm>
-          <a:prstGeom prst="rect">
-            <a:avLst/>
-          </a:prstGeom>
-          <a:noFill/>
-          <a:ln w="9525">
-            <a:noFill/>
-            <a:miter lim="800000"/>
-            <a:headEnd/>
-            <a:tailEnd/>
-          </a:ln>
-        </p:spPr>
-        <p:txBody>
-          <a:bodyPr lIns="49227" tIns="24614" rIns="49227" bIns="24614">
-            <a:prstTxWarp prst="textNoShape">
-              <a:avLst/>
-            </a:prstTxWarp>
-          </a:bodyPr>
-          <a:lstStyle/>
-          <a:p>
-            <a:pPr marL="455613" indent="-455613" algn="l" defTabSz="490538">
-              <a:lnSpc>
-                <a:spcPct val="105000"/>
-              </a:lnSpc>
-              <a:buFont typeface="Arial" charset="0"/>
-              <a:buChar char="•"/>
-            </a:pPr>
-            <a:r>
-              <a:rPr lang="en-US" sz="4500" baseline="0" dirty="0" smtClean="0">
-                <a:latin typeface="Corbel" charset="0"/>
-                <a:ea typeface="Corbel" charset="0"/>
-                <a:cs typeface="Corbel" charset="0"/>
-              </a:rPr>
-              <a:t>Performance profiling</a:t>
-            </a:r>
-          </a:p>
-          <a:p>
-            <a:pPr marL="911226" lvl="1" indent="-455613" algn="l" defTabSz="490538">
-              <a:lnSpc>
-                <a:spcPct val="105000"/>
-              </a:lnSpc>
-              <a:buFont typeface="Arial" charset="0"/>
-              <a:buChar char="•"/>
-            </a:pPr>
-            <a:r>
-              <a:rPr lang="en-US" sz="4500" baseline="0" dirty="0" smtClean="0">
-                <a:latin typeface="Corbel" charset="0"/>
-                <a:ea typeface="Corbel" charset="0"/>
-                <a:cs typeface="Corbel" charset="0"/>
-              </a:rPr>
-              <a:t>Execution profiles</a:t>
-            </a:r>
-          </a:p>
-          <a:p>
-            <a:pPr marL="911226" lvl="1" indent="-455613" algn="l" defTabSz="490538">
-              <a:lnSpc>
-                <a:spcPct val="105000"/>
-              </a:lnSpc>
-              <a:buFont typeface="Arial" charset="0"/>
-              <a:buChar char="•"/>
-            </a:pPr>
-            <a:r>
-              <a:rPr lang="en-US" sz="4500" baseline="0" dirty="0" smtClean="0">
-                <a:latin typeface="Corbel" charset="0"/>
-                <a:ea typeface="Corbel" charset="0"/>
-                <a:cs typeface="Corbel" charset="0"/>
-              </a:rPr>
-              <a:t>Memory usage profiles</a:t>
-            </a:r>
-          </a:p>
-          <a:p>
-            <a:pPr marL="455613" indent="-455613" algn="l" defTabSz="490538">
-              <a:lnSpc>
-                <a:spcPct val="105000"/>
-              </a:lnSpc>
-              <a:buFont typeface="Arial" charset="0"/>
-              <a:buChar char="•"/>
-            </a:pPr>
-            <a:r>
-              <a:rPr lang="en-US" sz="4500" baseline="0" dirty="0" smtClean="0">
-                <a:latin typeface="Corbel" charset="0"/>
-                <a:ea typeface="Corbel" charset="0"/>
-                <a:cs typeface="Corbel" charset="0"/>
-              </a:rPr>
-              <a:t>More detailed visualizations</a:t>
-            </a:r>
-          </a:p>
-          <a:p>
-            <a:pPr marL="911226" lvl="1" indent="-455613" algn="l" defTabSz="490538">
-              <a:lnSpc>
-                <a:spcPct val="105000"/>
-              </a:lnSpc>
-              <a:buFont typeface="Arial" charset="0"/>
-              <a:buChar char="•"/>
-            </a:pPr>
-            <a:r>
-              <a:rPr lang="en-US" sz="4500" baseline="0" dirty="0" smtClean="0">
-                <a:latin typeface="Corbel" charset="0"/>
-                <a:ea typeface="Corbel" charset="0"/>
-                <a:cs typeface="Corbel" charset="0"/>
-              </a:rPr>
-              <a:t>Node-specific task schedule view</a:t>
-            </a:r>
-          </a:p>
-          <a:p>
-            <a:pPr marL="455613" indent="-455613" algn="l" defTabSz="490538">
-              <a:lnSpc>
-                <a:spcPct val="105000"/>
-              </a:lnSpc>
-              <a:buFont typeface="Arial" charset="0"/>
-              <a:buChar char="•"/>
-            </a:pPr>
-            <a:r>
-              <a:rPr lang="en-US" sz="4500" baseline="0" dirty="0" smtClean="0">
-                <a:latin typeface="Corbel" charset="0"/>
-                <a:ea typeface="Corbel" charset="0"/>
-                <a:cs typeface="Corbel" charset="0"/>
-              </a:rPr>
-              <a:t>System status </a:t>
-            </a:r>
-          </a:p>
-          <a:p>
-            <a:pPr marL="911226" lvl="1" indent="-455613" algn="l" defTabSz="490538">
-              <a:lnSpc>
-                <a:spcPct val="105000"/>
-              </a:lnSpc>
-              <a:buFont typeface="Arial" charset="0"/>
-              <a:buChar char="•"/>
-            </a:pPr>
-            <a:r>
-              <a:rPr lang="en-US" sz="4500" baseline="0" dirty="0" smtClean="0">
-                <a:latin typeface="Corbel" charset="0"/>
-                <a:ea typeface="Corbel" charset="0"/>
-                <a:cs typeface="Corbel" charset="0"/>
-              </a:rPr>
-              <a:t>Higher level counters like number of garbage collections</a:t>
-            </a:r>
-          </a:p>
-          <a:p>
-            <a:pPr marL="455613" indent="-455613" algn="l" defTabSz="490538">
-              <a:lnSpc>
-                <a:spcPct val="105000"/>
-              </a:lnSpc>
-              <a:buFont typeface="Arial" charset="0"/>
-              <a:buChar char="•"/>
-            </a:pPr>
-            <a:r>
-              <a:rPr lang="en-US" sz="4500" baseline="0" dirty="0" smtClean="0">
-                <a:latin typeface="Corbel" charset="0"/>
-                <a:ea typeface="Corbel" charset="0"/>
-                <a:cs typeface="Corbel" charset="0"/>
-              </a:rPr>
-              <a:t>Suggestions from Spark users</a:t>
-            </a:r>
-          </a:p>
-          <a:p>
-            <a:pPr marL="911226" lvl="1" indent="-455613" algn="l" defTabSz="490538">
-              <a:lnSpc>
-                <a:spcPct val="105000"/>
-              </a:lnSpc>
-              <a:buFont typeface="Arial" charset="0"/>
-              <a:buChar char="•"/>
-            </a:pPr>
-            <a:r>
-              <a:rPr lang="en-US" sz="4500" baseline="0" dirty="0" smtClean="0">
-                <a:latin typeface="Corbel" charset="0"/>
-                <a:ea typeface="Corbel" charset="0"/>
-                <a:cs typeface="Corbel" charset="0"/>
-              </a:rPr>
-              <a:t>You tell us!</a:t>
-            </a:r>
-            <a:endParaRPr lang="en-US" sz="4500" baseline="0" dirty="0">
-              <a:latin typeface="Corbel" charset="0"/>
-              <a:ea typeface="Corbel" charset="0"/>
-              <a:cs typeface="Corbel" charset="0"/>
-            </a:endParaRPr>
-          </a:p>
-        </p:txBody>
-      </p:sp>
-      <p:sp>
-        <p:nvSpPr>
-          <p:cNvPr id="20" name="Text Box 5"/>
-          <p:cNvSpPr txBox="1">
-            <a:spLocks noChangeArrowheads="1"/>
-          </p:cNvSpPr>
-          <p:nvPr/>
-        </p:nvSpPr>
-        <p:spPr bwMode="auto">
-          <a:xfrm>
-            <a:off x="533400" y="20726400"/>
-            <a:ext cx="11049353" cy="5715000"/>
-          </a:xfrm>
-          <a:prstGeom prst="rect">
-            <a:avLst/>
-          </a:prstGeom>
-          <a:noFill/>
-          <a:ln w="9525">
-            <a:noFill/>
-            <a:miter lim="800000"/>
-            <a:headEnd/>
-            <a:tailEnd/>
-          </a:ln>
-        </p:spPr>
-        <p:txBody>
-          <a:bodyPr lIns="49227" tIns="24614" rIns="49227" bIns="24614">
-            <a:prstTxWarp prst="textNoShape">
-              <a:avLst/>
-            </a:prstTxWarp>
-          </a:bodyPr>
-          <a:lstStyle/>
-          <a:p>
-            <a:pPr marL="455613" indent="-455613" algn="l" defTabSz="490538">
-              <a:lnSpc>
-                <a:spcPct val="105000"/>
-              </a:lnSpc>
-              <a:buFont typeface="Arial" charset="0"/>
-              <a:buChar char="•"/>
-            </a:pPr>
-            <a:r>
-              <a:rPr lang="en-US" sz="4500" baseline="0" dirty="0" smtClean="0">
-                <a:latin typeface="Corbel" charset="0"/>
-                <a:ea typeface="Corbel" charset="0"/>
-                <a:cs typeface="Corbel" charset="0"/>
-              </a:rPr>
-              <a:t>Leverage inherent structure of the computation in Spark-based applications</a:t>
-            </a:r>
-          </a:p>
-          <a:p>
-            <a:pPr marL="911226" lvl="1" indent="-455613" algn="l" defTabSz="490538">
-              <a:lnSpc>
-                <a:spcPct val="105000"/>
-              </a:lnSpc>
-              <a:buFont typeface="Arial" charset="0"/>
-              <a:buChar char="•"/>
-            </a:pPr>
-            <a:r>
-              <a:rPr lang="en-US" sz="4500" baseline="0" dirty="0" smtClean="0">
-                <a:latin typeface="Corbel" charset="0"/>
-                <a:ea typeface="Corbel" charset="0"/>
-                <a:cs typeface="Corbel" charset="0"/>
-                <a:sym typeface="Wingdings"/>
-              </a:rPr>
-              <a:t>Independent units of work with no shared mutable state between them</a:t>
-            </a:r>
-          </a:p>
-          <a:p>
-            <a:pPr marL="911226" lvl="1" indent="-455613" algn="l" defTabSz="490538">
-              <a:lnSpc>
-                <a:spcPct val="105000"/>
-              </a:lnSpc>
-              <a:buFont typeface="Arial" charset="0"/>
-              <a:buChar char="•"/>
-            </a:pPr>
-            <a:r>
-              <a:rPr lang="en-US" sz="4500" baseline="0" dirty="0" smtClean="0">
-                <a:latin typeface="Corbel" charset="0"/>
-                <a:ea typeface="Corbel" charset="0"/>
-                <a:cs typeface="Corbel" charset="0"/>
-                <a:sym typeface="Wingdings"/>
-              </a:rPr>
-              <a:t>Lineage of coarse-grained operations make program state re-constructible, fully as well as partially</a:t>
-            </a:r>
-          </a:p>
-          <a:p>
-            <a:pPr lvl="2" indent="0" algn="l" defTabSz="490538">
-              <a:lnSpc>
-                <a:spcPct val="105000"/>
-              </a:lnSpc>
-            </a:pPr>
-            <a:r>
-              <a:rPr lang="en-US" sz="4500" baseline="0" dirty="0" smtClean="0">
-                <a:latin typeface="Corbel" charset="0"/>
-                <a:ea typeface="Corbel" charset="0"/>
-                <a:cs typeface="Corbel" charset="0"/>
-                <a:sym typeface="Wingdings"/>
-              </a:rPr>
-              <a:t> </a:t>
-            </a:r>
-            <a:endParaRPr lang="en-US" sz="4500" baseline="0" dirty="0" smtClean="0">
-              <a:latin typeface="Corbel" charset="0"/>
-              <a:ea typeface="Corbel" charset="0"/>
-              <a:cs typeface="Corbel" charset="0"/>
-            </a:endParaRPr>
-          </a:p>
-        </p:txBody>
-      </p:sp>
-    </p:spTree>
-  </p:cSld>
-  <p:clrMapOvr>
-    <a:masterClrMapping/>
-  </p:clrMapOvr>
-  <p:timing>
-    <p:tnLst>
-      <p:par>
-        <p:cTn xmlns:p14="http://schemas.microsoft.com/office/powerpoint/2010/main" id="1" dur="indefinite" restart="never" nodeType="tmRoot"/>
-      </p:par>
-    </p:tnLst>
-  </p:timing>
-</p:sld>
-</file>
-
-<file path=ppt/slides/slide2.xml><?xml version="1.0" encoding="utf-8"?>
-<p:sld xmlns:a="http://schemas.openxmlformats.org/drawingml/2006/main" xmlns:r="http://schemas.openxmlformats.org/officeDocument/2006/relationships" xmlns:p="http://schemas.openxmlformats.org/presentationml/2006/main">
-  <p:cSld>
-    <p:spTree>
-      <p:nvGrpSpPr>
-        <p:cNvPr id="1" name=""/>
-        <p:cNvGrpSpPr/>
-        <p:nvPr/>
-      </p:nvGrpSpPr>
-      <p:grpSpPr>
-        <a:xfrm>
-          <a:off x="0" y="0"/>
-          <a:ext cx="0" cy="0"/>
-          <a:chOff x="0" y="0"/>
-          <a:chExt cx="0" cy="0"/>
-        </a:xfrm>
-      </p:grpSpPr>
-      <p:sp>
-        <p:nvSpPr>
-          <p:cNvPr id="20" name="Text Box 5"/>
-          <p:cNvSpPr txBox="1">
-            <a:spLocks noChangeArrowheads="1"/>
-          </p:cNvSpPr>
-          <p:nvPr/>
-        </p:nvSpPr>
-        <p:spPr bwMode="auto">
-          <a:xfrm>
-            <a:off x="12268200" y="6781801"/>
-            <a:ext cx="12039600" cy="9296400"/>
-          </a:xfrm>
-          <a:prstGeom prst="rect">
-            <a:avLst/>
-          </a:prstGeom>
-          <a:noFill/>
-          <a:ln w="9525">
-            <a:noFill/>
-            <a:miter lim="800000"/>
-            <a:headEnd/>
-            <a:tailEnd/>
-          </a:ln>
-        </p:spPr>
-        <p:txBody>
-          <a:bodyPr lIns="49227" tIns="24614" rIns="49227" bIns="24614">
-            <a:prstTxWarp prst="textNoShape">
-              <a:avLst/>
-            </a:prstTxWarp>
-          </a:bodyPr>
-          <a:lstStyle/>
-          <a:p>
-            <a:pPr marL="911226" lvl="1" indent="-455613" algn="l" defTabSz="490538">
-              <a:lnSpc>
-                <a:spcPct val="105000"/>
-              </a:lnSpc>
-              <a:buFont typeface="Arial" charset="0"/>
-              <a:buChar char="•"/>
-            </a:pPr>
-            <a:r>
-              <a:rPr lang="en-US" sz="4500" baseline="0" dirty="0">
-                <a:latin typeface="Corbel" charset="0"/>
-                <a:ea typeface="Corbel" charset="0"/>
-                <a:cs typeface="Corbel" charset="0"/>
-              </a:rPr>
-              <a:t>A </a:t>
-            </a:r>
-            <a:r>
-              <a:rPr lang="en-US" sz="4500" baseline="0" dirty="0" smtClean="0">
-                <a:latin typeface="Corbel" charset="0"/>
-                <a:ea typeface="Corbel" charset="0"/>
-                <a:cs typeface="Corbel" charset="0"/>
-              </a:rPr>
-              <a:t>light-weight browser</a:t>
-            </a:r>
-            <a:r>
-              <a:rPr lang="en-US" sz="4500" baseline="0" dirty="0">
-                <a:latin typeface="Corbel" charset="0"/>
-                <a:ea typeface="Corbel" charset="0"/>
-                <a:cs typeface="Corbel" charset="0"/>
-              </a:rPr>
-              <a:t>-</a:t>
-            </a:r>
-            <a:r>
-              <a:rPr lang="en-US" sz="4500" baseline="0" dirty="0" smtClean="0">
-                <a:latin typeface="Corbel" charset="0"/>
-                <a:ea typeface="Corbel" charset="0"/>
-                <a:cs typeface="Corbel" charset="0"/>
-              </a:rPr>
-              <a:t>based </a:t>
-            </a:r>
-            <a:r>
-              <a:rPr lang="en-US" sz="4500" baseline="0" dirty="0" smtClean="0">
-                <a:latin typeface="Corbel" charset="0"/>
-                <a:ea typeface="Corbel" charset="0"/>
-                <a:cs typeface="Corbel" charset="0"/>
-              </a:rPr>
-              <a:t>integrated </a:t>
-            </a:r>
-            <a:r>
-              <a:rPr lang="en-US" sz="4500" i="1" baseline="0" dirty="0" smtClean="0">
-                <a:latin typeface="Corbel" charset="0"/>
-                <a:ea typeface="Corbel" charset="0"/>
-                <a:cs typeface="Corbel" charset="0"/>
-              </a:rPr>
-              <a:t>debugging</a:t>
-            </a:r>
-            <a:r>
-              <a:rPr lang="en-US" sz="4500" baseline="0" dirty="0" smtClean="0">
-                <a:latin typeface="Corbel" charset="0"/>
-                <a:ea typeface="Corbel" charset="0"/>
-                <a:cs typeface="Corbel" charset="0"/>
-              </a:rPr>
-              <a:t> environment</a:t>
-            </a:r>
-            <a:endParaRPr lang="en-US" sz="4500" baseline="0" dirty="0">
-              <a:latin typeface="Corbel" charset="0"/>
-              <a:ea typeface="Corbel" charset="0"/>
-              <a:cs typeface="Corbel" charset="0"/>
-            </a:endParaRPr>
-          </a:p>
-          <a:p>
-            <a:pPr marL="911226" lvl="1" indent="-455613" algn="l" defTabSz="490538">
-              <a:lnSpc>
-                <a:spcPct val="105000"/>
-              </a:lnSpc>
-              <a:buFont typeface="Arial" charset="0"/>
-              <a:buChar char="•"/>
-            </a:pPr>
-            <a:r>
-              <a:rPr lang="en-US" sz="4500" baseline="0" dirty="0" smtClean="0">
-                <a:latin typeface="Corbel" charset="0"/>
-                <a:ea typeface="Corbel" charset="0"/>
-                <a:cs typeface="Corbel" charset="0"/>
-              </a:rPr>
-              <a:t>Non-expert users can edit, debug, and visualize Spark </a:t>
-            </a:r>
-            <a:r>
-              <a:rPr lang="en-US" sz="4500" baseline="0" dirty="0">
-                <a:latin typeface="Corbel" charset="0"/>
-                <a:ea typeface="Corbel" charset="0"/>
-                <a:cs typeface="Corbel" charset="0"/>
-              </a:rPr>
-              <a:t>applications on the </a:t>
-            </a:r>
-            <a:r>
-              <a:rPr lang="en-US" sz="4500" baseline="0" dirty="0" smtClean="0">
-                <a:latin typeface="Corbel" charset="0"/>
-                <a:ea typeface="Corbel" charset="0"/>
-                <a:cs typeface="Corbel" charset="0"/>
-              </a:rPr>
-              <a:t>cluster</a:t>
-            </a:r>
-          </a:p>
-          <a:p>
-            <a:pPr marL="911226" lvl="1" indent="-455613" algn="l" defTabSz="490538">
-              <a:lnSpc>
-                <a:spcPct val="105000"/>
-              </a:lnSpc>
-              <a:buFont typeface="Arial" charset="0"/>
-              <a:buChar char="•"/>
-            </a:pPr>
-            <a:r>
-              <a:rPr lang="en-US" sz="4500" baseline="0" dirty="0" smtClean="0">
-                <a:latin typeface="Corbel" charset="0"/>
-                <a:ea typeface="Corbel" charset="0"/>
-                <a:cs typeface="Corbel" charset="0"/>
-              </a:rPr>
-              <a:t>Specifically, it allows the user to …</a:t>
-            </a:r>
-          </a:p>
-          <a:p>
-            <a:pPr marL="1368426" lvl="2" indent="-455613" algn="l" defTabSz="490538">
-              <a:lnSpc>
-                <a:spcPct val="105000"/>
-              </a:lnSpc>
-              <a:buFont typeface="Arial" charset="0"/>
-              <a:buChar char="•"/>
-            </a:pPr>
-            <a:r>
-              <a:rPr lang="en-US" sz="4500" b="1" baseline="0" dirty="0" smtClean="0">
-                <a:latin typeface="Corbel" charset="0"/>
-                <a:ea typeface="Corbel" charset="0"/>
-                <a:cs typeface="Corbel" charset="0"/>
-              </a:rPr>
-              <a:t>Visualize</a:t>
-            </a:r>
-            <a:r>
-              <a:rPr lang="en-US" sz="4500" baseline="0" dirty="0" smtClean="0">
-                <a:latin typeface="Corbel" charset="0"/>
-                <a:ea typeface="Corbel" charset="0"/>
-                <a:cs typeface="Corbel" charset="0"/>
-              </a:rPr>
-              <a:t> the lineage graph of generated RDDs </a:t>
-            </a:r>
-          </a:p>
-          <a:p>
-            <a:pPr marL="1368426" lvl="2" indent="-455613" algn="l" defTabSz="490538">
-              <a:lnSpc>
-                <a:spcPct val="105000"/>
-              </a:lnSpc>
-              <a:buFont typeface="Arial" charset="0"/>
-              <a:buChar char="•"/>
-            </a:pPr>
-            <a:r>
-              <a:rPr lang="en-US" sz="4500" b="1" baseline="0" dirty="0" smtClean="0">
-                <a:latin typeface="Corbel" charset="0"/>
-                <a:ea typeface="Corbel" charset="0"/>
-                <a:cs typeface="Corbel" charset="0"/>
-              </a:rPr>
-              <a:t>Reconstruct</a:t>
-            </a:r>
-            <a:r>
-              <a:rPr lang="en-US" sz="4500" baseline="0" dirty="0" smtClean="0">
-                <a:latin typeface="Corbel" charset="0"/>
-                <a:ea typeface="Corbel" charset="0"/>
-                <a:cs typeface="Corbel" charset="0"/>
-              </a:rPr>
-              <a:t> a specific RDD and interactively run queries on it</a:t>
-            </a:r>
-          </a:p>
-          <a:p>
-            <a:pPr marL="1368426" lvl="2" indent="-455613" algn="l" defTabSz="490538">
-              <a:lnSpc>
-                <a:spcPct val="105000"/>
-              </a:lnSpc>
-              <a:buFont typeface="Arial" charset="0"/>
-              <a:buChar char="•"/>
-            </a:pPr>
-            <a:r>
-              <a:rPr lang="en-US" sz="4500" b="1" baseline="0" dirty="0" smtClean="0">
-                <a:latin typeface="Corbel" charset="0"/>
-                <a:ea typeface="Corbel" charset="0"/>
-                <a:cs typeface="Corbel" charset="0"/>
-              </a:rPr>
-              <a:t>Analyze</a:t>
-            </a:r>
-            <a:r>
-              <a:rPr lang="en-US" sz="4500" baseline="0" dirty="0" smtClean="0">
-                <a:latin typeface="Corbel" charset="0"/>
-                <a:ea typeface="Corbel" charset="0"/>
-                <a:cs typeface="Corbel" charset="0"/>
-              </a:rPr>
-              <a:t> logs distributed across the cluster</a:t>
-            </a:r>
-            <a:endParaRPr lang="en-US" sz="4500" baseline="0" dirty="0">
-              <a:latin typeface="Corbel" charset="0"/>
-              <a:ea typeface="Corbel" charset="0"/>
-              <a:cs typeface="Corbel" charset="0"/>
-            </a:endParaRPr>
-          </a:p>
-          <a:p>
-            <a:pPr marL="911226" lvl="1" indent="-455613" algn="l" defTabSz="490538">
-              <a:lnSpc>
-                <a:spcPct val="105000"/>
-              </a:lnSpc>
-              <a:buFont typeface="Arial" charset="0"/>
-              <a:buChar char="•"/>
-            </a:pPr>
-            <a:endParaRPr lang="en-US" sz="4500" baseline="0" dirty="0">
-              <a:latin typeface="Corbel" charset="0"/>
-              <a:ea typeface="Corbel" charset="0"/>
-              <a:cs typeface="Corbel" charset="0"/>
-            </a:endParaRPr>
-          </a:p>
-          <a:p>
-            <a:pPr marL="911226" lvl="1" indent="-455613" algn="l" defTabSz="490538">
-              <a:lnSpc>
-                <a:spcPct val="105000"/>
-              </a:lnSpc>
-              <a:buFont typeface="Arial" charset="0"/>
-              <a:buChar char="•"/>
-            </a:pPr>
-            <a:endParaRPr lang="en-US" sz="4500" baseline="0" dirty="0" smtClean="0">
-              <a:latin typeface="Corbel" charset="0"/>
-              <a:ea typeface="Corbel" charset="0"/>
-              <a:cs typeface="Corbel" charset="0"/>
-            </a:endParaRPr>
-          </a:p>
-        </p:txBody>
-      </p:sp>
-      <p:sp>
-        <p:nvSpPr>
-          <p:cNvPr id="14341" name="Rectangle 57"/>
-          <p:cNvSpPr>
-            <a:spLocks noChangeArrowheads="1"/>
-          </p:cNvSpPr>
-          <p:nvPr/>
-        </p:nvSpPr>
-        <p:spPr bwMode="auto">
-          <a:xfrm>
-            <a:off x="533400" y="0"/>
-            <a:ext cx="18211800" cy="2785372"/>
-          </a:xfrm>
-          <a:prstGeom prst="rect">
-            <a:avLst/>
-          </a:prstGeom>
-          <a:noFill/>
-          <a:ln w="9525">
-            <a:noFill/>
-            <a:miter lim="800000"/>
-            <a:headEnd/>
-            <a:tailEnd/>
-          </a:ln>
-        </p:spPr>
-        <p:txBody>
-          <a:bodyPr wrap="square" lIns="91434" tIns="45717" rIns="91434" bIns="45717">
-            <a:prstTxWarp prst="textNoShape">
-              <a:avLst/>
-            </a:prstTxWarp>
-            <a:spAutoFit/>
-          </a:bodyPr>
-          <a:lstStyle/>
-          <a:p>
-            <a:pPr algn="l"/>
-            <a:r>
-              <a:rPr lang="en-US" sz="17500" b="1" baseline="0" dirty="0" smtClean="0">
-                <a:latin typeface="Corbel" charset="0"/>
-                <a:ea typeface="Corbel" charset="0"/>
-                <a:cs typeface="Corbel" charset="0"/>
-              </a:rPr>
-              <a:t>Spark Debugger</a:t>
-            </a:r>
-            <a:endParaRPr lang="en-US" sz="17500" b="1" baseline="0" dirty="0"/>
-          </a:p>
-        </p:txBody>
-      </p:sp>
-      <p:sp>
-        <p:nvSpPr>
-          <p:cNvPr id="14344" name="Text Box 5"/>
-          <p:cNvSpPr txBox="1">
-            <a:spLocks noChangeArrowheads="1"/>
-          </p:cNvSpPr>
-          <p:nvPr/>
-        </p:nvSpPr>
-        <p:spPr bwMode="auto">
-          <a:xfrm>
-            <a:off x="12268200" y="5410200"/>
-            <a:ext cx="19888200" cy="1295400"/>
-          </a:xfrm>
-          <a:prstGeom prst="rect">
-            <a:avLst/>
-          </a:prstGeom>
-          <a:noFill/>
-          <a:ln w="9525">
-            <a:noFill/>
-            <a:miter lim="800000"/>
-            <a:headEnd/>
-            <a:tailEnd/>
-          </a:ln>
-        </p:spPr>
-        <p:txBody>
-          <a:bodyPr lIns="49227" tIns="24614" rIns="49227" bIns="24614" anchor="ctr">
-            <a:prstTxWarp prst="textNoShape">
-              <a:avLst/>
-            </a:prstTxWarp>
-          </a:bodyPr>
-          <a:lstStyle/>
-          <a:p>
-            <a:pPr marL="455613" indent="-455613" defTabSz="490538">
-              <a:lnSpc>
-                <a:spcPct val="80000"/>
-              </a:lnSpc>
-            </a:pPr>
-            <a:r>
-              <a:rPr lang="en-US" sz="6200" b="1" baseline="0" dirty="0" smtClean="0">
-                <a:latin typeface="Corbel" charset="0"/>
-                <a:ea typeface="Corbel" charset="0"/>
-                <a:cs typeface="Corbel" charset="0"/>
-              </a:rPr>
-              <a:t>Spark Studio</a:t>
-            </a:r>
-            <a:endParaRPr lang="en-US" sz="6200" b="1" baseline="0" dirty="0">
-              <a:latin typeface="Corbel" charset="0"/>
-              <a:ea typeface="Corbel" charset="0"/>
-              <a:cs typeface="Corbel" charset="0"/>
-            </a:endParaRPr>
-          </a:p>
-        </p:txBody>
-      </p:sp>
-      <p:sp>
-        <p:nvSpPr>
-          <p:cNvPr id="14350" name="Text Box 5"/>
-          <p:cNvSpPr txBox="1">
-            <a:spLocks noChangeArrowheads="1"/>
-          </p:cNvSpPr>
-          <p:nvPr/>
-        </p:nvSpPr>
-        <p:spPr bwMode="auto">
-          <a:xfrm>
-            <a:off x="23337127" y="17983200"/>
-            <a:ext cx="8819273" cy="8717639"/>
-          </a:xfrm>
-          <a:prstGeom prst="rect">
-            <a:avLst/>
-          </a:prstGeom>
-          <a:noFill/>
-          <a:ln w="9525">
-            <a:noFill/>
-            <a:miter lim="800000"/>
-            <a:headEnd/>
-            <a:tailEnd/>
-          </a:ln>
-        </p:spPr>
-        <p:txBody>
-          <a:bodyPr lIns="49227" tIns="24614" rIns="49227" bIns="24614">
-            <a:prstTxWarp prst="textNoShape">
-              <a:avLst/>
-            </a:prstTxWarp>
-          </a:bodyPr>
-          <a:lstStyle/>
-          <a:p>
-            <a:pPr marL="455613" indent="-455613" algn="l" defTabSz="490538">
-              <a:lnSpc>
-                <a:spcPct val="105000"/>
-              </a:lnSpc>
-              <a:buFont typeface="Arial" charset="0"/>
-              <a:buChar char="•"/>
-            </a:pPr>
-            <a:r>
-              <a:rPr lang="en-US" sz="4500" baseline="0" dirty="0" smtClean="0">
-                <a:latin typeface="Corbel" charset="0"/>
-                <a:ea typeface="Corbel" charset="0"/>
-                <a:cs typeface="Corbel" charset="0"/>
-              </a:rPr>
-              <a:t>Performance profiling</a:t>
-            </a:r>
-          </a:p>
-          <a:p>
-            <a:pPr marL="911226" lvl="1" indent="-455613" algn="l" defTabSz="490538">
-              <a:lnSpc>
-                <a:spcPct val="105000"/>
-              </a:lnSpc>
-              <a:buFont typeface="Arial" charset="0"/>
-              <a:buChar char="•"/>
-            </a:pPr>
-            <a:r>
-              <a:rPr lang="en-US" sz="4500" baseline="0" dirty="0" smtClean="0">
-                <a:latin typeface="Corbel" charset="0"/>
-                <a:ea typeface="Corbel" charset="0"/>
-                <a:cs typeface="Corbel" charset="0"/>
-              </a:rPr>
-              <a:t>Execution </a:t>
-            </a:r>
-            <a:r>
-              <a:rPr lang="en-US" sz="4500" baseline="0" dirty="0" smtClean="0">
-                <a:latin typeface="Corbel" charset="0"/>
-                <a:ea typeface="Corbel" charset="0"/>
-                <a:cs typeface="Corbel" charset="0"/>
-              </a:rPr>
-              <a:t>time </a:t>
-            </a:r>
-            <a:r>
-              <a:rPr lang="en-US" sz="4500" baseline="0" dirty="0" smtClean="0">
-                <a:latin typeface="Corbel" charset="0"/>
-                <a:ea typeface="Corbel" charset="0"/>
-                <a:cs typeface="Corbel" charset="0"/>
-              </a:rPr>
-              <a:t>profiles</a:t>
-            </a:r>
-            <a:endParaRPr lang="en-US" sz="4500" baseline="0" dirty="0" smtClean="0">
-              <a:latin typeface="Corbel" charset="0"/>
-              <a:ea typeface="Corbel" charset="0"/>
-              <a:cs typeface="Corbel" charset="0"/>
-            </a:endParaRPr>
-          </a:p>
-          <a:p>
-            <a:pPr marL="911226" lvl="1" indent="-455613" algn="l" defTabSz="490538">
-              <a:lnSpc>
-                <a:spcPct val="105000"/>
-              </a:lnSpc>
-              <a:buFont typeface="Arial" charset="0"/>
-              <a:buChar char="•"/>
-            </a:pPr>
-            <a:r>
-              <a:rPr lang="en-US" sz="4500" baseline="0" dirty="0" smtClean="0">
-                <a:latin typeface="Corbel" charset="0"/>
-                <a:ea typeface="Corbel" charset="0"/>
-                <a:cs typeface="Corbel" charset="0"/>
-              </a:rPr>
-              <a:t>Memory usage profiles</a:t>
-            </a:r>
-          </a:p>
-          <a:p>
-            <a:pPr marL="455613" indent="-455613" algn="l" defTabSz="490538">
-              <a:lnSpc>
-                <a:spcPct val="105000"/>
-              </a:lnSpc>
-              <a:buFont typeface="Arial" charset="0"/>
-              <a:buChar char="•"/>
-            </a:pPr>
-            <a:r>
-              <a:rPr lang="en-US" sz="4500" baseline="0" dirty="0" smtClean="0">
-                <a:latin typeface="Corbel" charset="0"/>
-                <a:ea typeface="Corbel" charset="0"/>
-                <a:cs typeface="Corbel" charset="0"/>
-              </a:rPr>
-              <a:t>More </a:t>
-            </a:r>
-            <a:r>
-              <a:rPr lang="en-US" sz="4500" baseline="0" dirty="0" smtClean="0">
-                <a:latin typeface="Corbel" charset="0"/>
-                <a:ea typeface="Corbel" charset="0"/>
-                <a:cs typeface="Corbel" charset="0"/>
-              </a:rPr>
-              <a:t>visualizations</a:t>
-            </a:r>
-            <a:endParaRPr lang="en-US" sz="4500" baseline="0" dirty="0" smtClean="0">
-              <a:latin typeface="Corbel" charset="0"/>
-              <a:ea typeface="Corbel" charset="0"/>
-              <a:cs typeface="Corbel" charset="0"/>
-            </a:endParaRPr>
-          </a:p>
-          <a:p>
-            <a:pPr marL="911226" lvl="1" indent="-455613" algn="l" defTabSz="490538">
-              <a:lnSpc>
-                <a:spcPct val="105000"/>
-              </a:lnSpc>
-              <a:buFont typeface="Arial" charset="0"/>
-              <a:buChar char="•"/>
-            </a:pPr>
-            <a:r>
-              <a:rPr lang="en-US" sz="4500" baseline="0" dirty="0" smtClean="0">
-                <a:latin typeface="Corbel" charset="0"/>
-                <a:ea typeface="Corbel" charset="0"/>
-                <a:cs typeface="Corbel" charset="0"/>
-              </a:rPr>
-              <a:t>Node-specific task schedule </a:t>
-            </a:r>
-            <a:r>
-              <a:rPr lang="en-US" sz="4500" baseline="0" dirty="0" smtClean="0">
-                <a:latin typeface="Corbel" charset="0"/>
-                <a:ea typeface="Corbel" charset="0"/>
-                <a:cs typeface="Corbel" charset="0"/>
-              </a:rPr>
-              <a:t>view</a:t>
-            </a:r>
-          </a:p>
-          <a:p>
-            <a:pPr marL="911226" lvl="1" indent="-455613" algn="l" defTabSz="490538">
-              <a:lnSpc>
-                <a:spcPct val="105000"/>
-              </a:lnSpc>
-              <a:buFont typeface="Arial" charset="0"/>
-              <a:buChar char="•"/>
-            </a:pPr>
-            <a:r>
-              <a:rPr lang="en-US" sz="4500" baseline="0" dirty="0" smtClean="0">
-                <a:latin typeface="Corbel" charset="0"/>
-                <a:ea typeface="Corbel" charset="0"/>
-                <a:cs typeface="Corbel" charset="0"/>
-              </a:rPr>
-              <a:t>Data visualizations</a:t>
-            </a:r>
-            <a:endParaRPr lang="en-US" sz="4500" baseline="0" dirty="0" smtClean="0">
-              <a:latin typeface="Corbel" charset="0"/>
-              <a:ea typeface="Corbel" charset="0"/>
-              <a:cs typeface="Corbel" charset="0"/>
-            </a:endParaRPr>
-          </a:p>
-          <a:p>
-            <a:pPr marL="455613" indent="-455613" algn="l" defTabSz="490538">
-              <a:lnSpc>
-                <a:spcPct val="105000"/>
-              </a:lnSpc>
-              <a:buFont typeface="Arial" charset="0"/>
-              <a:buChar char="•"/>
-            </a:pPr>
-            <a:r>
-              <a:rPr lang="en-US" sz="4500" baseline="0" dirty="0" smtClean="0">
-                <a:latin typeface="Corbel" charset="0"/>
-                <a:ea typeface="Corbel" charset="0"/>
-                <a:cs typeface="Corbel" charset="0"/>
-              </a:rPr>
-              <a:t>System status </a:t>
-            </a:r>
-          </a:p>
-          <a:p>
-            <a:pPr marL="911226" lvl="1" indent="-455613" algn="l" defTabSz="490538">
-              <a:lnSpc>
-                <a:spcPct val="105000"/>
-              </a:lnSpc>
-              <a:buFont typeface="Arial" charset="0"/>
-              <a:buChar char="•"/>
-            </a:pPr>
-            <a:r>
-              <a:rPr lang="en-US" sz="4500" baseline="0" dirty="0" smtClean="0">
-                <a:latin typeface="Corbel" charset="0"/>
-                <a:ea typeface="Corbel" charset="0"/>
-                <a:cs typeface="Corbel" charset="0"/>
-              </a:rPr>
-              <a:t>Higher level counters like number of garbage collections</a:t>
-            </a:r>
-          </a:p>
-          <a:p>
-            <a:pPr marL="455613" indent="-455613" algn="l" defTabSz="490538">
-              <a:lnSpc>
-                <a:spcPct val="105000"/>
-              </a:lnSpc>
-              <a:buFont typeface="Arial" charset="0"/>
-              <a:buChar char="•"/>
-            </a:pPr>
-            <a:r>
-              <a:rPr lang="en-US" sz="4500" baseline="0" dirty="0" smtClean="0">
-                <a:latin typeface="Corbel" charset="0"/>
-                <a:ea typeface="Corbel" charset="0"/>
-                <a:cs typeface="Corbel" charset="0"/>
-              </a:rPr>
-              <a:t>Suggestions from Spark </a:t>
-            </a:r>
-            <a:r>
-              <a:rPr lang="en-US" sz="4500" baseline="0" dirty="0" smtClean="0">
-                <a:latin typeface="Corbel" charset="0"/>
-                <a:ea typeface="Corbel" charset="0"/>
-                <a:cs typeface="Corbel" charset="0"/>
-              </a:rPr>
-              <a:t>users, </a:t>
-            </a:r>
-          </a:p>
-          <a:p>
-            <a:pPr algn="l" defTabSz="490538">
-              <a:lnSpc>
-                <a:spcPct val="105000"/>
-              </a:lnSpc>
-            </a:pPr>
-            <a:r>
-              <a:rPr lang="en-US" sz="4500" baseline="0" dirty="0">
-                <a:latin typeface="Corbel" charset="0"/>
-                <a:ea typeface="Corbel" charset="0"/>
-                <a:cs typeface="Corbel" charset="0"/>
-              </a:rPr>
-              <a:t>	</a:t>
-            </a:r>
-            <a:r>
-              <a:rPr lang="en-US" sz="4500" baseline="0" dirty="0" smtClean="0">
-                <a:latin typeface="Corbel" charset="0"/>
-                <a:ea typeface="Corbel" charset="0"/>
-                <a:cs typeface="Corbel" charset="0"/>
-              </a:rPr>
-              <a:t>you </a:t>
-            </a:r>
-            <a:r>
-              <a:rPr lang="en-US" sz="4500" baseline="0" dirty="0" smtClean="0">
-                <a:latin typeface="Corbel" charset="0"/>
-                <a:ea typeface="Corbel" charset="0"/>
-                <a:cs typeface="Corbel" charset="0"/>
-              </a:rPr>
-              <a:t>tell us!</a:t>
-            </a:r>
-            <a:endParaRPr lang="en-US" sz="4500" baseline="0" dirty="0">
-              <a:latin typeface="Corbel" charset="0"/>
-              <a:ea typeface="Corbel" charset="0"/>
-              <a:cs typeface="Corbel" charset="0"/>
-            </a:endParaRPr>
-          </a:p>
-        </p:txBody>
-      </p:sp>
-      <p:sp>
-        <p:nvSpPr>
-          <p:cNvPr id="14363" name="Text Box 5"/>
-          <p:cNvSpPr txBox="1">
-            <a:spLocks noChangeArrowheads="1"/>
-          </p:cNvSpPr>
-          <p:nvPr/>
-        </p:nvSpPr>
-        <p:spPr bwMode="auto">
-          <a:xfrm>
-            <a:off x="23317200" y="16383000"/>
-            <a:ext cx="9601200" cy="1295400"/>
-          </a:xfrm>
-          <a:prstGeom prst="rect">
-            <a:avLst/>
-          </a:prstGeom>
-          <a:noFill/>
-          <a:ln w="9525">
-            <a:noFill/>
-            <a:miter lim="800000"/>
-            <a:headEnd/>
-            <a:tailEnd/>
-          </a:ln>
-        </p:spPr>
-        <p:txBody>
-          <a:bodyPr lIns="49227" tIns="24614" rIns="49227" bIns="24614">
-            <a:prstTxWarp prst="textNoShape">
-              <a:avLst/>
-            </a:prstTxWarp>
-          </a:bodyPr>
-          <a:lstStyle/>
-          <a:p>
-            <a:pPr marL="455613" indent="-455613" defTabSz="490538">
-              <a:lnSpc>
-                <a:spcPct val="110000"/>
-              </a:lnSpc>
-            </a:pPr>
-            <a:r>
-              <a:rPr lang="en-US" sz="6200" b="1" baseline="0" dirty="0">
-                <a:latin typeface="Corbel" charset="0"/>
-                <a:ea typeface="Corbel" charset="0"/>
-                <a:cs typeface="Corbel" charset="0"/>
-              </a:rPr>
-              <a:t>Future </a:t>
-            </a:r>
-            <a:r>
-              <a:rPr lang="en-US" sz="6200" b="1" baseline="0" dirty="0" smtClean="0">
-                <a:latin typeface="Corbel" charset="0"/>
-                <a:ea typeface="Corbel" charset="0"/>
-                <a:cs typeface="Corbel" charset="0"/>
-              </a:rPr>
-              <a:t>Plans</a:t>
-            </a:r>
-            <a:endParaRPr lang="en-US" sz="6200" b="1" baseline="0" dirty="0">
-              <a:latin typeface="Corbel" charset="0"/>
-              <a:ea typeface="Corbel" charset="0"/>
-              <a:cs typeface="Corbel" charset="0"/>
-            </a:endParaRPr>
-          </a:p>
-        </p:txBody>
-      </p:sp>
-      <p:sp>
-        <p:nvSpPr>
-          <p:cNvPr id="74" name="Text Box 5"/>
-          <p:cNvSpPr txBox="1">
-            <a:spLocks noChangeArrowheads="1"/>
-          </p:cNvSpPr>
-          <p:nvPr/>
-        </p:nvSpPr>
-        <p:spPr bwMode="auto">
-          <a:xfrm>
-            <a:off x="572710" y="5410200"/>
-            <a:ext cx="11012339" cy="1295400"/>
-          </a:xfrm>
-          <a:prstGeom prst="rect">
-            <a:avLst/>
-          </a:prstGeom>
-          <a:noFill/>
-          <a:ln w="9525">
-            <a:noFill/>
-            <a:miter lim="800000"/>
-            <a:headEnd/>
-            <a:tailEnd/>
-          </a:ln>
-        </p:spPr>
-        <p:txBody>
-          <a:bodyPr lIns="49227" tIns="24614" rIns="49227" bIns="24614" anchor="ctr">
-            <a:prstTxWarp prst="textNoShape">
-              <a:avLst/>
-            </a:prstTxWarp>
-          </a:bodyPr>
-          <a:lstStyle/>
-          <a:p>
-            <a:pPr marL="455613" indent="-455613" defTabSz="490538">
-              <a:lnSpc>
-                <a:spcPct val="110000"/>
-              </a:lnSpc>
-            </a:pPr>
-            <a:r>
-              <a:rPr lang="en-US" sz="6200" b="1" baseline="0" dirty="0" smtClean="0">
-                <a:latin typeface="Corbel" charset="0"/>
-                <a:ea typeface="Corbel" charset="0"/>
-                <a:cs typeface="Corbel" charset="0"/>
-              </a:rPr>
-              <a:t>Motivation</a:t>
-            </a:r>
-            <a:endParaRPr lang="en-US" sz="6200" b="1" baseline="0" dirty="0">
-              <a:latin typeface="Corbel" charset="0"/>
-              <a:ea typeface="Corbel" charset="0"/>
-              <a:cs typeface="Corbel" charset="0"/>
-            </a:endParaRPr>
-          </a:p>
-        </p:txBody>
-      </p:sp>
-      <p:sp>
-        <p:nvSpPr>
-          <p:cNvPr id="79" name="Text Box 5"/>
-          <p:cNvSpPr txBox="1">
-            <a:spLocks noChangeArrowheads="1"/>
-          </p:cNvSpPr>
-          <p:nvPr/>
-        </p:nvSpPr>
-        <p:spPr bwMode="auto">
-          <a:xfrm>
-            <a:off x="609600" y="19354800"/>
-            <a:ext cx="10977604" cy="1295400"/>
+            <a:off x="990600" y="16383000"/>
+            <a:ext cx="9906000" cy="1295400"/>
           </a:xfrm>
           <a:prstGeom prst="rect">
             <a:avLst/>
@@ -6631,8 +4852,8 @@
         </p:nvSpPr>
         <p:spPr bwMode="auto">
           <a:xfrm>
-            <a:off x="11963400" y="16383000"/>
-            <a:ext cx="9982200" cy="1295400"/>
+            <a:off x="11734800" y="16383000"/>
+            <a:ext cx="10210800" cy="1295400"/>
           </a:xfrm>
           <a:prstGeom prst="rect">
             <a:avLst/>
@@ -6684,8 +4905,8 @@
         </p:nvSpPr>
         <p:spPr bwMode="auto">
           <a:xfrm>
-            <a:off x="533400" y="20726400"/>
-            <a:ext cx="11049353" cy="5562600"/>
+            <a:off x="990599" y="17754600"/>
+            <a:ext cx="9906001" cy="8686800"/>
           </a:xfrm>
           <a:prstGeom prst="rect">
             <a:avLst/>
@@ -6755,7 +4976,7 @@
                 <a:cs typeface="Corbel" charset="0"/>
                 <a:sym typeface="Wingdings"/>
               </a:rPr>
-              <a:t>Lineage of operations make program state re-constructible, with minimal loggin</a:t>
+              <a:t>Lineage of operations make program state re-constructible, with minimal logging </a:t>
             </a:r>
             <a:r>
               <a:rPr lang="en-US" sz="4500" baseline="0" dirty="0" smtClean="0">
@@ -6764,8 +4985,89 @@
                 <a:cs typeface="Corbel" charset="0"/>
                 <a:sym typeface="Wingdings"/>
               </a:rPr>
-              <a:t>g overhead</a:t>
-            </a:r>
+              <a:t>overhead</a:t>
+            </a:r>
+          </a:p>
+          <a:p>
+            <a:pPr marL="455613" indent="-455613" algn="l" defTabSz="490538">
+              <a:lnSpc>
+                <a:spcPct val="105000"/>
+              </a:lnSpc>
+              <a:buFont typeface="Arial" charset="0"/>
+              <a:buChar char="•"/>
+            </a:pPr>
+            <a:r>
+              <a:rPr lang="en-US" sz="4500" baseline="0" dirty="0" smtClean="0">
+                <a:latin typeface="Corbel" charset="0"/>
+                <a:ea typeface="Corbel" charset="0"/>
+                <a:cs typeface="Corbel" charset="0"/>
+                <a:sym typeface="Wingdings"/>
+              </a:rPr>
+              <a:t>Similar techniques can be applied to other frameworks (</a:t>
+            </a:r>
+            <a:r>
+              <a:rPr lang="en-US" sz="4500" baseline="0" dirty="0" err="1" smtClean="0">
+                <a:latin typeface="Corbel" charset="0"/>
+                <a:ea typeface="Corbel" charset="0"/>
+                <a:cs typeface="Corbel" charset="0"/>
+                <a:sym typeface="Wingdings"/>
+              </a:rPr>
+              <a:t>MapReduce</a:t>
+            </a:r>
+            <a:r>
+              <a:rPr lang="en-US" sz="4500" baseline="0" dirty="0" smtClean="0">
+                <a:latin typeface="Corbel" charset="0"/>
+                <a:ea typeface="Corbel" charset="0"/>
+                <a:cs typeface="Corbel" charset="0"/>
+                <a:sym typeface="Wingdings"/>
+              </a:rPr>
+              <a:t>, Dryad, </a:t>
+            </a:r>
+            <a:r>
+              <a:rPr lang="en-US" sz="4500" baseline="0" dirty="0" err="1" smtClean="0">
+                <a:latin typeface="Corbel" charset="0"/>
+                <a:ea typeface="Corbel" charset="0"/>
+                <a:cs typeface="Corbel" charset="0"/>
+                <a:sym typeface="Wingdings"/>
+              </a:rPr>
+              <a:t>Pregel</a:t>
+            </a:r>
+            <a:r>
+              <a:rPr lang="en-US" sz="4500" baseline="0" dirty="0" smtClean="0">
+                <a:latin typeface="Corbel" charset="0"/>
+                <a:ea typeface="Corbel" charset="0"/>
+                <a:cs typeface="Corbel" charset="0"/>
+                <a:sym typeface="Wingdings"/>
+              </a:rPr>
+              <a:t>, </a:t>
+            </a:r>
+            <a:r>
+              <a:rPr lang="en-US" sz="4500" baseline="0" dirty="0" err="1" smtClean="0">
+                <a:latin typeface="Corbel" charset="0"/>
+                <a:ea typeface="Corbel" charset="0"/>
+                <a:cs typeface="Corbel" charset="0"/>
+                <a:sym typeface="Wingdings"/>
+              </a:rPr>
+              <a:t>etc</a:t>
+            </a:r>
+            <a:r>
+              <a:rPr lang="en-US" sz="4500" baseline="0" dirty="0" smtClean="0">
+                <a:latin typeface="Corbel" charset="0"/>
+                <a:ea typeface="Corbel" charset="0"/>
+                <a:cs typeface="Corbel" charset="0"/>
+                <a:sym typeface="Wingdings"/>
+              </a:rPr>
+              <a:t>)</a:t>
+            </a:r>
+          </a:p>
+          <a:p>
+            <a:pPr marL="455613" indent="-455613" algn="l" defTabSz="490538">
+              <a:lnSpc>
+                <a:spcPct val="105000"/>
+              </a:lnSpc>
+              <a:buFont typeface="Arial" charset="0"/>
+              <a:buChar char="•"/>
+            </a:pPr>
             <a:endParaRPr lang="en-US" sz="4500" baseline="0" dirty="0" smtClean="0">
               <a:latin typeface="Corbel" charset="0"/>
               <a:ea typeface="Corbel" charset="0"/>
@@ -7793,7 +6095,51 @@
                 <a:ea typeface="Corbel" charset="0"/>
                 <a:cs typeface="Corbel" charset="0"/>
               </a:rPr>
-              <a:t>Leveraging computation structure for debugging datacenter applications</a:t>
+              <a:t>Leveraging </a:t>
+            </a:r>
+            <a:r>
+              <a:rPr lang="en-US" sz="8000" baseline="0" dirty="0">
+                <a:solidFill>
+                  <a:srgbClr val="3366FF"/>
+                </a:solidFill>
+                <a:latin typeface="Corbel" charset="0"/>
+                <a:ea typeface="Corbel" charset="0"/>
+                <a:cs typeface="Corbel" charset="0"/>
+              </a:rPr>
+              <a:t>c</a:t>
+            </a:r>
+            <a:r>
+              <a:rPr lang="en-US" sz="8000" baseline="0" dirty="0" smtClean="0">
+                <a:solidFill>
+                  <a:srgbClr val="3366FF"/>
+                </a:solidFill>
+                <a:latin typeface="Corbel" charset="0"/>
+                <a:ea typeface="Corbel" charset="0"/>
+                <a:cs typeface="Corbel" charset="0"/>
+              </a:rPr>
+              <a:t>omputation </a:t>
+            </a:r>
+            <a:r>
+              <a:rPr lang="en-US" sz="8000" baseline="0" dirty="0">
+                <a:solidFill>
+                  <a:srgbClr val="3366FF"/>
+                </a:solidFill>
+                <a:latin typeface="Corbel" charset="0"/>
+                <a:ea typeface="Corbel" charset="0"/>
+                <a:cs typeface="Corbel" charset="0"/>
+              </a:rPr>
+              <a:t>s</a:t>
+            </a:r>
+            <a:r>
+              <a:rPr lang="en-US" sz="8000" baseline="0" dirty="0" smtClean="0">
+                <a:solidFill>
+                  <a:srgbClr val="3366FF"/>
+                </a:solidFill>
+                <a:latin typeface="Corbel" charset="0"/>
+                <a:ea typeface="Corbel" charset="0"/>
+                <a:cs typeface="Corbel" charset="0"/>
+              </a:rPr>
+              <a:t>tructure to debug in the datacenter</a:t>
             </a:r>
             <a:endParaRPr lang="en-US" sz="8000" baseline="0" dirty="0">
               <a:solidFill>
@@ -9182,8 +7528,8 @@
         </p:nvSpPr>
         <p:spPr bwMode="auto">
           <a:xfrm>
-            <a:off x="527352" y="6738474"/>
-            <a:ext cx="11055048" cy="12235325"/>
+            <a:off x="908352" y="6781799"/>
+            <a:ext cx="9988248" cy="9372601"/>
           </a:xfrm>
           <a:prstGeom prst="rect">
             <a:avLst/>
@@ -9217,38 +7563,40 @@
                 <a:ea typeface="Corbel" charset="0"/>
                 <a:cs typeface="Corbel" charset="0"/>
               </a:rPr>
-              <a:t>Debugging distributed datacenter applications is hard and slow, especially for non-experts</a:t>
-            </a:r>
-          </a:p>
-          <a:p>
-            <a:pPr marL="911226" lvl="1" indent="-455613" algn="l" defTabSz="490538">
-              <a:lnSpc>
-                <a:spcPct val="105000"/>
-              </a:lnSpc>
-              <a:buFont typeface="Arial" charset="0"/>
-              <a:buChar char="•"/>
-            </a:pPr>
+              <a:t>Debugging distributed datacenter applications is hard and slow</a:t>
+            </a:r>
             <a:r>
               <a:rPr lang="en-US" sz="4500" baseline="0" dirty="0" smtClean="0">
                 <a:latin typeface="Corbel" charset="0"/>
                 <a:ea typeface="Corbel" charset="0"/>
                 <a:cs typeface="Corbel" charset="0"/>
               </a:rPr>
-              <a:t>In addition to logical correctness, </a:t>
-            </a:r>
-            <a:r>
-              <a:rPr lang="en-US" sz="4500" i="1" baseline="0" dirty="0" smtClean="0">
-                <a:latin typeface="Corbel" charset="0"/>
-                <a:ea typeface="Corbel" charset="0"/>
-                <a:cs typeface="Corbel" charset="0"/>
-              </a:rPr>
-              <a:t>performance is important </a:t>
-            </a:r>
-            <a:endParaRPr lang="en-US" sz="4500" baseline="0" dirty="0" smtClean="0">
-              <a:latin typeface="Corbel" charset="0"/>
-              <a:ea typeface="Corbel" charset="0"/>
-              <a:cs typeface="Corbel" charset="0"/>
-            </a:endParaRPr>
+              <a:t>, </a:t>
+            </a:r>
+            <a:r>
+              <a:rPr lang="en-US" sz="4500" baseline="0" dirty="0" smtClean="0">
+                <a:latin typeface="Corbel" charset="0"/>
+                <a:ea typeface="Corbel" charset="0"/>
+                <a:cs typeface="Corbel" charset="0"/>
+              </a:rPr>
+              <a:t>especially </a:t>
+            </a:r>
+            <a:r>
+              <a:rPr lang="en-US" sz="4500" baseline="0" dirty="0" smtClean="0">
+                <a:latin typeface="Corbel" charset="0"/>
+                <a:ea typeface="Corbel" charset="0"/>
+                <a:cs typeface="Corbel" charset="0"/>
+              </a:rPr>
+              <a:t>for </a:t>
+            </a:r>
+            <a:r>
+              <a:rPr lang="en-US" sz="4500" baseline="0" dirty="0" smtClean="0">
+                <a:latin typeface="Corbel" charset="0"/>
+                <a:ea typeface="Corbel" charset="0"/>
+                <a:cs typeface="Corbel" charset="0"/>
+              </a:rPr>
+              <a:t>non-experts</a:t>
+            </a:r>
           </a:p>
           <a:p>
             <a:pPr marL="455613" indent="-455613" algn="l" defTabSz="490538">
@@ -9264,31 +7612,7 @@
                 <a:ea typeface="Corbel" charset="0"/>
                 <a:cs typeface="Corbel" charset="0"/>
               </a:rPr>
-              <a:t>Hard </a:t>
-            </a:r>
-            <a:r>
-              <a:rPr lang="en-US" sz="4500" baseline="0" dirty="0">
-                <a:latin typeface="Corbel" charset="0"/>
-                <a:ea typeface="Corbel" charset="0"/>
-                <a:cs typeface="Corbel" charset="0"/>
-              </a:rPr>
-              <a:t>to judge </a:t>
-            </a:r>
-            <a:r>
-              <a:rPr lang="en-US" sz="4500" i="1" baseline="0" dirty="0">
-                <a:latin typeface="Corbel" charset="0"/>
-                <a:ea typeface="Corbel" charset="0"/>
-                <a:cs typeface="Corbel" charset="0"/>
-              </a:rPr>
-              <a:t>expected </a:t>
-            </a:r>
-            <a:r>
-              <a:rPr lang="en-US" sz="4500" i="1" baseline="0" dirty="0" smtClean="0">
-                <a:latin typeface="Corbel" charset="0"/>
-                <a:ea typeface="Corbel" charset="0"/>
-                <a:cs typeface="Corbel" charset="0"/>
-              </a:rPr>
-              <a:t>performance </a:t>
+              <a:t>Performance of multi</a:t>
             </a:r>
             <a:r>
               <a:rPr lang="en-US" sz="4500" baseline="0" dirty="0" smtClean="0">
@@ -9296,7 +7620,7 @@
                 <a:ea typeface="Corbel" charset="0"/>
                 <a:cs typeface="Corbel" charset="0"/>
               </a:rPr>
-              <a:t>as multi</a:t>
+              <a:t>-stage parallel </a:t>
             </a:r>
             <a:r>
               <a:rPr lang="en-US" sz="4500" baseline="0" dirty="0" smtClean="0">
@@ -9304,7 +7628,7 @@
                 <a:ea typeface="Corbel" charset="0"/>
                 <a:cs typeface="Corbel" charset="0"/>
               </a:rPr>
-              <a:t>-stage parallel computation on </a:t>
+              <a:t>computations can </a:t>
             </a:r>
             <a:r>
               <a:rPr lang="en-US" sz="4500" baseline="0" dirty="0" smtClean="0">
@@ -9312,7 +7636,7 @@
                 <a:ea typeface="Corbel" charset="0"/>
                 <a:cs typeface="Corbel" charset="0"/>
               </a:rPr>
-              <a:t>large clusters </a:t>
+              <a:t>have non-intuitive </a:t>
             </a:r>
             <a:r>
               <a:rPr lang="en-US" sz="4500" baseline="0" dirty="0" smtClean="0">
@@ -9320,7 +7644,7 @@
                 <a:ea typeface="Corbel" charset="0"/>
                 <a:cs typeface="Corbel" charset="0"/>
               </a:rPr>
-              <a:t>can have non-intuitive behavior</a:t>
+              <a:t>behavior</a:t>
             </a:r>
             <a:endParaRPr lang="en-US" sz="4500" baseline="0" dirty="0">
               <a:latin typeface="Corbel" charset="0"/>
@@ -9342,23 +7666,7 @@
                 <a:ea typeface="Corbel" charset="0"/>
                 <a:cs typeface="Corbel" charset="0"/>
               </a:rPr>
-              <a:t>Hard to analyze </a:t>
-            </a:r>
-            <a:r>
-              <a:rPr lang="en-US" sz="4500" i="1" baseline="0" dirty="0" smtClean="0">
-                <a:latin typeface="Corbel" charset="0"/>
-                <a:ea typeface="Corbel" charset="0"/>
-                <a:cs typeface="Corbel" charset="0"/>
-              </a:rPr>
-              <a:t>actual </a:t>
-            </a:r>
-            <a:r>
-              <a:rPr lang="en-US" sz="4500" i="1" baseline="0" dirty="0" smtClean="0">
-                <a:latin typeface="Corbel" charset="0"/>
-                <a:ea typeface="Corbel" charset="0"/>
-                <a:cs typeface="Corbel" charset="0"/>
-              </a:rPr>
-              <a:t>performance </a:t>
+              <a:t>General-purpose distributed debuggers </a:t>
             </a:r>
             <a:r>
               <a:rPr lang="en-US" sz="4500" baseline="0" dirty="0" smtClean="0">
@@ -9366,7 +7674,7 @@
                 <a:ea typeface="Corbel" charset="0"/>
                 <a:cs typeface="Corbel" charset="0"/>
               </a:rPr>
-              <a:t>due to </a:t>
+              <a:t>use logging, but have high </a:t>
             </a:r>
             <a:r>
               <a:rPr lang="en-US" sz="4500" baseline="0" dirty="0" smtClean="0">
@@ -9374,33 +7682,9 @@
                 <a:ea typeface="Corbel" charset="0"/>
                 <a:cs typeface="Corbel" charset="0"/>
               </a:rPr>
-              <a:t>i</a:t>
-            </a:r>
-            <a:r>
-              <a:rPr lang="en-US" sz="4500" baseline="0" dirty="0" smtClean="0">
-                <a:latin typeface="Corbel" charset="0"/>
-                <a:ea typeface="Corbel" charset="0"/>
-                <a:cs typeface="Corbel" charset="0"/>
-              </a:rPr>
-              <a:t>nsufficient </a:t>
-            </a:r>
-            <a:r>
-              <a:rPr lang="en-US" sz="4500" baseline="0" dirty="0" smtClean="0">
-                <a:latin typeface="Corbel" charset="0"/>
-                <a:ea typeface="Corbel" charset="0"/>
-                <a:cs typeface="Corbel" charset="0"/>
-              </a:rPr>
-              <a:t>feedback of application </a:t>
-            </a:r>
-            <a:r>
-              <a:rPr lang="en-US" sz="4500" baseline="0" dirty="0" smtClean="0">
-                <a:latin typeface="Corbel" charset="0"/>
-                <a:ea typeface="Corbel" charset="0"/>
-                <a:cs typeface="Corbel" charset="0"/>
-              </a:rPr>
-              <a:t>execution</a:t>
-            </a:r>
-            <a:endParaRPr lang="en-US" sz="4500" baseline="0" dirty="0">
+              <a:t>overhead and too low level information</a:t>
+            </a:r>
+            <a:endParaRPr lang="en-US" sz="4500" baseline="0" dirty="0" smtClean="0">
               <a:latin typeface="Corbel" charset="0"/>
               <a:ea typeface="Corbel" charset="0"/>
               <a:cs typeface="Corbel" charset="0"/>
@@ -9420,24 +7704,31 @@
                 <a:ea typeface="Corbel" charset="0"/>
                 <a:cs typeface="Corbel" charset="0"/>
               </a:rPr>
-              <a:t>Existing debuggers use logging, but have high overhead</a:t>
-            </a:r>
-          </a:p>
-          <a:p>
-            <a:pPr marL="455613" indent="-455613" algn="l" defTabSz="490538">
-              <a:lnSpc>
-                <a:spcPct val="105000"/>
-              </a:lnSpc>
-              <a:buFont typeface="Arial" charset="0"/>
-              <a:buChar char="•"/>
-            </a:pPr>
+              <a:t>Spark makes writing </a:t>
+            </a:r>
             <a:r>
               <a:rPr lang="en-US" sz="4500" baseline="0" dirty="0" smtClean="0">
                 <a:latin typeface="Corbel" charset="0"/>
                 <a:ea typeface="Corbel" charset="0"/>
                 <a:cs typeface="Corbel" charset="0"/>
               </a:rPr>
-              <a:t>Spark makes writing applications fast and intuitive. </a:t>
+              <a:t>distributed </a:t>
+            </a:r>
+            <a:r>
+              <a:rPr lang="en-US" sz="4500" baseline="0" dirty="0" smtClean="0">
+                <a:latin typeface="Corbel" charset="0"/>
+                <a:ea typeface="Corbel" charset="0"/>
+                <a:cs typeface="Corbel" charset="0"/>
+              </a:rPr>
+              <a:t>applications </a:t>
+            </a:r>
+            <a:r>
+              <a:rPr lang="en-US" sz="4500" baseline="0" dirty="0" smtClean="0">
+                <a:latin typeface="Corbel" charset="0"/>
+                <a:ea typeface="Corbel" charset="0"/>
+                <a:cs typeface="Corbel" charset="0"/>
+              </a:rPr>
+              <a:t>fast and intuitive. </a:t>
             </a:r>
             <a:r>
               <a:rPr lang="en-US" sz="4500" i="1" baseline="0" dirty="0" smtClean="0">
@@ -9445,7 +7736,23 @@
                 <a:ea typeface="Corbel" charset="0"/>
                 <a:cs typeface="Corbel" charset="0"/>
               </a:rPr>
-              <a:t>Can it make debugging fast?</a:t>
+              <a:t>Can it </a:t>
+            </a:r>
+            <a:r>
+              <a:rPr lang="en-US" sz="4500" i="1" baseline="0" dirty="0" smtClean="0">
+                <a:latin typeface="Corbel" charset="0"/>
+                <a:ea typeface="Corbel" charset="0"/>
+                <a:cs typeface="Corbel" charset="0"/>
+              </a:rPr>
+              <a:t>also make </a:t>
+            </a:r>
+            <a:r>
+              <a:rPr lang="en-US" sz="4500" i="1" baseline="0" dirty="0" smtClean="0">
+                <a:latin typeface="Corbel" charset="0"/>
+                <a:ea typeface="Corbel" charset="0"/>
+                <a:cs typeface="Corbel" charset="0"/>
+              </a:rPr>
+              <a:t>debugging fast?</a:t>
             </a:r>
           </a:p>
           <a:p>
@@ -9468,6 +7775,5155 @@
         <p14:creationId xmlns:p14="http://schemas.microsoft.com/office/powerpoint/2010/main" val="3528472207"/>
       </p:ext>
     </p:extLst>
+  </p:cSld>
+  <p:clrMapOvr>
+    <a:masterClrMapping/>
+  </p:clrMapOvr>
+  <p:timing>
+    <p:tnLst>
+      <p:par>
+        <p:cTn xmlns:p14="http://schemas.microsoft.com/office/powerpoint/2010/main" id="1" dur="indefinite" restart="never" nodeType="tmRoot"/>
+      </p:par>
+    </p:tnLst>
+  </p:timing>
+</p:sld>
+</file>
+
+<file path=ppt/slides/slide2.xml><?xml version="1.0" encoding="utf-8"?>
+<p:sld xmlns:a="http://schemas.openxmlformats.org/drawingml/2006/main" xmlns:r="http://schemas.openxmlformats.org/officeDocument/2006/relationships" xmlns:p="http://schemas.openxmlformats.org/presentationml/2006/main">
+  <p:cSld>
+    <p:spTree>
+      <p:nvGrpSpPr>
+        <p:cNvPr id="1" name=""/>
+        <p:cNvGrpSpPr/>
+        <p:nvPr/>
+      </p:nvGrpSpPr>
+      <p:grpSpPr>
+        <a:xfrm>
+          <a:off x="0" y="0"/>
+          <a:ext cx="0" cy="0"/>
+          <a:chOff x="0" y="0"/>
+          <a:chExt cx="0" cy="0"/>
+        </a:xfrm>
+      </p:grpSpPr>
+      <p:sp>
+        <p:nvSpPr>
+          <p:cNvPr id="14340" name="Title 3"/>
+          <p:cNvSpPr txBox="1">
+            <a:spLocks/>
+          </p:cNvSpPr>
+          <p:nvPr/>
+        </p:nvSpPr>
+        <p:spPr bwMode="auto">
+          <a:xfrm>
+            <a:off x="533400" y="2971800"/>
+            <a:ext cx="32385000" cy="1219200"/>
+          </a:xfrm>
+          <a:prstGeom prst="rect">
+            <a:avLst/>
+          </a:prstGeom>
+          <a:noFill/>
+          <a:ln w="9525">
+            <a:noFill/>
+            <a:miter lim="800000"/>
+            <a:headEnd/>
+            <a:tailEnd/>
+          </a:ln>
+        </p:spPr>
+        <p:txBody>
+          <a:bodyPr lIns="91434" tIns="45717" rIns="91434" bIns="45717" anchor="ctr">
+            <a:prstTxWarp prst="textNoShape">
+              <a:avLst/>
+            </a:prstTxWarp>
+          </a:bodyPr>
+          <a:lstStyle/>
+          <a:p>
+            <a:pPr algn="l" defTabSz="455613"/>
+            <a:r>
+              <a:rPr lang="en-US" sz="8000" baseline="0" dirty="0" smtClean="0">
+                <a:solidFill>
+                  <a:srgbClr val="3366FF"/>
+                </a:solidFill>
+                <a:latin typeface="Corbel" charset="0"/>
+                <a:ea typeface="Corbel" charset="0"/>
+                <a:cs typeface="Corbel" charset="0"/>
+              </a:rPr>
+              <a:t>Leveraging </a:t>
+            </a:r>
+            <a:r>
+              <a:rPr lang="en-US" sz="8000" baseline="0" dirty="0" smtClean="0">
+                <a:solidFill>
+                  <a:srgbClr val="3366FF"/>
+                </a:solidFill>
+                <a:latin typeface="Corbel" charset="0"/>
+                <a:ea typeface="Corbel" charset="0"/>
+                <a:cs typeface="Corbel" charset="0"/>
+              </a:rPr>
+              <a:t>computation structure </a:t>
+            </a:r>
+            <a:r>
+              <a:rPr lang="en-US" sz="8000" baseline="0" dirty="0" smtClean="0">
+                <a:solidFill>
+                  <a:srgbClr val="3366FF"/>
+                </a:solidFill>
+                <a:latin typeface="Corbel" charset="0"/>
+                <a:ea typeface="Corbel" charset="0"/>
+                <a:cs typeface="Corbel" charset="0"/>
+              </a:rPr>
+              <a:t>for debugging </a:t>
+            </a:r>
+            <a:r>
+              <a:rPr lang="en-US" sz="8000" baseline="0" dirty="0" smtClean="0">
+                <a:solidFill>
+                  <a:srgbClr val="3366FF"/>
+                </a:solidFill>
+                <a:latin typeface="Corbel" charset="0"/>
+                <a:ea typeface="Corbel" charset="0"/>
+                <a:cs typeface="Corbel" charset="0"/>
+              </a:rPr>
+              <a:t>parallel applications</a:t>
+            </a:r>
+            <a:endParaRPr lang="en-US" sz="8000" baseline="0" dirty="0">
+              <a:solidFill>
+                <a:srgbClr val="3366FF"/>
+              </a:solidFill>
+              <a:latin typeface="Corbel" charset="0"/>
+              <a:ea typeface="Corbel" charset="0"/>
+              <a:cs typeface="Corbel" charset="0"/>
+            </a:endParaRPr>
+          </a:p>
+        </p:txBody>
+      </p:sp>
+      <p:sp>
+        <p:nvSpPr>
+          <p:cNvPr id="14341" name="Rectangle 57"/>
+          <p:cNvSpPr>
+            <a:spLocks noChangeArrowheads="1"/>
+          </p:cNvSpPr>
+          <p:nvPr/>
+        </p:nvSpPr>
+        <p:spPr bwMode="auto">
+          <a:xfrm>
+            <a:off x="533400" y="0"/>
+            <a:ext cx="18211800" cy="2785372"/>
+          </a:xfrm>
+          <a:prstGeom prst="rect">
+            <a:avLst/>
+          </a:prstGeom>
+          <a:noFill/>
+          <a:ln w="9525">
+            <a:noFill/>
+            <a:miter lim="800000"/>
+            <a:headEnd/>
+            <a:tailEnd/>
+          </a:ln>
+        </p:spPr>
+        <p:txBody>
+          <a:bodyPr wrap="square" lIns="91434" tIns="45717" rIns="91434" bIns="45717">
+            <a:prstTxWarp prst="textNoShape">
+              <a:avLst/>
+            </a:prstTxWarp>
+            <a:spAutoFit/>
+          </a:bodyPr>
+          <a:lstStyle/>
+          <a:p>
+            <a:pPr algn="l"/>
+            <a:r>
+              <a:rPr lang="en-US" sz="17500" b="1" baseline="0" dirty="0" smtClean="0">
+                <a:latin typeface="Corbel" charset="0"/>
+                <a:ea typeface="Corbel" charset="0"/>
+                <a:cs typeface="Corbel" charset="0"/>
+              </a:rPr>
+              <a:t>Spark Debugger</a:t>
+            </a:r>
+            <a:endParaRPr lang="en-US" sz="17500" b="1" baseline="0" dirty="0"/>
+          </a:p>
+        </p:txBody>
+      </p:sp>
+      <p:sp>
+        <p:nvSpPr>
+          <p:cNvPr id="14342" name="Rectangle 58"/>
+          <p:cNvSpPr>
+            <a:spLocks noChangeArrowheads="1"/>
+          </p:cNvSpPr>
+          <p:nvPr/>
+        </p:nvSpPr>
+        <p:spPr bwMode="auto">
+          <a:xfrm>
+            <a:off x="533400" y="4267200"/>
+            <a:ext cx="30699758" cy="815602"/>
+          </a:xfrm>
+          <a:prstGeom prst="rect">
+            <a:avLst/>
+          </a:prstGeom>
+          <a:noFill/>
+          <a:ln w="9525">
+            <a:noFill/>
+            <a:miter lim="800000"/>
+            <a:headEnd/>
+            <a:tailEnd/>
+          </a:ln>
+        </p:spPr>
+        <p:txBody>
+          <a:bodyPr wrap="square" lIns="91434" tIns="45717" rIns="91434" bIns="45717">
+            <a:prstTxWarp prst="textNoShape">
+              <a:avLst/>
+            </a:prstTxWarp>
+            <a:spAutoFit/>
+          </a:bodyPr>
+          <a:lstStyle/>
+          <a:p>
+            <a:pPr algn="l">
+              <a:defRPr/>
+            </a:pPr>
+            <a:r>
+              <a:rPr lang="en-US" sz="4700" baseline="0" dirty="0">
+                <a:solidFill>
+                  <a:schemeClr val="bg1">
+                    <a:lumMod val="50000"/>
+                  </a:schemeClr>
+                </a:solidFill>
+                <a:latin typeface="Corbel" charset="0"/>
+                <a:ea typeface="Corbel" charset="0"/>
+                <a:cs typeface="Corbel" charset="0"/>
+              </a:rPr>
+              <a:t>Murphy McCauley, </a:t>
+            </a:r>
+            <a:r>
+              <a:rPr lang="en-US" sz="4700" baseline="0" dirty="0" err="1">
+                <a:solidFill>
+                  <a:schemeClr val="bg1">
+                    <a:lumMod val="50000"/>
+                  </a:schemeClr>
+                </a:solidFill>
+                <a:latin typeface="Corbel" charset="0"/>
+                <a:ea typeface="Corbel" charset="0"/>
+                <a:cs typeface="Corbel" charset="0"/>
+              </a:rPr>
+              <a:t>Matei</a:t>
+            </a:r>
+            <a:r>
+              <a:rPr lang="en-US" sz="4700" baseline="0" dirty="0">
+                <a:solidFill>
+                  <a:schemeClr val="bg1">
+                    <a:lumMod val="50000"/>
+                  </a:schemeClr>
+                </a:solidFill>
+                <a:latin typeface="Corbel" charset="0"/>
+                <a:ea typeface="Corbel" charset="0"/>
+                <a:cs typeface="Corbel" charset="0"/>
+              </a:rPr>
+              <a:t> </a:t>
+            </a:r>
+            <a:r>
+              <a:rPr lang="en-US" sz="4700" baseline="0" dirty="0" err="1" smtClean="0">
+                <a:solidFill>
+                  <a:schemeClr val="bg1">
+                    <a:lumMod val="50000"/>
+                  </a:schemeClr>
+                </a:solidFill>
+                <a:latin typeface="Corbel" charset="0"/>
+                <a:ea typeface="Corbel" charset="0"/>
+                <a:cs typeface="Corbel" charset="0"/>
+              </a:rPr>
+              <a:t>Zaharia</a:t>
+            </a:r>
+            <a:r>
+              <a:rPr lang="en-US" sz="4700" baseline="0" dirty="0" smtClean="0">
+                <a:solidFill>
+                  <a:schemeClr val="bg1">
+                    <a:lumMod val="50000"/>
+                  </a:schemeClr>
+                </a:solidFill>
+                <a:latin typeface="Corbel" charset="0"/>
+                <a:ea typeface="Corbel" charset="0"/>
+                <a:cs typeface="Corbel" charset="0"/>
+              </a:rPr>
+              <a:t>, </a:t>
+            </a:r>
+            <a:r>
+              <a:rPr lang="en-US" sz="4700" baseline="0" dirty="0">
+                <a:solidFill>
+                  <a:schemeClr val="bg1">
+                    <a:lumMod val="50000"/>
+                  </a:schemeClr>
+                </a:solidFill>
+                <a:latin typeface="Corbel" charset="0"/>
+                <a:ea typeface="Corbel" charset="0"/>
+                <a:cs typeface="Corbel" charset="0"/>
+              </a:rPr>
+              <a:t>Tathagata Das, Scott </a:t>
+            </a:r>
+            <a:r>
+              <a:rPr lang="en-US" sz="4700" baseline="0" dirty="0" err="1">
+                <a:solidFill>
+                  <a:schemeClr val="bg1">
+                    <a:lumMod val="50000"/>
+                  </a:schemeClr>
+                </a:solidFill>
+                <a:latin typeface="Corbel" charset="0"/>
+                <a:ea typeface="Corbel" charset="0"/>
+                <a:cs typeface="Corbel" charset="0"/>
+              </a:rPr>
+              <a:t>Shenker</a:t>
+            </a:r>
+            <a:r>
+              <a:rPr lang="en-US" sz="4700" baseline="0" dirty="0">
+                <a:solidFill>
+                  <a:schemeClr val="bg1">
+                    <a:lumMod val="50000"/>
+                  </a:schemeClr>
+                </a:solidFill>
+                <a:latin typeface="Corbel" charset="0"/>
+                <a:ea typeface="Corbel" charset="0"/>
+                <a:cs typeface="Corbel" charset="0"/>
+              </a:rPr>
+              <a:t>, Ion </a:t>
+            </a:r>
+            <a:r>
+              <a:rPr lang="en-US" sz="4700" baseline="0" dirty="0" err="1">
+                <a:solidFill>
+                  <a:schemeClr val="bg1">
+                    <a:lumMod val="50000"/>
+                  </a:schemeClr>
+                </a:solidFill>
+                <a:latin typeface="Corbel" charset="0"/>
+                <a:ea typeface="Corbel" charset="0"/>
+                <a:cs typeface="Corbel" charset="0"/>
+              </a:rPr>
+              <a:t>Stoica</a:t>
+            </a:r>
+            <a:endParaRPr lang="en-US" sz="4700" baseline="0" dirty="0">
+              <a:solidFill>
+                <a:schemeClr val="bg1">
+                  <a:lumMod val="50000"/>
+                </a:schemeClr>
+              </a:solidFill>
+            </a:endParaRPr>
+          </a:p>
+        </p:txBody>
+      </p:sp>
+      <p:sp>
+        <p:nvSpPr>
+          <p:cNvPr id="14344" name="Text Box 5"/>
+          <p:cNvSpPr txBox="1">
+            <a:spLocks noChangeArrowheads="1"/>
+          </p:cNvSpPr>
+          <p:nvPr/>
+        </p:nvSpPr>
+        <p:spPr bwMode="auto">
+          <a:xfrm>
+            <a:off x="12649200" y="5638800"/>
+            <a:ext cx="19507200" cy="1295400"/>
+          </a:xfrm>
+          <a:prstGeom prst="rect">
+            <a:avLst/>
+          </a:prstGeom>
+          <a:noFill/>
+          <a:ln w="9525">
+            <a:noFill/>
+            <a:miter lim="800000"/>
+            <a:headEnd/>
+            <a:tailEnd/>
+          </a:ln>
+        </p:spPr>
+        <p:txBody>
+          <a:bodyPr lIns="49227" tIns="24614" rIns="49227" bIns="24614" anchor="ctr">
+            <a:prstTxWarp prst="textNoShape">
+              <a:avLst/>
+            </a:prstTxWarp>
+          </a:bodyPr>
+          <a:lstStyle/>
+          <a:p>
+            <a:pPr marL="455613" indent="-455613" algn="l" defTabSz="490538">
+              <a:lnSpc>
+                <a:spcPct val="80000"/>
+              </a:lnSpc>
+            </a:pPr>
+            <a:r>
+              <a:rPr lang="en-US" sz="6200" b="1" baseline="0" dirty="0" smtClean="0">
+                <a:solidFill>
+                  <a:srgbClr val="3366FF"/>
+                </a:solidFill>
+                <a:latin typeface="Corbel" charset="0"/>
+                <a:ea typeface="Corbel" charset="0"/>
+                <a:cs typeface="Corbel" charset="0"/>
+              </a:rPr>
+              <a:t>Spark Studio </a:t>
+            </a:r>
+            <a:endParaRPr lang="en-US" sz="6200" b="1" baseline="0" dirty="0">
+              <a:solidFill>
+                <a:srgbClr val="3366FF"/>
+              </a:solidFill>
+              <a:latin typeface="Corbel" charset="0"/>
+              <a:ea typeface="Corbel" charset="0"/>
+              <a:cs typeface="Corbel" charset="0"/>
+            </a:endParaRPr>
+          </a:p>
+        </p:txBody>
+      </p:sp>
+      <p:sp>
+        <p:nvSpPr>
+          <p:cNvPr id="101" name="Text Box 5"/>
+          <p:cNvSpPr txBox="1">
+            <a:spLocks noChangeArrowheads="1"/>
+          </p:cNvSpPr>
+          <p:nvPr/>
+        </p:nvSpPr>
+        <p:spPr bwMode="auto">
+          <a:xfrm>
+            <a:off x="12268200" y="19888200"/>
+            <a:ext cx="9982200" cy="1295400"/>
+          </a:xfrm>
+          <a:prstGeom prst="rect">
+            <a:avLst/>
+          </a:prstGeom>
+          <a:noFill/>
+          <a:ln w="9525">
+            <a:noFill/>
+            <a:miter lim="800000"/>
+            <a:headEnd/>
+            <a:tailEnd/>
+          </a:ln>
+        </p:spPr>
+        <p:txBody>
+          <a:bodyPr lIns="49227" tIns="24614" rIns="49227" bIns="24614" anchor="ctr">
+            <a:prstTxWarp prst="textNoShape">
+              <a:avLst/>
+            </a:prstTxWarp>
+          </a:bodyPr>
+          <a:lstStyle/>
+          <a:p>
+            <a:pPr marL="455613" indent="-455613" algn="l" defTabSz="490538">
+              <a:lnSpc>
+                <a:spcPct val="80000"/>
+              </a:lnSpc>
+            </a:pPr>
+            <a:r>
+              <a:rPr lang="en-US" sz="6200" b="1" baseline="0" dirty="0" smtClean="0">
+                <a:solidFill>
+                  <a:srgbClr val="3366FF"/>
+                </a:solidFill>
+                <a:latin typeface="Corbel" charset="0"/>
+                <a:ea typeface="Corbel" charset="0"/>
+                <a:cs typeface="Corbel" charset="0"/>
+              </a:rPr>
+              <a:t>Screenshots</a:t>
+            </a:r>
+            <a:endParaRPr lang="en-US" sz="6200" b="1" baseline="0" dirty="0">
+              <a:solidFill>
+                <a:srgbClr val="3366FF"/>
+              </a:solidFill>
+              <a:latin typeface="Corbel" charset="0"/>
+              <a:ea typeface="Corbel" charset="0"/>
+              <a:cs typeface="Corbel" charset="0"/>
+            </a:endParaRPr>
+          </a:p>
+        </p:txBody>
+      </p:sp>
+      <p:sp>
+        <p:nvSpPr>
+          <p:cNvPr id="70" name="Text Box 5"/>
+          <p:cNvSpPr txBox="1">
+            <a:spLocks noChangeArrowheads="1"/>
+          </p:cNvSpPr>
+          <p:nvPr/>
+        </p:nvSpPr>
+        <p:spPr bwMode="auto">
+          <a:xfrm>
+            <a:off x="19126200" y="14020800"/>
+            <a:ext cx="6096000" cy="4267200"/>
+          </a:xfrm>
+          <a:prstGeom prst="rect">
+            <a:avLst/>
+          </a:prstGeom>
+          <a:noFill/>
+          <a:ln w="9525">
+            <a:noFill/>
+            <a:miter lim="800000"/>
+            <a:headEnd/>
+            <a:tailEnd/>
+          </a:ln>
+        </p:spPr>
+        <p:txBody>
+          <a:bodyPr lIns="49227" tIns="24614" rIns="49227" bIns="24614">
+            <a:prstTxWarp prst="textNoShape">
+              <a:avLst/>
+            </a:prstTxWarp>
+          </a:bodyPr>
+          <a:lstStyle/>
+          <a:p>
+            <a:pPr lvl="1" indent="0" algn="l" defTabSz="490538">
+              <a:lnSpc>
+                <a:spcPct val="105000"/>
+              </a:lnSpc>
+            </a:pPr>
+            <a:r>
+              <a:rPr lang="en-US" sz="4800" b="1" baseline="0" dirty="0" smtClean="0">
+                <a:latin typeface="Corbel" charset="0"/>
+                <a:ea typeface="Corbel" charset="0"/>
+                <a:cs typeface="Corbel" charset="0"/>
+              </a:rPr>
+              <a:t>Replay and Debug</a:t>
+            </a:r>
+            <a:endParaRPr lang="en-US" sz="4800" b="1" baseline="0" dirty="0" smtClean="0">
+              <a:latin typeface="Corbel" charset="0"/>
+              <a:ea typeface="Corbel" charset="0"/>
+              <a:cs typeface="Corbel" charset="0"/>
+            </a:endParaRPr>
+          </a:p>
+          <a:p>
+            <a:pPr lvl="1" indent="0" algn="l" defTabSz="490538">
+              <a:lnSpc>
+                <a:spcPct val="105000"/>
+              </a:lnSpc>
+            </a:pPr>
+            <a:r>
+              <a:rPr lang="en-US" sz="4500" baseline="0" dirty="0" smtClean="0">
+                <a:latin typeface="Corbel" charset="0"/>
+                <a:ea typeface="Corbel" charset="0"/>
+                <a:cs typeface="Corbel" charset="0"/>
+              </a:rPr>
+              <a:t>Reconstruct a specific </a:t>
+            </a:r>
+            <a:r>
+              <a:rPr lang="en-US" sz="4500" baseline="0" dirty="0" smtClean="0">
+                <a:latin typeface="Corbel" charset="0"/>
+                <a:ea typeface="Corbel" charset="0"/>
+                <a:cs typeface="Corbel" charset="0"/>
+              </a:rPr>
+              <a:t>RDD and interactively run queries on it</a:t>
+            </a:r>
+            <a:endParaRPr lang="en-US" sz="4500" baseline="0" dirty="0" smtClean="0">
+              <a:latin typeface="Corbel" charset="0"/>
+              <a:ea typeface="Corbel" charset="0"/>
+              <a:cs typeface="Corbel" charset="0"/>
+            </a:endParaRPr>
+          </a:p>
+        </p:txBody>
+      </p:sp>
+      <p:sp>
+        <p:nvSpPr>
+          <p:cNvPr id="72" name="Text Box 5"/>
+          <p:cNvSpPr txBox="1">
+            <a:spLocks noChangeArrowheads="1"/>
+          </p:cNvSpPr>
+          <p:nvPr/>
+        </p:nvSpPr>
+        <p:spPr bwMode="auto">
+          <a:xfrm>
+            <a:off x="12649200" y="16611600"/>
+            <a:ext cx="7924800" cy="4191000"/>
+          </a:xfrm>
+          <a:prstGeom prst="rect">
+            <a:avLst/>
+          </a:prstGeom>
+          <a:noFill/>
+          <a:ln w="9525">
+            <a:noFill/>
+            <a:miter lim="800000"/>
+            <a:headEnd/>
+            <a:tailEnd/>
+          </a:ln>
+        </p:spPr>
+        <p:txBody>
+          <a:bodyPr lIns="49227" tIns="24614" rIns="49227" bIns="24614">
+            <a:prstTxWarp prst="textNoShape">
+              <a:avLst/>
+            </a:prstTxWarp>
+          </a:bodyPr>
+          <a:lstStyle/>
+          <a:p>
+            <a:pPr lvl="1" indent="0" algn="l" defTabSz="490538">
+              <a:lnSpc>
+                <a:spcPct val="105000"/>
+              </a:lnSpc>
+            </a:pPr>
+            <a:r>
+              <a:rPr lang="en-US" sz="4800" b="1" baseline="0" dirty="0" smtClean="0">
+                <a:latin typeface="Corbel" charset="0"/>
+                <a:ea typeface="Corbel" charset="0"/>
+                <a:cs typeface="Corbel" charset="0"/>
+              </a:rPr>
+              <a:t>Log Analysis</a:t>
+            </a:r>
+            <a:endParaRPr lang="en-US" sz="4400" b="1" baseline="0" dirty="0" smtClean="0">
+              <a:latin typeface="Corbel" charset="0"/>
+              <a:ea typeface="Corbel" charset="0"/>
+              <a:cs typeface="Corbel" charset="0"/>
+            </a:endParaRPr>
+          </a:p>
+          <a:p>
+            <a:pPr lvl="1" indent="0" algn="l" defTabSz="490538">
+              <a:lnSpc>
+                <a:spcPct val="105000"/>
+              </a:lnSpc>
+            </a:pPr>
+            <a:r>
+              <a:rPr lang="en-US" sz="4500" baseline="0" dirty="0" smtClean="0">
+                <a:solidFill>
+                  <a:prstClr val="black"/>
+                </a:solidFill>
+                <a:latin typeface="Corbel" charset="0"/>
+                <a:ea typeface="Corbel" charset="0"/>
+                <a:cs typeface="Corbel" charset="0"/>
+              </a:rPr>
+              <a:t>Analyze execution logs </a:t>
+            </a:r>
+            <a:r>
+              <a:rPr lang="en-US" sz="4500" baseline="0" dirty="0" smtClean="0">
+                <a:solidFill>
+                  <a:prstClr val="black"/>
+                </a:solidFill>
+                <a:latin typeface="Corbel" charset="0"/>
+                <a:ea typeface="Corbel" charset="0"/>
+                <a:cs typeface="Corbel" charset="0"/>
+              </a:rPr>
+              <a:t>distributed across the cluster</a:t>
+            </a:r>
+            <a:endParaRPr lang="en-US" sz="4500" baseline="0" dirty="0">
+              <a:solidFill>
+                <a:prstClr val="black"/>
+              </a:solidFill>
+              <a:latin typeface="Corbel" charset="0"/>
+              <a:ea typeface="Corbel" charset="0"/>
+              <a:cs typeface="Corbel" charset="0"/>
+            </a:endParaRPr>
+          </a:p>
+          <a:p>
+            <a:pPr marL="911226" lvl="1" indent="-455613" defTabSz="490538">
+              <a:lnSpc>
+                <a:spcPct val="105000"/>
+              </a:lnSpc>
+              <a:buFont typeface="Arial" charset="0"/>
+              <a:buChar char="•"/>
+            </a:pPr>
+            <a:endParaRPr lang="en-US" sz="4500" baseline="0" dirty="0" smtClean="0">
+              <a:latin typeface="Corbel" charset="0"/>
+              <a:ea typeface="Corbel" charset="0"/>
+              <a:cs typeface="Corbel" charset="0"/>
+            </a:endParaRPr>
+          </a:p>
+        </p:txBody>
+      </p:sp>
+      <p:sp>
+        <p:nvSpPr>
+          <p:cNvPr id="78" name="Text Box 5"/>
+          <p:cNvSpPr txBox="1">
+            <a:spLocks noChangeArrowheads="1"/>
+          </p:cNvSpPr>
+          <p:nvPr/>
+        </p:nvSpPr>
+        <p:spPr bwMode="auto">
+          <a:xfrm>
+            <a:off x="19126200" y="10287000"/>
+            <a:ext cx="6096000" cy="3962400"/>
+          </a:xfrm>
+          <a:prstGeom prst="rect">
+            <a:avLst/>
+          </a:prstGeom>
+          <a:noFill/>
+          <a:ln w="9525">
+            <a:noFill/>
+            <a:miter lim="800000"/>
+            <a:headEnd/>
+            <a:tailEnd/>
+          </a:ln>
+        </p:spPr>
+        <p:txBody>
+          <a:bodyPr lIns="49227" tIns="24614" rIns="49227" bIns="24614">
+            <a:prstTxWarp prst="textNoShape">
+              <a:avLst/>
+            </a:prstTxWarp>
+          </a:bodyPr>
+          <a:lstStyle/>
+          <a:p>
+            <a:pPr lvl="1" indent="0" algn="l" defTabSz="490538">
+              <a:lnSpc>
+                <a:spcPct val="105000"/>
+              </a:lnSpc>
+            </a:pPr>
+            <a:r>
+              <a:rPr lang="en-US" sz="4800" b="1" baseline="0" dirty="0" smtClean="0">
+                <a:latin typeface="Corbel" charset="0"/>
+                <a:ea typeface="Corbel" charset="0"/>
+                <a:cs typeface="Corbel" charset="0"/>
+              </a:rPr>
+              <a:t>Visualize</a:t>
+            </a:r>
+            <a:endParaRPr lang="en-US" sz="4400" b="1" baseline="0" dirty="0" smtClean="0">
+              <a:latin typeface="Corbel" charset="0"/>
+              <a:ea typeface="Corbel" charset="0"/>
+              <a:cs typeface="Corbel" charset="0"/>
+            </a:endParaRPr>
+          </a:p>
+          <a:p>
+            <a:pPr lvl="1" indent="0" algn="l" defTabSz="490538">
+              <a:lnSpc>
+                <a:spcPct val="105000"/>
+              </a:lnSpc>
+            </a:pPr>
+            <a:r>
+              <a:rPr lang="en-US" sz="4500" baseline="0" dirty="0" smtClean="0">
+                <a:solidFill>
+                  <a:prstClr val="black"/>
+                </a:solidFill>
+                <a:latin typeface="Corbel" charset="0"/>
+                <a:ea typeface="Corbel" charset="0"/>
+                <a:cs typeface="Corbel" charset="0"/>
+              </a:rPr>
+              <a:t>Visually interact with the lineage graph of the generated </a:t>
+            </a:r>
+            <a:r>
+              <a:rPr lang="en-US" sz="4500" baseline="0" dirty="0" smtClean="0">
+                <a:solidFill>
+                  <a:prstClr val="black"/>
+                </a:solidFill>
+                <a:latin typeface="Corbel" charset="0"/>
+                <a:ea typeface="Corbel" charset="0"/>
+                <a:cs typeface="Corbel" charset="0"/>
+              </a:rPr>
+              <a:t>RDDs</a:t>
+            </a:r>
+            <a:endParaRPr lang="en-US" sz="4500" baseline="0" dirty="0" smtClean="0">
+              <a:solidFill>
+                <a:prstClr val="black"/>
+              </a:solidFill>
+              <a:latin typeface="Corbel" charset="0"/>
+              <a:ea typeface="Corbel" charset="0"/>
+              <a:cs typeface="Corbel" charset="0"/>
+            </a:endParaRPr>
+          </a:p>
+        </p:txBody>
+      </p:sp>
+      <p:sp>
+        <p:nvSpPr>
+          <p:cNvPr id="81" name="Text Box 5"/>
+          <p:cNvSpPr txBox="1">
+            <a:spLocks noChangeArrowheads="1"/>
+          </p:cNvSpPr>
+          <p:nvPr/>
+        </p:nvSpPr>
+        <p:spPr bwMode="auto">
+          <a:xfrm>
+            <a:off x="19507200" y="7086600"/>
+            <a:ext cx="12344400" cy="2286000"/>
+          </a:xfrm>
+          <a:prstGeom prst="rect">
+            <a:avLst/>
+          </a:prstGeom>
+          <a:noFill/>
+          <a:ln w="9525">
+            <a:noFill/>
+            <a:miter lim="800000"/>
+            <a:headEnd/>
+            <a:tailEnd/>
+          </a:ln>
+        </p:spPr>
+        <p:txBody>
+          <a:bodyPr lIns="49227" tIns="24614" rIns="49227" bIns="24614">
+            <a:prstTxWarp prst="textNoShape">
+              <a:avLst/>
+            </a:prstTxWarp>
+          </a:bodyPr>
+          <a:lstStyle/>
+          <a:p>
+            <a:pPr algn="l" defTabSz="490538">
+              <a:lnSpc>
+                <a:spcPct val="105000"/>
+              </a:lnSpc>
+            </a:pPr>
+            <a:r>
+              <a:rPr lang="en-US" sz="4500" baseline="0" dirty="0" smtClean="0">
+                <a:latin typeface="Corbel" charset="0"/>
+                <a:ea typeface="Corbel" charset="0"/>
+                <a:cs typeface="Corbel" charset="0"/>
+              </a:rPr>
+              <a:t>A </a:t>
+            </a:r>
+            <a:r>
+              <a:rPr lang="en-US" sz="4500" baseline="0" dirty="0" smtClean="0">
+                <a:latin typeface="Corbel" charset="0"/>
+                <a:ea typeface="Corbel" charset="0"/>
+                <a:cs typeface="Corbel" charset="0"/>
+              </a:rPr>
+              <a:t>light-weight browser</a:t>
+            </a:r>
+            <a:r>
+              <a:rPr lang="en-US" sz="4500" baseline="0" dirty="0" smtClean="0">
+                <a:latin typeface="Corbel" charset="0"/>
+                <a:ea typeface="Corbel" charset="0"/>
+                <a:cs typeface="Corbel" charset="0"/>
+              </a:rPr>
+              <a:t>-based </a:t>
+            </a:r>
+            <a:r>
+              <a:rPr lang="en-US" sz="4500" i="1" baseline="0" dirty="0" smtClean="0">
+                <a:latin typeface="Corbel" charset="0"/>
+                <a:ea typeface="Corbel" charset="0"/>
+                <a:cs typeface="Corbel" charset="0"/>
+              </a:rPr>
+              <a:t>integrated </a:t>
+            </a:r>
+            <a:r>
+              <a:rPr lang="en-US" sz="4500" i="1" baseline="0" dirty="0">
+                <a:latin typeface="Corbel" charset="0"/>
+                <a:ea typeface="Corbel" charset="0"/>
+                <a:cs typeface="Corbel" charset="0"/>
+              </a:rPr>
+              <a:t>d</a:t>
+            </a:r>
+            <a:r>
+              <a:rPr lang="en-US" sz="4500" i="1" baseline="0" dirty="0" smtClean="0">
+                <a:latin typeface="Corbel" charset="0"/>
+                <a:ea typeface="Corbel" charset="0"/>
+                <a:cs typeface="Corbel" charset="0"/>
+              </a:rPr>
+              <a:t>ebugging environment</a:t>
+            </a:r>
+            <a:r>
+              <a:rPr lang="en-US" sz="4500" baseline="0" dirty="0" smtClean="0">
+                <a:latin typeface="Corbel" charset="0"/>
+                <a:ea typeface="Corbel" charset="0"/>
+                <a:cs typeface="Corbel" charset="0"/>
+              </a:rPr>
+              <a:t>, that lets non-experts to </a:t>
+            </a:r>
+            <a:r>
+              <a:rPr lang="en-US" sz="4500" baseline="0" dirty="0" smtClean="0">
+                <a:latin typeface="Corbel" charset="0"/>
+                <a:ea typeface="Corbel" charset="0"/>
+                <a:cs typeface="Corbel" charset="0"/>
+              </a:rPr>
+              <a:t>edit, debug, and visualize </a:t>
+            </a:r>
+            <a:r>
+              <a:rPr lang="en-US" sz="4500" baseline="0" dirty="0" smtClean="0">
+                <a:latin typeface="Corbel" charset="0"/>
+                <a:ea typeface="Corbel" charset="0"/>
+                <a:cs typeface="Corbel" charset="0"/>
+              </a:rPr>
+              <a:t>Spark applications on </a:t>
+            </a:r>
+            <a:r>
+              <a:rPr lang="en-US" sz="4500" baseline="0" dirty="0" smtClean="0">
+                <a:latin typeface="Corbel" charset="0"/>
+                <a:ea typeface="Corbel" charset="0"/>
+                <a:cs typeface="Corbel" charset="0"/>
+              </a:rPr>
+              <a:t>the cluster</a:t>
+            </a:r>
+            <a:endParaRPr lang="en-US" sz="4500" baseline="0" dirty="0" smtClean="0">
+              <a:latin typeface="Corbel" charset="0"/>
+              <a:ea typeface="Corbel" charset="0"/>
+              <a:cs typeface="Corbel" charset="0"/>
+            </a:endParaRPr>
+          </a:p>
+        </p:txBody>
+      </p:sp>
+      <p:sp>
+        <p:nvSpPr>
+          <p:cNvPr id="19" name="Text Box 5"/>
+          <p:cNvSpPr txBox="1">
+            <a:spLocks noChangeArrowheads="1"/>
+          </p:cNvSpPr>
+          <p:nvPr/>
+        </p:nvSpPr>
+        <p:spPr bwMode="auto">
+          <a:xfrm>
+            <a:off x="953711" y="5638800"/>
+            <a:ext cx="10322159" cy="1295400"/>
+          </a:xfrm>
+          <a:prstGeom prst="rect">
+            <a:avLst/>
+          </a:prstGeom>
+          <a:noFill/>
+          <a:ln w="9525">
+            <a:noFill/>
+            <a:miter lim="800000"/>
+            <a:headEnd/>
+            <a:tailEnd/>
+          </a:ln>
+        </p:spPr>
+        <p:txBody>
+          <a:bodyPr lIns="49227" tIns="24614" rIns="49227" bIns="24614" anchor="ctr">
+            <a:prstTxWarp prst="textNoShape">
+              <a:avLst/>
+            </a:prstTxWarp>
+          </a:bodyPr>
+          <a:lstStyle/>
+          <a:p>
+            <a:pPr marL="455613" indent="-455613" algn="l" defTabSz="490538">
+              <a:lnSpc>
+                <a:spcPct val="110000"/>
+              </a:lnSpc>
+            </a:pPr>
+            <a:r>
+              <a:rPr lang="en-US" sz="6200" b="1" baseline="0" dirty="0" smtClean="0">
+                <a:solidFill>
+                  <a:srgbClr val="3366FF"/>
+                </a:solidFill>
+                <a:latin typeface="Corbel" charset="0"/>
+                <a:ea typeface="Corbel" charset="0"/>
+                <a:cs typeface="Corbel" charset="0"/>
+              </a:rPr>
+              <a:t>Motivation</a:t>
+            </a:r>
+            <a:endParaRPr lang="en-US" sz="6200" b="1" baseline="0" dirty="0">
+              <a:solidFill>
+                <a:srgbClr val="3366FF"/>
+              </a:solidFill>
+              <a:latin typeface="Corbel" charset="0"/>
+              <a:ea typeface="Corbel" charset="0"/>
+              <a:cs typeface="Corbel" charset="0"/>
+            </a:endParaRPr>
+          </a:p>
+        </p:txBody>
+      </p:sp>
+      <p:sp>
+        <p:nvSpPr>
+          <p:cNvPr id="21" name="Text Box 5"/>
+          <p:cNvSpPr txBox="1">
+            <a:spLocks noChangeArrowheads="1"/>
+          </p:cNvSpPr>
+          <p:nvPr/>
+        </p:nvSpPr>
+        <p:spPr bwMode="auto">
+          <a:xfrm>
+            <a:off x="990600" y="16611600"/>
+            <a:ext cx="10283862" cy="1295400"/>
+          </a:xfrm>
+          <a:prstGeom prst="rect">
+            <a:avLst/>
+          </a:prstGeom>
+          <a:noFill/>
+          <a:ln w="9525">
+            <a:noFill/>
+            <a:miter lim="800000"/>
+            <a:headEnd/>
+            <a:tailEnd/>
+          </a:ln>
+        </p:spPr>
+        <p:txBody>
+          <a:bodyPr lIns="49227" tIns="24614" rIns="49227" bIns="24614">
+            <a:prstTxWarp prst="textNoShape">
+              <a:avLst/>
+            </a:prstTxWarp>
+          </a:bodyPr>
+          <a:lstStyle/>
+          <a:p>
+            <a:pPr marL="455613" indent="-455613" algn="l" defTabSz="490538">
+              <a:lnSpc>
+                <a:spcPct val="110000"/>
+              </a:lnSpc>
+            </a:pPr>
+            <a:r>
+              <a:rPr lang="en-US" sz="6200" b="1" baseline="0" dirty="0" smtClean="0">
+                <a:solidFill>
+                  <a:srgbClr val="3366FF"/>
+                </a:solidFill>
+                <a:latin typeface="Corbel" charset="0"/>
+                <a:ea typeface="Corbel" charset="0"/>
+                <a:cs typeface="Corbel" charset="0"/>
+              </a:rPr>
+              <a:t>Approach</a:t>
+            </a:r>
+            <a:endParaRPr lang="en-US" sz="6200" b="1" baseline="0" dirty="0">
+              <a:solidFill>
+                <a:srgbClr val="3366FF"/>
+              </a:solidFill>
+              <a:latin typeface="Corbel" charset="0"/>
+              <a:ea typeface="Corbel" charset="0"/>
+              <a:cs typeface="Corbel" charset="0"/>
+            </a:endParaRPr>
+          </a:p>
+        </p:txBody>
+      </p:sp>
+      <p:sp>
+        <p:nvSpPr>
+          <p:cNvPr id="22" name="Text Box 5"/>
+          <p:cNvSpPr txBox="1">
+            <a:spLocks noChangeArrowheads="1"/>
+          </p:cNvSpPr>
+          <p:nvPr/>
+        </p:nvSpPr>
+        <p:spPr bwMode="auto">
+          <a:xfrm>
+            <a:off x="990599" y="17983200"/>
+            <a:ext cx="10283863" cy="8686800"/>
+          </a:xfrm>
+          <a:prstGeom prst="rect">
+            <a:avLst/>
+          </a:prstGeom>
+          <a:noFill/>
+          <a:ln w="9525">
+            <a:noFill/>
+            <a:miter lim="800000"/>
+            <a:headEnd/>
+            <a:tailEnd/>
+          </a:ln>
+        </p:spPr>
+        <p:txBody>
+          <a:bodyPr lIns="49227" tIns="24614" rIns="49227" bIns="24614">
+            <a:prstTxWarp prst="textNoShape">
+              <a:avLst/>
+            </a:prstTxWarp>
+          </a:bodyPr>
+          <a:lstStyle/>
+          <a:p>
+            <a:pPr marL="455613" indent="-455613" algn="l" defTabSz="490538">
+              <a:lnSpc>
+                <a:spcPct val="105000"/>
+              </a:lnSpc>
+              <a:spcAft>
+                <a:spcPts val="1800"/>
+              </a:spcAft>
+              <a:buFont typeface="Arial" charset="0"/>
+              <a:buChar char="•"/>
+            </a:pPr>
+            <a:r>
+              <a:rPr lang="en-US" sz="4500" baseline="0" dirty="0" smtClean="0">
+                <a:latin typeface="Corbel" charset="0"/>
+                <a:ea typeface="Corbel" charset="0"/>
+                <a:cs typeface="Corbel" charset="0"/>
+              </a:rPr>
+              <a:t>Leverage inherent structure of the computation in Spark-based applications</a:t>
+            </a:r>
+          </a:p>
+          <a:p>
+            <a:pPr marL="911226" lvl="1" indent="-455613" algn="l" defTabSz="490538">
+              <a:lnSpc>
+                <a:spcPct val="105000"/>
+              </a:lnSpc>
+              <a:spcAft>
+                <a:spcPts val="1800"/>
+              </a:spcAft>
+              <a:buFont typeface="Arial" charset="0"/>
+              <a:buChar char="•"/>
+            </a:pPr>
+            <a:r>
+              <a:rPr lang="en-US" sz="4500" baseline="0" dirty="0" smtClean="0">
+                <a:latin typeface="Corbel" charset="0"/>
+                <a:ea typeface="Corbel" charset="0"/>
+                <a:cs typeface="Corbel" charset="0"/>
+                <a:sym typeface="Wingdings"/>
+              </a:rPr>
+              <a:t>Independent units of work with no shared mutable state between them</a:t>
+            </a:r>
+          </a:p>
+          <a:p>
+            <a:pPr marL="911226" lvl="1" indent="-455613" algn="l" defTabSz="490538">
+              <a:lnSpc>
+                <a:spcPct val="105000"/>
+              </a:lnSpc>
+              <a:spcAft>
+                <a:spcPts val="1800"/>
+              </a:spcAft>
+              <a:buFont typeface="Arial" charset="0"/>
+              <a:buChar char="•"/>
+            </a:pPr>
+            <a:r>
+              <a:rPr lang="en-US" sz="4500" baseline="0" dirty="0" smtClean="0">
+                <a:latin typeface="Corbel" charset="0"/>
+                <a:ea typeface="Corbel" charset="0"/>
+                <a:cs typeface="Corbel" charset="0"/>
+                <a:sym typeface="Wingdings"/>
+              </a:rPr>
+              <a:t>Lineage of operations make program state re-constructible, with minimal logging </a:t>
+            </a:r>
+            <a:r>
+              <a:rPr lang="en-US" sz="4500" baseline="0" dirty="0" smtClean="0">
+                <a:latin typeface="Corbel" charset="0"/>
+                <a:ea typeface="Corbel" charset="0"/>
+                <a:cs typeface="Corbel" charset="0"/>
+                <a:sym typeface="Wingdings"/>
+              </a:rPr>
+              <a:t>overhead</a:t>
+            </a:r>
+          </a:p>
+          <a:p>
+            <a:pPr marL="455613" indent="-455613" algn="l" defTabSz="490538">
+              <a:lnSpc>
+                <a:spcPct val="105000"/>
+              </a:lnSpc>
+              <a:spcAft>
+                <a:spcPts val="1800"/>
+              </a:spcAft>
+              <a:buFont typeface="Arial" charset="0"/>
+              <a:buChar char="•"/>
+            </a:pPr>
+            <a:r>
+              <a:rPr lang="en-US" sz="4500" baseline="0" dirty="0" smtClean="0">
+                <a:latin typeface="Corbel" charset="0"/>
+                <a:ea typeface="Corbel" charset="0"/>
+                <a:cs typeface="Corbel" charset="0"/>
+                <a:sym typeface="Wingdings"/>
+              </a:rPr>
+              <a:t>Similar techniques can be applied to other frameworks (</a:t>
+            </a:r>
+            <a:r>
+              <a:rPr lang="en-US" sz="4500" baseline="0" dirty="0" err="1" smtClean="0">
+                <a:latin typeface="Corbel" charset="0"/>
+                <a:ea typeface="Corbel" charset="0"/>
+                <a:cs typeface="Corbel" charset="0"/>
+                <a:sym typeface="Wingdings"/>
+              </a:rPr>
+              <a:t>MapReduce</a:t>
+            </a:r>
+            <a:r>
+              <a:rPr lang="en-US" sz="4500" baseline="0" dirty="0" smtClean="0">
+                <a:latin typeface="Corbel" charset="0"/>
+                <a:ea typeface="Corbel" charset="0"/>
+                <a:cs typeface="Corbel" charset="0"/>
+                <a:sym typeface="Wingdings"/>
+              </a:rPr>
+              <a:t>, Dryad, </a:t>
+            </a:r>
+            <a:r>
+              <a:rPr lang="en-US" sz="4500" baseline="0" dirty="0" err="1" smtClean="0">
+                <a:latin typeface="Corbel" charset="0"/>
+                <a:ea typeface="Corbel" charset="0"/>
+                <a:cs typeface="Corbel" charset="0"/>
+                <a:sym typeface="Wingdings"/>
+              </a:rPr>
+              <a:t>Pregel</a:t>
+            </a:r>
+            <a:r>
+              <a:rPr lang="en-US" sz="4500" baseline="0" dirty="0" smtClean="0">
+                <a:latin typeface="Corbel" charset="0"/>
+                <a:ea typeface="Corbel" charset="0"/>
+                <a:cs typeface="Corbel" charset="0"/>
+                <a:sym typeface="Wingdings"/>
+              </a:rPr>
+              <a:t>, </a:t>
+            </a:r>
+            <a:r>
+              <a:rPr lang="en-US" sz="4500" baseline="0" dirty="0" err="1" smtClean="0">
+                <a:latin typeface="Corbel" charset="0"/>
+                <a:ea typeface="Corbel" charset="0"/>
+                <a:cs typeface="Corbel" charset="0"/>
+                <a:sym typeface="Wingdings"/>
+              </a:rPr>
+              <a:t>etc</a:t>
+            </a:r>
+            <a:r>
+              <a:rPr lang="en-US" sz="4500" baseline="0" dirty="0" smtClean="0">
+                <a:latin typeface="Corbel" charset="0"/>
+                <a:ea typeface="Corbel" charset="0"/>
+                <a:cs typeface="Corbel" charset="0"/>
+                <a:sym typeface="Wingdings"/>
+              </a:rPr>
+              <a:t>)</a:t>
+            </a:r>
+          </a:p>
+          <a:p>
+            <a:pPr marL="455613" indent="-455613" algn="l" defTabSz="490538">
+              <a:lnSpc>
+                <a:spcPct val="105000"/>
+              </a:lnSpc>
+              <a:spcAft>
+                <a:spcPts val="1800"/>
+              </a:spcAft>
+              <a:buFont typeface="Arial" charset="0"/>
+              <a:buChar char="•"/>
+            </a:pPr>
+            <a:endParaRPr lang="en-US" sz="4500" baseline="0" dirty="0" smtClean="0">
+              <a:latin typeface="Corbel" charset="0"/>
+              <a:ea typeface="Corbel" charset="0"/>
+              <a:cs typeface="Corbel" charset="0"/>
+              <a:sym typeface="Wingdings"/>
+            </a:endParaRPr>
+          </a:p>
+          <a:p>
+            <a:pPr lvl="2" indent="0" algn="l" defTabSz="490538">
+              <a:lnSpc>
+                <a:spcPct val="105000"/>
+              </a:lnSpc>
+              <a:spcAft>
+                <a:spcPts val="1800"/>
+              </a:spcAft>
+            </a:pPr>
+            <a:r>
+              <a:rPr lang="en-US" sz="4500" baseline="0" dirty="0" smtClean="0">
+                <a:latin typeface="Corbel" charset="0"/>
+                <a:ea typeface="Corbel" charset="0"/>
+                <a:cs typeface="Corbel" charset="0"/>
+                <a:sym typeface="Wingdings"/>
+              </a:rPr>
+              <a:t> </a:t>
+            </a:r>
+            <a:endParaRPr lang="en-US" sz="4500" baseline="0" dirty="0" smtClean="0">
+              <a:latin typeface="Corbel" charset="0"/>
+              <a:ea typeface="Corbel" charset="0"/>
+              <a:cs typeface="Corbel" charset="0"/>
+            </a:endParaRPr>
+          </a:p>
+        </p:txBody>
+      </p:sp>
+      <p:sp>
+        <p:nvSpPr>
+          <p:cNvPr id="23" name="Text Box 5"/>
+          <p:cNvSpPr txBox="1">
+            <a:spLocks noChangeArrowheads="1"/>
+          </p:cNvSpPr>
+          <p:nvPr/>
+        </p:nvSpPr>
+        <p:spPr bwMode="auto">
+          <a:xfrm>
+            <a:off x="908352" y="7010399"/>
+            <a:ext cx="10369248" cy="9372601"/>
+          </a:xfrm>
+          <a:prstGeom prst="rect">
+            <a:avLst/>
+          </a:prstGeom>
+          <a:noFill/>
+          <a:ln w="9525">
+            <a:noFill/>
+            <a:miter lim="800000"/>
+            <a:headEnd/>
+            <a:tailEnd/>
+          </a:ln>
+        </p:spPr>
+        <p:txBody>
+          <a:bodyPr lIns="49227" tIns="24614" rIns="49227" bIns="24614">
+            <a:prstTxWarp prst="textNoShape">
+              <a:avLst/>
+            </a:prstTxWarp>
+          </a:bodyPr>
+          <a:lstStyle/>
+          <a:p>
+            <a:pPr marL="455613" indent="-455613" algn="l" defTabSz="490538">
+              <a:lnSpc>
+                <a:spcPct val="105000"/>
+              </a:lnSpc>
+              <a:spcAft>
+                <a:spcPts val="1800"/>
+              </a:spcAft>
+              <a:buFont typeface="Arial" charset="0"/>
+              <a:buChar char="•"/>
+            </a:pPr>
+            <a:r>
+              <a:rPr lang="en-US" sz="4500" baseline="0" dirty="0" smtClean="0">
+                <a:latin typeface="Corbel" charset="0"/>
+                <a:ea typeface="Corbel" charset="0"/>
+                <a:cs typeface="Corbel" charset="0"/>
+              </a:rPr>
+              <a:t>Debugging distributed datacenter applications is hard and slow</a:t>
+            </a:r>
+            <a:r>
+              <a:rPr lang="en-US" sz="4500" baseline="0" dirty="0" smtClean="0">
+                <a:latin typeface="Corbel" charset="0"/>
+                <a:ea typeface="Corbel" charset="0"/>
+                <a:cs typeface="Corbel" charset="0"/>
+              </a:rPr>
+              <a:t>, </a:t>
+            </a:r>
+            <a:r>
+              <a:rPr lang="en-US" sz="4500" baseline="0" dirty="0" smtClean="0">
+                <a:latin typeface="Corbel" charset="0"/>
+                <a:ea typeface="Corbel" charset="0"/>
+                <a:cs typeface="Corbel" charset="0"/>
+              </a:rPr>
+              <a:t>especially </a:t>
+            </a:r>
+            <a:r>
+              <a:rPr lang="en-US" sz="4500" baseline="0" dirty="0" smtClean="0">
+                <a:latin typeface="Corbel" charset="0"/>
+                <a:ea typeface="Corbel" charset="0"/>
+                <a:cs typeface="Corbel" charset="0"/>
+              </a:rPr>
+              <a:t>for </a:t>
+            </a:r>
+            <a:r>
+              <a:rPr lang="en-US" sz="4500" baseline="0" dirty="0" smtClean="0">
+                <a:latin typeface="Corbel" charset="0"/>
+                <a:ea typeface="Corbel" charset="0"/>
+                <a:cs typeface="Corbel" charset="0"/>
+              </a:rPr>
+              <a:t>non-</a:t>
+            </a:r>
+            <a:r>
+              <a:rPr lang="en-US" sz="4500" baseline="0" dirty="0" smtClean="0">
+                <a:latin typeface="Corbel" charset="0"/>
+                <a:ea typeface="Corbel" charset="0"/>
+                <a:cs typeface="Corbel" charset="0"/>
+              </a:rPr>
+              <a:t>experts</a:t>
+            </a:r>
+            <a:endParaRPr lang="en-US" sz="4500" baseline="0" dirty="0" smtClean="0">
+              <a:latin typeface="Corbel" charset="0"/>
+              <a:ea typeface="Corbel" charset="0"/>
+              <a:cs typeface="Corbel" charset="0"/>
+            </a:endParaRPr>
+          </a:p>
+          <a:p>
+            <a:pPr marL="455613" indent="-455613" algn="l" defTabSz="490538">
+              <a:lnSpc>
+                <a:spcPct val="105000"/>
+              </a:lnSpc>
+              <a:spcAft>
+                <a:spcPts val="1800"/>
+              </a:spcAft>
+              <a:buFont typeface="Arial" charset="0"/>
+              <a:buChar char="•"/>
+            </a:pPr>
+            <a:r>
+              <a:rPr lang="en-US" sz="4500" baseline="0" dirty="0" smtClean="0">
+                <a:latin typeface="Corbel" charset="0"/>
+                <a:ea typeface="Corbel" charset="0"/>
+                <a:cs typeface="Corbel" charset="0"/>
+              </a:rPr>
+              <a:t>Performance of multi</a:t>
+            </a:r>
+            <a:r>
+              <a:rPr lang="en-US" sz="4500" baseline="0" dirty="0" smtClean="0">
+                <a:latin typeface="Corbel" charset="0"/>
+                <a:ea typeface="Corbel" charset="0"/>
+                <a:cs typeface="Corbel" charset="0"/>
+              </a:rPr>
+              <a:t>-stage parallel </a:t>
+            </a:r>
+            <a:r>
+              <a:rPr lang="en-US" sz="4500" baseline="0" dirty="0" smtClean="0">
+                <a:latin typeface="Corbel" charset="0"/>
+                <a:ea typeface="Corbel" charset="0"/>
+                <a:cs typeface="Corbel" charset="0"/>
+              </a:rPr>
+              <a:t>computations can </a:t>
+            </a:r>
+            <a:r>
+              <a:rPr lang="en-US" sz="4500" baseline="0" dirty="0" smtClean="0">
+                <a:latin typeface="Corbel" charset="0"/>
+                <a:ea typeface="Corbel" charset="0"/>
+                <a:cs typeface="Corbel" charset="0"/>
+              </a:rPr>
+              <a:t>have non-intuitive </a:t>
+            </a:r>
+            <a:r>
+              <a:rPr lang="en-US" sz="4500" baseline="0" dirty="0" smtClean="0">
+                <a:latin typeface="Corbel" charset="0"/>
+                <a:ea typeface="Corbel" charset="0"/>
+                <a:cs typeface="Corbel" charset="0"/>
+              </a:rPr>
+              <a:t>behavior</a:t>
+            </a:r>
+            <a:endParaRPr lang="en-US" sz="4500" baseline="0" dirty="0">
+              <a:latin typeface="Corbel" charset="0"/>
+              <a:ea typeface="Corbel" charset="0"/>
+              <a:cs typeface="Corbel" charset="0"/>
+            </a:endParaRPr>
+          </a:p>
+          <a:p>
+            <a:pPr marL="455613" indent="-455613" algn="l" defTabSz="490538">
+              <a:lnSpc>
+                <a:spcPct val="105000"/>
+              </a:lnSpc>
+              <a:spcAft>
+                <a:spcPts val="1800"/>
+              </a:spcAft>
+              <a:buFont typeface="Arial" charset="0"/>
+              <a:buChar char="•"/>
+            </a:pPr>
+            <a:r>
+              <a:rPr lang="en-US" sz="4500" baseline="0" dirty="0" smtClean="0">
+                <a:latin typeface="Corbel" charset="0"/>
+                <a:ea typeface="Corbel" charset="0"/>
+                <a:cs typeface="Corbel" charset="0"/>
+              </a:rPr>
+              <a:t>General-purpose distributed debuggers </a:t>
+            </a:r>
+            <a:r>
+              <a:rPr lang="en-US" sz="4500" baseline="0" dirty="0" smtClean="0">
+                <a:latin typeface="Corbel" charset="0"/>
+                <a:ea typeface="Corbel" charset="0"/>
+                <a:cs typeface="Corbel" charset="0"/>
+              </a:rPr>
+              <a:t>use logging, but have high </a:t>
+            </a:r>
+            <a:r>
+              <a:rPr lang="en-US" sz="4500" baseline="0" dirty="0" smtClean="0">
+                <a:latin typeface="Corbel" charset="0"/>
+                <a:ea typeface="Corbel" charset="0"/>
+                <a:cs typeface="Corbel" charset="0"/>
+              </a:rPr>
+              <a:t>overhead</a:t>
+            </a:r>
+            <a:endParaRPr lang="en-US" sz="4500" baseline="0" dirty="0" smtClean="0">
+              <a:latin typeface="Corbel" charset="0"/>
+              <a:ea typeface="Corbel" charset="0"/>
+              <a:cs typeface="Corbel" charset="0"/>
+            </a:endParaRPr>
+          </a:p>
+          <a:p>
+            <a:pPr marL="455613" indent="-455613" algn="l" defTabSz="490538">
+              <a:lnSpc>
+                <a:spcPct val="105000"/>
+              </a:lnSpc>
+              <a:spcAft>
+                <a:spcPts val="1800"/>
+              </a:spcAft>
+              <a:buFont typeface="Arial" charset="0"/>
+              <a:buChar char="•"/>
+            </a:pPr>
+            <a:r>
+              <a:rPr lang="en-US" sz="4500" baseline="0" dirty="0" smtClean="0">
+                <a:latin typeface="Corbel" charset="0"/>
+                <a:ea typeface="Corbel" charset="0"/>
+                <a:cs typeface="Corbel" charset="0"/>
+              </a:rPr>
+              <a:t>Spark makes writing </a:t>
+            </a:r>
+            <a:r>
+              <a:rPr lang="en-US" sz="4500" baseline="0" dirty="0" smtClean="0">
+                <a:latin typeface="Corbel" charset="0"/>
+                <a:ea typeface="Corbel" charset="0"/>
+                <a:cs typeface="Corbel" charset="0"/>
+              </a:rPr>
+              <a:t>distributed </a:t>
+            </a:r>
+            <a:r>
+              <a:rPr lang="en-US" sz="4500" baseline="0" dirty="0" smtClean="0">
+                <a:latin typeface="Corbel" charset="0"/>
+                <a:ea typeface="Corbel" charset="0"/>
+                <a:cs typeface="Corbel" charset="0"/>
+              </a:rPr>
+              <a:t>applications </a:t>
+            </a:r>
+            <a:r>
+              <a:rPr lang="en-US" sz="4500" baseline="0" dirty="0" smtClean="0">
+                <a:latin typeface="Corbel" charset="0"/>
+                <a:ea typeface="Corbel" charset="0"/>
+                <a:cs typeface="Corbel" charset="0"/>
+              </a:rPr>
+              <a:t>fast and intuitive. </a:t>
+            </a:r>
+            <a:r>
+              <a:rPr lang="en-US" sz="4500" i="1" baseline="0" dirty="0" smtClean="0">
+                <a:latin typeface="Corbel" charset="0"/>
+                <a:ea typeface="Corbel" charset="0"/>
+                <a:cs typeface="Corbel" charset="0"/>
+              </a:rPr>
+              <a:t>Can it </a:t>
+            </a:r>
+            <a:r>
+              <a:rPr lang="en-US" sz="4500" i="1" baseline="0" dirty="0" smtClean="0">
+                <a:latin typeface="Corbel" charset="0"/>
+                <a:ea typeface="Corbel" charset="0"/>
+                <a:cs typeface="Corbel" charset="0"/>
+              </a:rPr>
+              <a:t>also make </a:t>
+            </a:r>
+            <a:r>
+              <a:rPr lang="en-US" sz="4500" i="1" baseline="0" dirty="0" smtClean="0">
+                <a:latin typeface="Corbel" charset="0"/>
+                <a:ea typeface="Corbel" charset="0"/>
+                <a:cs typeface="Corbel" charset="0"/>
+              </a:rPr>
+              <a:t>debugging fast?</a:t>
+            </a:r>
+          </a:p>
+          <a:p>
+            <a:pPr lvl="1" indent="0" algn="l" defTabSz="490538">
+              <a:lnSpc>
+                <a:spcPct val="105000"/>
+              </a:lnSpc>
+              <a:spcAft>
+                <a:spcPts val="1800"/>
+              </a:spcAft>
+            </a:pPr>
+            <a:endParaRPr lang="en-US" sz="4500" baseline="0" dirty="0">
+              <a:latin typeface="Corbel" charset="0"/>
+              <a:ea typeface="Corbel" charset="0"/>
+              <a:cs typeface="Corbel" charset="0"/>
+            </a:endParaRPr>
+          </a:p>
+        </p:txBody>
+      </p:sp>
+      <p:pic>
+        <p:nvPicPr>
+          <p:cNvPr id="24" name="Picture 23" descr="amplab_hires.png"/>
+          <p:cNvPicPr>
+            <a:picLocks noChangeAspect="1"/>
+          </p:cNvPicPr>
+          <p:nvPr/>
+        </p:nvPicPr>
+        <p:blipFill>
+          <a:blip r:embed="rId3">
+            <a:extLst>
+              <a:ext uri="{28A0092B-C50C-407E-A947-70E740481C1C}">
+                <a14:useLocalDpi xmlns:a14="http://schemas.microsoft.com/office/drawing/2010/main" val="0"/>
+              </a:ext>
+            </a:extLst>
+          </a:blip>
+          <a:stretch>
+            <a:fillRect/>
+          </a:stretch>
+        </p:blipFill>
+        <p:spPr>
+          <a:xfrm>
+            <a:off x="24917400" y="533400"/>
+            <a:ext cx="7267905" cy="2438400"/>
+          </a:xfrm>
+          <a:prstGeom prst="rect">
+            <a:avLst/>
+          </a:prstGeom>
+        </p:spPr>
+      </p:pic>
+      <p:grpSp>
+        <p:nvGrpSpPr>
+          <p:cNvPr id="3" name="Group 2"/>
+          <p:cNvGrpSpPr/>
+          <p:nvPr/>
+        </p:nvGrpSpPr>
+        <p:grpSpPr>
+          <a:xfrm>
+            <a:off x="12641522" y="7315200"/>
+            <a:ext cx="5798878" cy="8534400"/>
+            <a:chOff x="25800050" y="7010400"/>
+            <a:chExt cx="5798878" cy="8534400"/>
+          </a:xfrm>
+        </p:grpSpPr>
+        <p:grpSp>
+          <p:nvGrpSpPr>
+            <p:cNvPr id="25" name="Group 24"/>
+            <p:cNvGrpSpPr/>
+            <p:nvPr/>
+          </p:nvGrpSpPr>
+          <p:grpSpPr>
+            <a:xfrm>
+              <a:off x="27901596" y="11430000"/>
+              <a:ext cx="1621607" cy="1597208"/>
+              <a:chOff x="28022664" y="10591800"/>
+              <a:chExt cx="1621607" cy="1597208"/>
+            </a:xfrm>
+          </p:grpSpPr>
+          <p:pic>
+            <p:nvPicPr>
+              <p:cNvPr id="26" name="Picture 25"/>
+              <p:cNvPicPr>
+                <a:picLocks noChangeAspect="1"/>
+              </p:cNvPicPr>
+              <p:nvPr/>
+            </p:nvPicPr>
+            <p:blipFill>
+              <a:blip r:embed="rId4"/>
+              <a:stretch>
+                <a:fillRect/>
+              </a:stretch>
+            </p:blipFill>
+            <p:spPr>
+              <a:xfrm>
+                <a:off x="28162668" y="10591800"/>
+                <a:ext cx="1341599" cy="1348226"/>
+              </a:xfrm>
+              <a:prstGeom prst="rect">
+                <a:avLst/>
+              </a:prstGeom>
+            </p:spPr>
+          </p:pic>
+          <p:sp>
+            <p:nvSpPr>
+              <p:cNvPr id="27" name="Rectangle 26"/>
+              <p:cNvSpPr/>
+              <p:nvPr/>
+            </p:nvSpPr>
+            <p:spPr bwMode="auto">
+              <a:xfrm>
+                <a:off x="28022664" y="11811000"/>
+                <a:ext cx="1621607" cy="378008"/>
+              </a:xfrm>
+              <a:prstGeom prst="rect">
+                <a:avLst/>
+              </a:prstGeom>
+              <a:noFill/>
+              <a:ln w="9525" cap="flat" cmpd="sng" algn="ctr">
+                <a:noFill/>
+                <a:prstDash val="solid"/>
+                <a:round/>
+                <a:headEnd type="none" w="med" len="med"/>
+                <a:tailEnd type="none" w="med" len="med"/>
+              </a:ln>
+              <a:effectLst/>
+            </p:spPr>
+            <p:txBody>
+              <a:bodyPr vert="horz" wrap="none" lIns="49231" tIns="24616" rIns="49231" bIns="24616" numCol="1" rtlCol="0" anchor="ctr" anchorCtr="0" compatLnSpc="1">
+                <a:prstTxWarp prst="textNoShape">
+                  <a:avLst/>
+                </a:prstTxWarp>
+                <a:spAutoFit/>
+              </a:bodyPr>
+              <a:lstStyle/>
+              <a:p>
+                <a:pPr marL="0" marR="0" indent="0" algn="ctr" defTabSz="492125" rtl="0" eaLnBrk="0" fontAlgn="base" latinLnBrk="0" hangingPunct="0">
+                  <a:lnSpc>
+                    <a:spcPct val="100000"/>
+                  </a:lnSpc>
+                  <a:spcBef>
+                    <a:spcPct val="0"/>
+                  </a:spcBef>
+                  <a:spcAft>
+                    <a:spcPct val="0"/>
+                  </a:spcAft>
+                  <a:buClrTx/>
+                  <a:buSzTx/>
+                  <a:buFontTx/>
+                  <a:buNone/>
+                  <a:tabLst/>
+                </a:pPr>
+                <a:r>
+                  <a:rPr kumimoji="0" lang="en-US" sz="3200" b="1" i="0" u="none" strike="noStrike" cap="none" normalizeH="0" baseline="-25000" dirty="0" smtClean="0">
+                    <a:ln>
+                      <a:noFill/>
+                    </a:ln>
+                    <a:solidFill>
+                      <a:schemeClr val="tx1"/>
+                    </a:solidFill>
+                    <a:effectLst/>
+                    <a:latin typeface="Corbel"/>
+                    <a:ea typeface="ＭＳ Ｐゴシック" charset="-128"/>
+                    <a:cs typeface="Corbel"/>
+                  </a:rPr>
+                  <a:t>Master Node</a:t>
+                </a:r>
+                <a:endParaRPr kumimoji="0" lang="en-US" sz="3200" b="1" i="0" u="none" strike="noStrike" cap="none" normalizeH="0" baseline="-25000" dirty="0">
+                  <a:ln>
+                    <a:noFill/>
+                  </a:ln>
+                  <a:solidFill>
+                    <a:schemeClr val="tx1"/>
+                  </a:solidFill>
+                  <a:effectLst/>
+                  <a:latin typeface="Corbel"/>
+                  <a:ea typeface="ＭＳ Ｐゴシック" charset="-128"/>
+                  <a:cs typeface="Corbel"/>
+                </a:endParaRPr>
+              </a:p>
+            </p:txBody>
+          </p:sp>
+        </p:grpSp>
+        <p:grpSp>
+          <p:nvGrpSpPr>
+            <p:cNvPr id="28" name="Group 27"/>
+            <p:cNvGrpSpPr/>
+            <p:nvPr/>
+          </p:nvGrpSpPr>
+          <p:grpSpPr>
+            <a:xfrm>
+              <a:off x="25908000" y="13900571"/>
+              <a:ext cx="5608799" cy="1644229"/>
+              <a:chOff x="25908000" y="13868400"/>
+              <a:chExt cx="5608799" cy="1644229"/>
+            </a:xfrm>
+          </p:grpSpPr>
+          <p:grpSp>
+            <p:nvGrpSpPr>
+              <p:cNvPr id="29" name="Group 28"/>
+              <p:cNvGrpSpPr/>
+              <p:nvPr/>
+            </p:nvGrpSpPr>
+            <p:grpSpPr>
+              <a:xfrm>
+                <a:off x="25908000" y="13868400"/>
+                <a:ext cx="1341599" cy="1348226"/>
+                <a:chOff x="25908000" y="13868400"/>
+                <a:chExt cx="1341599" cy="1348226"/>
+              </a:xfrm>
+            </p:grpSpPr>
+            <p:pic>
+              <p:nvPicPr>
+                <p:cNvPr id="37" name="Picture 36"/>
+                <p:cNvPicPr>
+                  <a:picLocks noChangeAspect="1"/>
+                </p:cNvPicPr>
+                <p:nvPr/>
+              </p:nvPicPr>
+              <p:blipFill>
+                <a:blip r:embed="rId4"/>
+                <a:stretch>
+                  <a:fillRect/>
+                </a:stretch>
+              </p:blipFill>
+              <p:spPr>
+                <a:xfrm>
+                  <a:off x="25908000" y="13868400"/>
+                  <a:ext cx="1341599" cy="1348226"/>
+                </a:xfrm>
+                <a:prstGeom prst="rect">
+                  <a:avLst/>
+                </a:prstGeom>
+              </p:spPr>
+            </p:pic>
+            <p:sp>
+              <p:nvSpPr>
+                <p:cNvPr id="38" name="Rounded Rectangle 37"/>
+                <p:cNvSpPr/>
+                <p:nvPr/>
+              </p:nvSpPr>
+              <p:spPr>
+                <a:xfrm>
+                  <a:off x="26441400" y="14630400"/>
+                  <a:ext cx="762000" cy="427695"/>
+                </a:xfrm>
+                <a:prstGeom prst="roundRect">
+                  <a:avLst/>
+                </a:prstGeom>
+                <a:ln>
+                  <a:headEnd type="none" w="med" len="med"/>
+                  <a:tailEnd type="none"/>
+                </a:ln>
+              </p:spPr>
+              <p:style>
+                <a:lnRef idx="1">
+                  <a:schemeClr val="accent1"/>
+                </a:lnRef>
+                <a:fillRef idx="2">
+                  <a:schemeClr val="accent1"/>
+                </a:fillRef>
+                <a:effectRef idx="1">
+                  <a:schemeClr val="accent1"/>
+                </a:effectRef>
+                <a:fontRef idx="minor">
+                  <a:schemeClr val="dk1"/>
+                </a:fontRef>
+              </p:style>
+              <p:txBody>
+                <a:bodyPr rtlCol="0" anchor="ctr"/>
+                <a:lstStyle/>
+                <a:p>
+                  <a:pPr marL="0" marR="0" lvl="0" indent="0" algn="ctr" defTabSz="914400" eaLnBrk="1" fontAlgn="auto" latinLnBrk="0" hangingPunct="1">
+                    <a:lnSpc>
+                      <a:spcPct val="100000"/>
+                    </a:lnSpc>
+                    <a:spcBef>
+                      <a:spcPts val="0"/>
+                    </a:spcBef>
+                    <a:spcAft>
+                      <a:spcPts val="0"/>
+                    </a:spcAft>
+                    <a:buClrTx/>
+                    <a:buSzTx/>
+                    <a:buFontTx/>
+                    <a:buNone/>
+                    <a:tabLst/>
+                    <a:defRPr/>
+                  </a:pPr>
+                  <a:r>
+                    <a:rPr kumimoji="0" lang="en-US" sz="1800" b="1" i="0" u="none" strike="noStrike" kern="0" cap="none" spc="0" normalizeH="0" baseline="0" noProof="0" dirty="0" smtClean="0">
+                      <a:ln>
+                        <a:noFill/>
+                      </a:ln>
+                      <a:solidFill>
+                        <a:schemeClr val="tx2"/>
+                      </a:solidFill>
+                      <a:effectLst/>
+                      <a:uLnTx/>
+                      <a:uFillTx/>
+                      <a:latin typeface="Corbel"/>
+                      <a:ea typeface="+mn-ea"/>
+                      <a:cs typeface="+mn-cs"/>
+                    </a:rPr>
+                    <a:t>Logs</a:t>
+                  </a:r>
+                  <a:endParaRPr kumimoji="0" lang="en-US" sz="1800" b="1" i="0" u="none" strike="noStrike" kern="0" cap="none" spc="0" normalizeH="0" baseline="0" noProof="0" dirty="0">
+                    <a:ln>
+                      <a:noFill/>
+                    </a:ln>
+                    <a:solidFill>
+                      <a:schemeClr val="tx2"/>
+                    </a:solidFill>
+                    <a:effectLst/>
+                    <a:uLnTx/>
+                    <a:uFillTx/>
+                    <a:latin typeface="Corbel"/>
+                    <a:ea typeface="+mn-ea"/>
+                    <a:cs typeface="+mn-cs"/>
+                  </a:endParaRPr>
+                </a:p>
+              </p:txBody>
+            </p:sp>
+          </p:grpSp>
+          <p:grpSp>
+            <p:nvGrpSpPr>
+              <p:cNvPr id="30" name="Group 29"/>
+              <p:cNvGrpSpPr/>
+              <p:nvPr/>
+            </p:nvGrpSpPr>
+            <p:grpSpPr>
+              <a:xfrm>
+                <a:off x="28058415" y="13868400"/>
+                <a:ext cx="1341599" cy="1348226"/>
+                <a:chOff x="28194000" y="13868400"/>
+                <a:chExt cx="1341599" cy="1348226"/>
+              </a:xfrm>
+            </p:grpSpPr>
+            <p:pic>
+              <p:nvPicPr>
+                <p:cNvPr id="35" name="Picture 34"/>
+                <p:cNvPicPr>
+                  <a:picLocks noChangeAspect="1"/>
+                </p:cNvPicPr>
+                <p:nvPr/>
+              </p:nvPicPr>
+              <p:blipFill>
+                <a:blip r:embed="rId4"/>
+                <a:stretch>
+                  <a:fillRect/>
+                </a:stretch>
+              </p:blipFill>
+              <p:spPr>
+                <a:xfrm>
+                  <a:off x="28194000" y="13868400"/>
+                  <a:ext cx="1341599" cy="1348226"/>
+                </a:xfrm>
+                <a:prstGeom prst="rect">
+                  <a:avLst/>
+                </a:prstGeom>
+              </p:spPr>
+            </p:pic>
+            <p:sp>
+              <p:nvSpPr>
+                <p:cNvPr id="36" name="Rounded Rectangle 35"/>
+                <p:cNvSpPr/>
+                <p:nvPr/>
+              </p:nvSpPr>
+              <p:spPr>
+                <a:xfrm>
+                  <a:off x="28727400" y="14630400"/>
+                  <a:ext cx="762000" cy="427695"/>
+                </a:xfrm>
+                <a:prstGeom prst="roundRect">
+                  <a:avLst/>
+                </a:prstGeom>
+                <a:ln>
+                  <a:headEnd type="none" w="med" len="med"/>
+                  <a:tailEnd type="none"/>
+                </a:ln>
+              </p:spPr>
+              <p:style>
+                <a:lnRef idx="1">
+                  <a:schemeClr val="accent1"/>
+                </a:lnRef>
+                <a:fillRef idx="2">
+                  <a:schemeClr val="accent1"/>
+                </a:fillRef>
+                <a:effectRef idx="1">
+                  <a:schemeClr val="accent1"/>
+                </a:effectRef>
+                <a:fontRef idx="minor">
+                  <a:schemeClr val="dk1"/>
+                </a:fontRef>
+              </p:style>
+              <p:txBody>
+                <a:bodyPr rtlCol="0" anchor="ctr"/>
+                <a:lstStyle/>
+                <a:p>
+                  <a:pPr marL="0" marR="0" lvl="0" indent="0" algn="ctr" defTabSz="914400" eaLnBrk="1" fontAlgn="auto" latinLnBrk="0" hangingPunct="1">
+                    <a:lnSpc>
+                      <a:spcPct val="100000"/>
+                    </a:lnSpc>
+                    <a:spcBef>
+                      <a:spcPts val="0"/>
+                    </a:spcBef>
+                    <a:spcAft>
+                      <a:spcPts val="0"/>
+                    </a:spcAft>
+                    <a:buClrTx/>
+                    <a:buSzTx/>
+                    <a:buFontTx/>
+                    <a:buNone/>
+                    <a:tabLst/>
+                    <a:defRPr/>
+                  </a:pPr>
+                  <a:r>
+                    <a:rPr kumimoji="0" lang="en-US" sz="1800" b="1" i="0" u="none" strike="noStrike" kern="0" cap="none" spc="0" normalizeH="0" baseline="0" noProof="0" dirty="0" smtClean="0">
+                      <a:ln>
+                        <a:noFill/>
+                      </a:ln>
+                      <a:solidFill>
+                        <a:schemeClr val="tx2"/>
+                      </a:solidFill>
+                      <a:effectLst/>
+                      <a:uLnTx/>
+                      <a:uFillTx/>
+                      <a:latin typeface="Corbel"/>
+                      <a:ea typeface="+mn-ea"/>
+                      <a:cs typeface="+mn-cs"/>
+                    </a:rPr>
+                    <a:t>Logs</a:t>
+                  </a:r>
+                  <a:endParaRPr kumimoji="0" lang="en-US" sz="1800" b="1" i="0" u="none" strike="noStrike" kern="0" cap="none" spc="0" normalizeH="0" baseline="0" noProof="0" dirty="0">
+                    <a:ln>
+                      <a:noFill/>
+                    </a:ln>
+                    <a:solidFill>
+                      <a:schemeClr val="tx2"/>
+                    </a:solidFill>
+                    <a:effectLst/>
+                    <a:uLnTx/>
+                    <a:uFillTx/>
+                    <a:latin typeface="Corbel"/>
+                    <a:ea typeface="+mn-ea"/>
+                    <a:cs typeface="+mn-cs"/>
+                  </a:endParaRPr>
+                </a:p>
+              </p:txBody>
+            </p:sp>
+          </p:grpSp>
+          <p:grpSp>
+            <p:nvGrpSpPr>
+              <p:cNvPr id="31" name="Group 30"/>
+              <p:cNvGrpSpPr/>
+              <p:nvPr/>
+            </p:nvGrpSpPr>
+            <p:grpSpPr>
+              <a:xfrm>
+                <a:off x="30175200" y="13868400"/>
+                <a:ext cx="1341599" cy="1348226"/>
+                <a:chOff x="30175200" y="13868400"/>
+                <a:chExt cx="1341599" cy="1348226"/>
+              </a:xfrm>
+            </p:grpSpPr>
+            <p:pic>
+              <p:nvPicPr>
+                <p:cNvPr id="33" name="Picture 32"/>
+                <p:cNvPicPr>
+                  <a:picLocks noChangeAspect="1"/>
+                </p:cNvPicPr>
+                <p:nvPr/>
+              </p:nvPicPr>
+              <p:blipFill>
+                <a:blip r:embed="rId4"/>
+                <a:stretch>
+                  <a:fillRect/>
+                </a:stretch>
+              </p:blipFill>
+              <p:spPr>
+                <a:xfrm>
+                  <a:off x="30175200" y="13868400"/>
+                  <a:ext cx="1341599" cy="1348226"/>
+                </a:xfrm>
+                <a:prstGeom prst="rect">
+                  <a:avLst/>
+                </a:prstGeom>
+              </p:spPr>
+            </p:pic>
+            <p:sp>
+              <p:nvSpPr>
+                <p:cNvPr id="34" name="Rounded Rectangle 33"/>
+                <p:cNvSpPr/>
+                <p:nvPr/>
+              </p:nvSpPr>
+              <p:spPr>
+                <a:xfrm>
+                  <a:off x="30708600" y="14630400"/>
+                  <a:ext cx="762000" cy="427695"/>
+                </a:xfrm>
+                <a:prstGeom prst="roundRect">
+                  <a:avLst/>
+                </a:prstGeom>
+                <a:ln>
+                  <a:headEnd type="none" w="med" len="med"/>
+                  <a:tailEnd type="none"/>
+                </a:ln>
+              </p:spPr>
+              <p:style>
+                <a:lnRef idx="1">
+                  <a:schemeClr val="accent1"/>
+                </a:lnRef>
+                <a:fillRef idx="2">
+                  <a:schemeClr val="accent1"/>
+                </a:fillRef>
+                <a:effectRef idx="1">
+                  <a:schemeClr val="accent1"/>
+                </a:effectRef>
+                <a:fontRef idx="minor">
+                  <a:schemeClr val="dk1"/>
+                </a:fontRef>
+              </p:style>
+              <p:txBody>
+                <a:bodyPr rtlCol="0" anchor="ctr"/>
+                <a:lstStyle/>
+                <a:p>
+                  <a:pPr marL="0" marR="0" lvl="0" indent="0" algn="ctr" defTabSz="914400" eaLnBrk="1" fontAlgn="auto" latinLnBrk="0" hangingPunct="1">
+                    <a:lnSpc>
+                      <a:spcPct val="100000"/>
+                    </a:lnSpc>
+                    <a:spcBef>
+                      <a:spcPts val="0"/>
+                    </a:spcBef>
+                    <a:spcAft>
+                      <a:spcPts val="0"/>
+                    </a:spcAft>
+                    <a:buClrTx/>
+                    <a:buSzTx/>
+                    <a:buFontTx/>
+                    <a:buNone/>
+                    <a:tabLst/>
+                    <a:defRPr/>
+                  </a:pPr>
+                  <a:r>
+                    <a:rPr kumimoji="0" lang="en-US" sz="1800" b="1" i="0" u="none" strike="noStrike" kern="0" cap="none" spc="0" normalizeH="0" baseline="0" noProof="0" dirty="0" smtClean="0">
+                      <a:ln>
+                        <a:noFill/>
+                      </a:ln>
+                      <a:solidFill>
+                        <a:schemeClr val="tx2"/>
+                      </a:solidFill>
+                      <a:effectLst/>
+                      <a:uLnTx/>
+                      <a:uFillTx/>
+                      <a:latin typeface="Corbel"/>
+                      <a:ea typeface="+mn-ea"/>
+                      <a:cs typeface="+mn-cs"/>
+                    </a:rPr>
+                    <a:t>Logs</a:t>
+                  </a:r>
+                  <a:endParaRPr kumimoji="0" lang="en-US" sz="1800" b="1" i="0" u="none" strike="noStrike" kern="0" cap="none" spc="0" normalizeH="0" baseline="0" noProof="0" dirty="0">
+                    <a:ln>
+                      <a:noFill/>
+                    </a:ln>
+                    <a:solidFill>
+                      <a:schemeClr val="tx2"/>
+                    </a:solidFill>
+                    <a:effectLst/>
+                    <a:uLnTx/>
+                    <a:uFillTx/>
+                    <a:latin typeface="Corbel"/>
+                    <a:ea typeface="+mn-ea"/>
+                    <a:cs typeface="+mn-cs"/>
+                  </a:endParaRPr>
+                </a:p>
+              </p:txBody>
+            </p:sp>
+          </p:grpSp>
+          <p:sp>
+            <p:nvSpPr>
+              <p:cNvPr id="32" name="Rectangle 31"/>
+              <p:cNvSpPr/>
+              <p:nvPr/>
+            </p:nvSpPr>
+            <p:spPr bwMode="auto">
+              <a:xfrm>
+                <a:off x="27828644" y="14970474"/>
+                <a:ext cx="1801144" cy="542155"/>
+              </a:xfrm>
+              <a:prstGeom prst="rect">
+                <a:avLst/>
+              </a:prstGeom>
+              <a:noFill/>
+              <a:ln w="9525" cap="flat" cmpd="sng" algn="ctr">
+                <a:noFill/>
+                <a:prstDash val="solid"/>
+                <a:round/>
+                <a:headEnd type="none" w="med" len="med"/>
+                <a:tailEnd type="none" w="med" len="med"/>
+              </a:ln>
+              <a:effectLst/>
+            </p:spPr>
+            <p:txBody>
+              <a:bodyPr vert="horz" wrap="none" lIns="49231" tIns="24616" rIns="49231" bIns="24616" numCol="1" rtlCol="0" anchor="t" anchorCtr="0" compatLnSpc="1">
+                <a:prstTxWarp prst="textNoShape">
+                  <a:avLst/>
+                </a:prstTxWarp>
+                <a:spAutoFit/>
+              </a:bodyPr>
+              <a:lstStyle/>
+              <a:p>
+                <a:pPr marL="0" marR="0" indent="0" algn="ctr" defTabSz="492125" rtl="0" eaLnBrk="0" fontAlgn="base" latinLnBrk="0" hangingPunct="0">
+                  <a:lnSpc>
+                    <a:spcPct val="100000"/>
+                  </a:lnSpc>
+                  <a:spcBef>
+                    <a:spcPct val="0"/>
+                  </a:spcBef>
+                  <a:spcAft>
+                    <a:spcPct val="0"/>
+                  </a:spcAft>
+                  <a:buClrTx/>
+                  <a:buSzTx/>
+                  <a:buFontTx/>
+                  <a:buNone/>
+                  <a:tabLst/>
+                </a:pPr>
+                <a:r>
+                  <a:rPr kumimoji="0" lang="en-US" sz="3200" b="1" i="0" u="none" strike="noStrike" cap="none" normalizeH="0" baseline="-25000" dirty="0" smtClean="0">
+                    <a:ln>
+                      <a:noFill/>
+                    </a:ln>
+                    <a:solidFill>
+                      <a:schemeClr val="tx1"/>
+                    </a:solidFill>
+                    <a:effectLst/>
+                    <a:latin typeface="Corbel"/>
+                    <a:ea typeface="ＭＳ Ｐゴシック" charset="-128"/>
+                    <a:cs typeface="Corbel"/>
+                  </a:rPr>
+                  <a:t>Worker</a:t>
+                </a:r>
+                <a:r>
+                  <a:rPr kumimoji="0" lang="en-US" sz="3200" b="1" i="0" u="none" strike="noStrike" cap="none" normalizeH="0" baseline="0" dirty="0" smtClean="0">
+                    <a:ln>
+                      <a:noFill/>
+                    </a:ln>
+                    <a:solidFill>
+                      <a:schemeClr val="tx1"/>
+                    </a:solidFill>
+                    <a:effectLst/>
+                    <a:latin typeface="Corbel"/>
+                    <a:ea typeface="ＭＳ Ｐゴシック" charset="-128"/>
+                    <a:cs typeface="Corbel"/>
+                  </a:rPr>
+                  <a:t> </a:t>
+                </a:r>
+                <a:r>
+                  <a:rPr kumimoji="0" lang="en-US" sz="3200" b="1" i="0" u="none" strike="noStrike" cap="none" normalizeH="0" baseline="-25000" dirty="0" smtClean="0">
+                    <a:ln>
+                      <a:noFill/>
+                    </a:ln>
+                    <a:solidFill>
+                      <a:schemeClr val="tx1"/>
+                    </a:solidFill>
+                    <a:effectLst/>
+                    <a:latin typeface="Corbel"/>
+                    <a:ea typeface="ＭＳ Ｐゴシック" charset="-128"/>
+                    <a:cs typeface="Corbel"/>
+                  </a:rPr>
+                  <a:t>Nodes</a:t>
+                </a:r>
+                <a:endParaRPr kumimoji="0" lang="en-US" sz="3200" b="1" i="0" u="none" strike="noStrike" cap="none" normalizeH="0" baseline="-25000" dirty="0">
+                  <a:ln>
+                    <a:noFill/>
+                  </a:ln>
+                  <a:solidFill>
+                    <a:schemeClr val="tx1"/>
+                  </a:solidFill>
+                  <a:effectLst/>
+                  <a:latin typeface="Corbel"/>
+                  <a:ea typeface="ＭＳ Ｐゴシック" charset="-128"/>
+                  <a:cs typeface="Corbel"/>
+                </a:endParaRPr>
+              </a:p>
+            </p:txBody>
+          </p:sp>
+        </p:grpSp>
+        <p:cxnSp>
+          <p:nvCxnSpPr>
+            <p:cNvPr id="39" name="Straight Arrow Connector 38"/>
+            <p:cNvCxnSpPr>
+              <a:stCxn id="38" idx="0"/>
+            </p:cNvCxnSpPr>
+            <p:nvPr/>
+          </p:nvCxnSpPr>
+          <p:spPr>
+            <a:xfrm flipV="1">
+              <a:off x="26822400" y="12192000"/>
+              <a:ext cx="533400" cy="2470571"/>
+            </a:xfrm>
+            <a:prstGeom prst="straightConnector1">
+              <a:avLst/>
+            </a:prstGeom>
+            <a:noFill/>
+            <a:ln w="28575" cap="flat" cmpd="sng" algn="ctr">
+              <a:solidFill>
+                <a:schemeClr val="tx1"/>
+              </a:solidFill>
+              <a:prstDash val="solid"/>
+              <a:round/>
+              <a:headEnd type="triangle" w="lg" len="lg"/>
+              <a:tailEnd type="triangle" w="lg" len="lg"/>
+            </a:ln>
+            <a:effectLst/>
+          </p:spPr>
+        </p:cxnSp>
+        <p:sp>
+          <p:nvSpPr>
+            <p:cNvPr id="40" name="Rounded Rectangle 39"/>
+            <p:cNvSpPr/>
+            <p:nvPr/>
+          </p:nvSpPr>
+          <p:spPr>
+            <a:xfrm>
+              <a:off x="26898600" y="11658600"/>
+              <a:ext cx="1447800" cy="533400"/>
+            </a:xfrm>
+            <a:prstGeom prst="roundRect">
+              <a:avLst/>
+            </a:prstGeom>
+            <a:ln>
+              <a:headEnd type="none" w="med" len="med"/>
+              <a:tailEnd type="none"/>
+            </a:ln>
+          </p:spPr>
+          <p:style>
+            <a:lnRef idx="1">
+              <a:schemeClr val="accent2"/>
+            </a:lnRef>
+            <a:fillRef idx="2">
+              <a:schemeClr val="accent2"/>
+            </a:fillRef>
+            <a:effectRef idx="1">
+              <a:schemeClr val="accent2"/>
+            </a:effectRef>
+            <a:fontRef idx="minor">
+              <a:schemeClr val="dk1"/>
+            </a:fontRef>
+          </p:style>
+          <p:txBody>
+            <a:bodyPr rtlCol="0" anchor="ctr"/>
+            <a:lstStyle/>
+            <a:p>
+              <a:pPr marL="0" marR="0" lvl="0" indent="0" algn="ctr" defTabSz="914400" eaLnBrk="1" fontAlgn="auto" latinLnBrk="0" hangingPunct="1">
+                <a:lnSpc>
+                  <a:spcPct val="100000"/>
+                </a:lnSpc>
+                <a:spcBef>
+                  <a:spcPts val="0"/>
+                </a:spcBef>
+                <a:spcAft>
+                  <a:spcPts val="0"/>
+                </a:spcAft>
+                <a:buClrTx/>
+                <a:buSzTx/>
+                <a:buFontTx/>
+                <a:buNone/>
+                <a:tabLst/>
+                <a:defRPr/>
+              </a:pPr>
+              <a:r>
+                <a:rPr kumimoji="0" lang="en-US" sz="1800" b="1" i="0" u="none" strike="noStrike" kern="0" cap="none" spc="0" normalizeH="0" baseline="0" noProof="0" dirty="0" smtClean="0">
+                  <a:ln>
+                    <a:noFill/>
+                  </a:ln>
+                  <a:solidFill>
+                    <a:schemeClr val="accent2">
+                      <a:lumMod val="75000"/>
+                    </a:schemeClr>
+                  </a:solidFill>
+                  <a:effectLst/>
+                  <a:uLnTx/>
+                  <a:uFillTx/>
+                  <a:latin typeface="Corbel"/>
+                  <a:ea typeface="+mn-ea"/>
+                  <a:cs typeface="+mn-cs"/>
+                </a:rPr>
+                <a:t>Debug Hub</a:t>
+              </a:r>
+              <a:endParaRPr kumimoji="0" lang="en-US" sz="1800" b="1" i="0" u="none" strike="noStrike" kern="0" cap="none" spc="0" normalizeH="0" baseline="0" noProof="0" dirty="0">
+                <a:ln>
+                  <a:noFill/>
+                </a:ln>
+                <a:solidFill>
+                  <a:schemeClr val="accent2">
+                    <a:lumMod val="75000"/>
+                  </a:schemeClr>
+                </a:solidFill>
+                <a:effectLst/>
+                <a:uLnTx/>
+                <a:uFillTx/>
+                <a:latin typeface="Corbel"/>
+                <a:ea typeface="+mn-ea"/>
+                <a:cs typeface="+mn-cs"/>
+              </a:endParaRPr>
+            </a:p>
+          </p:txBody>
+        </p:sp>
+        <p:sp>
+          <p:nvSpPr>
+            <p:cNvPr id="41" name="Rounded Rectangle 40"/>
+            <p:cNvSpPr/>
+            <p:nvPr/>
+          </p:nvSpPr>
+          <p:spPr>
+            <a:xfrm>
+              <a:off x="28956000" y="11658600"/>
+              <a:ext cx="1447800" cy="533400"/>
+            </a:xfrm>
+            <a:prstGeom prst="roundRect">
+              <a:avLst/>
+            </a:prstGeom>
+            <a:ln>
+              <a:headEnd type="none" w="med" len="med"/>
+              <a:tailEnd type="none"/>
+            </a:ln>
+          </p:spPr>
+          <p:style>
+            <a:lnRef idx="1">
+              <a:schemeClr val="accent3"/>
+            </a:lnRef>
+            <a:fillRef idx="2">
+              <a:schemeClr val="accent3"/>
+            </a:fillRef>
+            <a:effectRef idx="1">
+              <a:schemeClr val="accent3"/>
+            </a:effectRef>
+            <a:fontRef idx="minor">
+              <a:schemeClr val="dk1"/>
+            </a:fontRef>
+          </p:style>
+          <p:txBody>
+            <a:bodyPr rtlCol="0" anchor="ctr"/>
+            <a:lstStyle/>
+            <a:p>
+              <a:pPr marL="0" marR="0" lvl="0" indent="0" algn="ctr" defTabSz="914400" eaLnBrk="1" fontAlgn="auto" latinLnBrk="0" hangingPunct="1">
+                <a:lnSpc>
+                  <a:spcPct val="100000"/>
+                </a:lnSpc>
+                <a:spcBef>
+                  <a:spcPts val="0"/>
+                </a:spcBef>
+                <a:spcAft>
+                  <a:spcPts val="0"/>
+                </a:spcAft>
+                <a:buClrTx/>
+                <a:buSzTx/>
+                <a:buFontTx/>
+                <a:buNone/>
+                <a:tabLst/>
+                <a:defRPr/>
+              </a:pPr>
+              <a:r>
+                <a:rPr kumimoji="0" lang="en-US" sz="1800" b="1" i="0" u="none" strike="noStrike" kern="0" cap="none" spc="0" normalizeH="0" baseline="0" noProof="0" dirty="0" smtClean="0">
+                  <a:ln>
+                    <a:noFill/>
+                  </a:ln>
+                  <a:solidFill>
+                    <a:schemeClr val="accent3">
+                      <a:lumMod val="50000"/>
+                    </a:schemeClr>
+                  </a:solidFill>
+                  <a:effectLst/>
+                  <a:uLnTx/>
+                  <a:uFillTx/>
+                  <a:latin typeface="Corbel"/>
+                  <a:ea typeface="+mn-ea"/>
+                  <a:cs typeface="+mn-cs"/>
+                </a:rPr>
+                <a:t>Spark Shell</a:t>
+              </a:r>
+              <a:endParaRPr kumimoji="0" lang="en-US" sz="1800" b="1" i="0" u="none" strike="noStrike" kern="0" cap="none" spc="0" normalizeH="0" baseline="0" noProof="0" dirty="0">
+                <a:ln>
+                  <a:noFill/>
+                </a:ln>
+                <a:solidFill>
+                  <a:schemeClr val="accent3">
+                    <a:lumMod val="50000"/>
+                  </a:schemeClr>
+                </a:solidFill>
+                <a:effectLst/>
+                <a:uLnTx/>
+                <a:uFillTx/>
+                <a:latin typeface="Corbel"/>
+                <a:ea typeface="+mn-ea"/>
+                <a:cs typeface="+mn-cs"/>
+              </a:endParaRPr>
+            </a:p>
+          </p:txBody>
+        </p:sp>
+        <p:cxnSp>
+          <p:nvCxnSpPr>
+            <p:cNvPr id="42" name="Straight Arrow Connector 41"/>
+            <p:cNvCxnSpPr>
+              <a:stCxn id="34" idx="0"/>
+            </p:cNvCxnSpPr>
+            <p:nvPr/>
+          </p:nvCxnSpPr>
+          <p:spPr>
+            <a:xfrm flipH="1" flipV="1">
+              <a:off x="27965400" y="12192000"/>
+              <a:ext cx="3124200" cy="2470571"/>
+            </a:xfrm>
+            <a:prstGeom prst="straightConnector1">
+              <a:avLst/>
+            </a:prstGeom>
+            <a:noFill/>
+            <a:ln w="28575" cap="flat" cmpd="sng" algn="ctr">
+              <a:solidFill>
+                <a:schemeClr val="tx1"/>
+              </a:solidFill>
+              <a:prstDash val="solid"/>
+              <a:round/>
+              <a:headEnd type="triangle" w="lg" len="lg"/>
+              <a:tailEnd type="triangle" w="lg" len="lg"/>
+            </a:ln>
+            <a:effectLst/>
+          </p:spPr>
+        </p:cxnSp>
+        <p:cxnSp>
+          <p:nvCxnSpPr>
+            <p:cNvPr id="43" name="Straight Arrow Connector 42"/>
+            <p:cNvCxnSpPr>
+              <a:stCxn id="36" idx="0"/>
+              <a:endCxn id="40" idx="2"/>
+            </p:cNvCxnSpPr>
+            <p:nvPr/>
+          </p:nvCxnSpPr>
+          <p:spPr>
+            <a:xfrm flipH="1" flipV="1">
+              <a:off x="27622500" y="12192000"/>
+              <a:ext cx="1350315" cy="2470571"/>
+            </a:xfrm>
+            <a:prstGeom prst="straightConnector1">
+              <a:avLst/>
+            </a:prstGeom>
+            <a:noFill/>
+            <a:ln w="28575" cap="flat" cmpd="sng" algn="ctr">
+              <a:solidFill>
+                <a:schemeClr val="tx1"/>
+              </a:solidFill>
+              <a:prstDash val="solid"/>
+              <a:round/>
+              <a:headEnd type="triangle" w="lg" len="lg"/>
+              <a:tailEnd type="triangle" w="lg" len="lg"/>
+            </a:ln>
+            <a:effectLst/>
+          </p:spPr>
+        </p:cxnSp>
+        <p:cxnSp>
+          <p:nvCxnSpPr>
+            <p:cNvPr id="44" name="Straight Arrow Connector 43"/>
+            <p:cNvCxnSpPr>
+              <a:stCxn id="47" idx="2"/>
+              <a:endCxn id="40" idx="0"/>
+            </p:cNvCxnSpPr>
+            <p:nvPr/>
+          </p:nvCxnSpPr>
+          <p:spPr>
+            <a:xfrm flipH="1">
+              <a:off x="27622500" y="10820400"/>
+              <a:ext cx="1076989" cy="838200"/>
+            </a:xfrm>
+            <a:prstGeom prst="straightConnector1">
+              <a:avLst/>
+            </a:prstGeom>
+            <a:noFill/>
+            <a:ln w="28575" cap="flat" cmpd="sng" algn="ctr">
+              <a:solidFill>
+                <a:schemeClr val="tx1"/>
+              </a:solidFill>
+              <a:prstDash val="solid"/>
+              <a:round/>
+              <a:headEnd type="triangle" w="lg" len="lg"/>
+              <a:tailEnd type="triangle" w="lg" len="lg"/>
+            </a:ln>
+            <a:effectLst/>
+          </p:spPr>
+        </p:cxnSp>
+        <p:cxnSp>
+          <p:nvCxnSpPr>
+            <p:cNvPr id="45" name="Straight Arrow Connector 44"/>
+            <p:cNvCxnSpPr>
+              <a:stCxn id="40" idx="3"/>
+              <a:endCxn id="41" idx="1"/>
+            </p:cNvCxnSpPr>
+            <p:nvPr/>
+          </p:nvCxnSpPr>
+          <p:spPr bwMode="auto">
+            <a:xfrm>
+              <a:off x="28346400" y="11925300"/>
+              <a:ext cx="609600" cy="0"/>
+            </a:xfrm>
+            <a:prstGeom prst="straightConnector1">
+              <a:avLst/>
+            </a:prstGeom>
+            <a:noFill/>
+            <a:ln w="28575" cap="flat" cmpd="sng" algn="ctr">
+              <a:solidFill>
+                <a:schemeClr val="tx1"/>
+              </a:solidFill>
+              <a:prstDash val="solid"/>
+              <a:round/>
+              <a:headEnd type="triangle" w="lg" len="lg"/>
+              <a:tailEnd type="triangle" w="lg" len="lg"/>
+            </a:ln>
+            <a:effectLst/>
+          </p:spPr>
+        </p:cxnSp>
+        <p:grpSp>
+          <p:nvGrpSpPr>
+            <p:cNvPr id="46" name="Group 45"/>
+            <p:cNvGrpSpPr/>
+            <p:nvPr/>
+          </p:nvGrpSpPr>
+          <p:grpSpPr>
+            <a:xfrm>
+              <a:off x="25800050" y="7010400"/>
+              <a:ext cx="5798878" cy="3810000"/>
+              <a:chOff x="25800050" y="7010400"/>
+              <a:chExt cx="5798878" cy="3810000"/>
+            </a:xfrm>
+          </p:grpSpPr>
+          <p:pic>
+            <p:nvPicPr>
+              <p:cNvPr id="47" name="Picture 46"/>
+              <p:cNvPicPr>
+                <a:picLocks noChangeAspect="1"/>
+              </p:cNvPicPr>
+              <p:nvPr/>
+            </p:nvPicPr>
+            <p:blipFill>
+              <a:blip r:embed="rId5"/>
+              <a:stretch>
+                <a:fillRect/>
+              </a:stretch>
+            </p:blipFill>
+            <p:spPr>
+              <a:xfrm>
+                <a:off x="25800050" y="7010400"/>
+                <a:ext cx="5798878" cy="3810000"/>
+              </a:xfrm>
+              <a:prstGeom prst="rect">
+                <a:avLst/>
+              </a:prstGeom>
+            </p:spPr>
+          </p:pic>
+          <p:sp>
+            <p:nvSpPr>
+              <p:cNvPr id="48" name="Rectangle 47"/>
+              <p:cNvSpPr/>
+              <p:nvPr/>
+            </p:nvSpPr>
+            <p:spPr bwMode="auto">
+              <a:xfrm>
+                <a:off x="27476450" y="9220200"/>
+                <a:ext cx="4038600" cy="1524000"/>
+              </a:xfrm>
+              <a:prstGeom prst="rect">
+                <a:avLst/>
+              </a:prstGeom>
+              <a:solidFill>
+                <a:schemeClr val="bg1"/>
+              </a:solidFill>
+              <a:ln w="28575" cap="flat" cmpd="sng" algn="ctr">
+                <a:solidFill>
+                  <a:schemeClr val="accent1">
+                    <a:lumMod val="50000"/>
+                  </a:schemeClr>
+                </a:solidFill>
+                <a:prstDash val="solid"/>
+                <a:round/>
+                <a:headEnd type="none" w="med" len="med"/>
+                <a:tailEnd type="none" w="med" len="med"/>
+              </a:ln>
+              <a:effectLst/>
+            </p:spPr>
+            <p:txBody>
+              <a:bodyPr vert="horz" wrap="square" lIns="49231" tIns="24616" rIns="49231" bIns="24616" numCol="1" rtlCol="0" anchor="ctr" anchorCtr="0" compatLnSpc="1">
+                <a:prstTxWarp prst="textNoShape">
+                  <a:avLst/>
+                </a:prstTxWarp>
+                <a:spAutoFit/>
+              </a:bodyPr>
+              <a:lstStyle/>
+              <a:p>
+                <a:pPr marL="0" marR="0" indent="0" algn="ctr" defTabSz="492125" rtl="0" eaLnBrk="0" fontAlgn="base" latinLnBrk="0" hangingPunct="0">
+                  <a:lnSpc>
+                    <a:spcPct val="100000"/>
+                  </a:lnSpc>
+                  <a:spcBef>
+                    <a:spcPct val="0"/>
+                  </a:spcBef>
+                  <a:spcAft>
+                    <a:spcPct val="0"/>
+                  </a:spcAft>
+                  <a:buClrTx/>
+                  <a:buSzTx/>
+                  <a:buFontTx/>
+                  <a:buNone/>
+                  <a:tabLst/>
+                </a:pPr>
+                <a:endParaRPr kumimoji="0" lang="en-US" sz="2800" b="0" i="0" u="none" strike="noStrike" cap="none" normalizeH="0" baseline="-25000">
+                  <a:ln>
+                    <a:noFill/>
+                  </a:ln>
+                  <a:solidFill>
+                    <a:schemeClr val="tx1"/>
+                  </a:solidFill>
+                  <a:effectLst/>
+                  <a:latin typeface="Helvetica" charset="0"/>
+                  <a:ea typeface="ＭＳ Ｐゴシック" charset="-128"/>
+                  <a:cs typeface="ＭＳ Ｐゴシック" charset="-128"/>
+                </a:endParaRPr>
+              </a:p>
+            </p:txBody>
+          </p:sp>
+          <p:sp>
+            <p:nvSpPr>
+              <p:cNvPr id="49" name="Rectangle 48"/>
+              <p:cNvSpPr/>
+              <p:nvPr/>
+            </p:nvSpPr>
+            <p:spPr bwMode="auto">
+              <a:xfrm>
+                <a:off x="27476450" y="7467600"/>
+                <a:ext cx="4038600" cy="2091297"/>
+              </a:xfrm>
+              <a:prstGeom prst="rect">
+                <a:avLst/>
+              </a:prstGeom>
+              <a:solidFill>
+                <a:schemeClr val="bg1"/>
+              </a:solidFill>
+              <a:ln w="28575" cap="flat" cmpd="sng" algn="ctr">
+                <a:solidFill>
+                  <a:schemeClr val="accent1">
+                    <a:lumMod val="50000"/>
+                  </a:schemeClr>
+                </a:solidFill>
+                <a:prstDash val="solid"/>
+                <a:round/>
+                <a:headEnd type="none" w="med" len="med"/>
+                <a:tailEnd type="none" w="med" len="med"/>
+              </a:ln>
+              <a:effectLst/>
+            </p:spPr>
+            <p:txBody>
+              <a:bodyPr vert="horz" wrap="square" lIns="49231" tIns="24616" rIns="49231" bIns="24616" numCol="1" rtlCol="0" anchor="ctr" anchorCtr="0" compatLnSpc="1">
+                <a:prstTxWarp prst="textNoShape">
+                  <a:avLst/>
+                </a:prstTxWarp>
+                <a:spAutoFit/>
+              </a:bodyPr>
+              <a:lstStyle/>
+              <a:p>
+                <a:pPr marL="0" marR="0" indent="0" algn="ctr" defTabSz="492125" rtl="0" eaLnBrk="0" fontAlgn="base" latinLnBrk="0" hangingPunct="0">
+                  <a:lnSpc>
+                    <a:spcPct val="100000"/>
+                  </a:lnSpc>
+                  <a:spcBef>
+                    <a:spcPct val="0"/>
+                  </a:spcBef>
+                  <a:spcAft>
+                    <a:spcPct val="0"/>
+                  </a:spcAft>
+                  <a:buClrTx/>
+                  <a:buSzTx/>
+                  <a:buFontTx/>
+                  <a:buNone/>
+                  <a:tabLst/>
+                </a:pPr>
+                <a:endParaRPr kumimoji="0" lang="en-US" sz="19900" b="0" i="0" u="none" strike="noStrike" cap="none" normalizeH="0" baseline="-25000">
+                  <a:ln>
+                    <a:noFill/>
+                  </a:ln>
+                  <a:solidFill>
+                    <a:schemeClr val="tx1"/>
+                  </a:solidFill>
+                  <a:effectLst/>
+                  <a:latin typeface="Helvetica" charset="0"/>
+                  <a:ea typeface="ＭＳ Ｐゴシック" charset="-128"/>
+                  <a:cs typeface="ＭＳ Ｐゴシック" charset="-128"/>
+                </a:endParaRPr>
+              </a:p>
+            </p:txBody>
+          </p:sp>
+          <p:sp>
+            <p:nvSpPr>
+              <p:cNvPr id="50" name="Rectangle 49"/>
+              <p:cNvSpPr/>
+              <p:nvPr/>
+            </p:nvSpPr>
+            <p:spPr bwMode="auto">
+              <a:xfrm>
+                <a:off x="25876250" y="7467600"/>
+                <a:ext cx="1981200" cy="3276600"/>
+              </a:xfrm>
+              <a:prstGeom prst="rect">
+                <a:avLst/>
+              </a:prstGeom>
+              <a:solidFill>
+                <a:schemeClr val="bg1"/>
+              </a:solidFill>
+              <a:ln w="28575" cap="flat" cmpd="sng" algn="ctr">
+                <a:solidFill>
+                  <a:schemeClr val="accent1">
+                    <a:lumMod val="50000"/>
+                  </a:schemeClr>
+                </a:solidFill>
+                <a:prstDash val="solid"/>
+                <a:round/>
+                <a:headEnd type="none" w="med" len="med"/>
+                <a:tailEnd type="none" w="med" len="med"/>
+              </a:ln>
+              <a:effectLst/>
+            </p:spPr>
+            <p:txBody>
+              <a:bodyPr vert="horz" wrap="square" lIns="49231" tIns="24616" rIns="49231" bIns="24616" numCol="1" rtlCol="0" anchor="ctr" anchorCtr="0" compatLnSpc="1">
+                <a:prstTxWarp prst="textNoShape">
+                  <a:avLst/>
+                </a:prstTxWarp>
+                <a:spAutoFit/>
+              </a:bodyPr>
+              <a:lstStyle/>
+              <a:p>
+                <a:pPr marL="0" marR="0" indent="0" algn="ctr" defTabSz="492125" rtl="0" eaLnBrk="0" fontAlgn="base" latinLnBrk="0" hangingPunct="0">
+                  <a:lnSpc>
+                    <a:spcPct val="100000"/>
+                  </a:lnSpc>
+                  <a:spcBef>
+                    <a:spcPct val="0"/>
+                  </a:spcBef>
+                  <a:spcAft>
+                    <a:spcPct val="0"/>
+                  </a:spcAft>
+                  <a:buClrTx/>
+                  <a:buSzTx/>
+                  <a:buFontTx/>
+                  <a:buNone/>
+                  <a:tabLst/>
+                </a:pPr>
+                <a:endParaRPr kumimoji="0" lang="en-US" sz="2800" b="0" i="0" u="none" strike="noStrike" cap="none" normalizeH="0" baseline="-25000">
+                  <a:ln>
+                    <a:noFill/>
+                  </a:ln>
+                  <a:solidFill>
+                    <a:schemeClr val="tx1"/>
+                  </a:solidFill>
+                  <a:effectLst/>
+                  <a:latin typeface="Helvetica" charset="0"/>
+                  <a:ea typeface="ＭＳ Ｐゴシック" charset="-128"/>
+                  <a:cs typeface="ＭＳ Ｐゴシック" charset="-128"/>
+                </a:endParaRPr>
+              </a:p>
+            </p:txBody>
+          </p:sp>
+          <p:sp>
+            <p:nvSpPr>
+              <p:cNvPr id="51" name="Rounded Rectangle 50"/>
+              <p:cNvSpPr/>
+              <p:nvPr/>
+            </p:nvSpPr>
+            <p:spPr>
+              <a:xfrm>
+                <a:off x="25952450" y="7543800"/>
+                <a:ext cx="1497806" cy="304800"/>
+              </a:xfrm>
+              <a:prstGeom prst="roundRect">
+                <a:avLst/>
+              </a:prstGeom>
+              <a:solidFill>
+                <a:schemeClr val="bg1"/>
+              </a:solidFill>
+              <a:ln w="12700" cap="flat" cmpd="sng" algn="ctr">
+                <a:noFill/>
+                <a:prstDash val="solid"/>
+                <a:round/>
+                <a:headEnd type="none" w="med" len="med"/>
+                <a:tailEnd type="none" w="med" len="med"/>
+              </a:ln>
+              <a:effectLst/>
+            </p:spPr>
+            <p:style>
+              <a:lnRef idx="1">
+                <a:schemeClr val="accent1"/>
+              </a:lnRef>
+              <a:fillRef idx="3">
+                <a:schemeClr val="accent1"/>
+              </a:fillRef>
+              <a:effectRef idx="2">
+                <a:schemeClr val="accent1"/>
+              </a:effectRef>
+              <a:fontRef idx="minor">
+                <a:schemeClr val="lt1"/>
+              </a:fontRef>
+            </p:style>
+            <p:txBody>
+              <a:bodyPr tIns="0" bIns="0" rtlCol="0" anchor="t"/>
+              <a:lstStyle/>
+              <a:p>
+                <a:pPr algn="ctr"/>
+                <a:r>
+                  <a:rPr lang="en-US" sz="1800" b="1" baseline="0" dirty="0" smtClean="0">
+                    <a:solidFill>
+                      <a:schemeClr val="tx1"/>
+                    </a:solidFill>
+                    <a:latin typeface="Arial"/>
+                    <a:cs typeface="Arial"/>
+                  </a:rPr>
+                  <a:t>RDD Graph</a:t>
+                </a:r>
+                <a:endParaRPr lang="en-US" sz="1800" baseline="0" dirty="0">
+                  <a:solidFill>
+                    <a:schemeClr val="tx1"/>
+                  </a:solidFill>
+                  <a:latin typeface="Arial"/>
+                  <a:cs typeface="Arial"/>
+                </a:endParaRPr>
+              </a:p>
+            </p:txBody>
+          </p:sp>
+          <p:sp>
+            <p:nvSpPr>
+              <p:cNvPr id="52" name="TextBox 51"/>
+              <p:cNvSpPr txBox="1"/>
+              <p:nvPr/>
+            </p:nvSpPr>
+            <p:spPr>
+              <a:xfrm>
+                <a:off x="28086051" y="7902223"/>
+                <a:ext cx="3276600" cy="1615827"/>
+              </a:xfrm>
+              <a:prstGeom prst="rect">
+                <a:avLst/>
+              </a:prstGeom>
+              <a:noFill/>
+            </p:spPr>
+            <p:txBody>
+              <a:bodyPr wrap="square" rtlCol="0">
+                <a:spAutoFit/>
+              </a:bodyPr>
+              <a:lstStyle/>
+              <a:p>
+                <a:pPr algn="l"/>
+                <a:r>
+                  <a:rPr lang="en-US" sz="1100" baseline="0" dirty="0" smtClean="0">
+                    <a:solidFill>
+                      <a:schemeClr val="accent2"/>
+                    </a:solidFill>
+                    <a:latin typeface="Consolas"/>
+                    <a:cs typeface="Consolas"/>
+                  </a:rPr>
+                  <a:t>// Cache an RDD containing all the</a:t>
+                </a:r>
+              </a:p>
+              <a:p>
+                <a:pPr algn="l"/>
+                <a:r>
+                  <a:rPr lang="en-US" sz="1100" baseline="0" dirty="0" smtClean="0">
+                    <a:solidFill>
+                      <a:schemeClr val="accent2"/>
+                    </a:solidFill>
+                    <a:latin typeface="Consolas"/>
+                    <a:cs typeface="Consolas"/>
+                  </a:rPr>
+                  <a:t>// lines with “ERROR” in a log file</a:t>
+                </a:r>
+              </a:p>
+              <a:p>
+                <a:pPr algn="l"/>
+                <a:r>
+                  <a:rPr lang="en-US" sz="1100" baseline="0" dirty="0" smtClean="0">
+                    <a:latin typeface="Consolas"/>
+                    <a:cs typeface="Consolas"/>
+                  </a:rPr>
+                  <a:t>file = spark.textFile("</a:t>
+                </a:r>
+                <a:r>
+                  <a:rPr lang="en-US" sz="1100" baseline="0" dirty="0" err="1" smtClean="0">
+                    <a:latin typeface="Consolas"/>
+                    <a:cs typeface="Consolas"/>
+                  </a:rPr>
+                  <a:t>hdfs</a:t>
+                </a:r>
+                <a:r>
+                  <a:rPr lang="en-US" sz="1100" baseline="0" dirty="0" smtClean="0">
+                    <a:latin typeface="Consolas"/>
+                    <a:cs typeface="Consolas"/>
+                  </a:rPr>
+                  <a:t>://...”)</a:t>
+                </a:r>
+              </a:p>
+              <a:p>
+                <a:pPr algn="l"/>
+                <a:r>
+                  <a:rPr lang="en-US" sz="1100" baseline="0" dirty="0" smtClean="0">
+                    <a:latin typeface="Consolas"/>
+                    <a:cs typeface="Consolas"/>
+                  </a:rPr>
+                  <a:t>errs = </a:t>
+                </a:r>
+                <a:r>
+                  <a:rPr lang="en-US" sz="1100" baseline="0" dirty="0" err="1" smtClean="0">
+                    <a:latin typeface="Consolas"/>
+                    <a:cs typeface="Consolas"/>
+                  </a:rPr>
+                  <a:t>file.filter(_.contains("ERROR</a:t>
+                </a:r>
+                <a:r>
+                  <a:rPr lang="en-US" sz="1100" baseline="0" dirty="0" smtClean="0">
+                    <a:latin typeface="Consolas"/>
+                    <a:cs typeface="Consolas"/>
+                  </a:rPr>
+                  <a:t>"))</a:t>
+                </a:r>
+              </a:p>
+              <a:p>
+                <a:pPr algn="l"/>
+                <a:r>
+                  <a:rPr lang="en-US" sz="1100" baseline="0" dirty="0" err="1" smtClean="0">
+                    <a:latin typeface="Consolas"/>
+                    <a:cs typeface="Consolas"/>
+                  </a:rPr>
+                  <a:t>cachedErrs</a:t>
+                </a:r>
+                <a:r>
+                  <a:rPr lang="en-US" sz="1100" baseline="0" dirty="0" smtClean="0">
+                    <a:latin typeface="Consolas"/>
+                    <a:cs typeface="Consolas"/>
+                  </a:rPr>
+                  <a:t> = </a:t>
+                </a:r>
+                <a:r>
+                  <a:rPr lang="en-US" sz="1100" baseline="0" dirty="0" err="1" smtClean="0">
+                    <a:latin typeface="Consolas"/>
+                    <a:cs typeface="Consolas"/>
+                  </a:rPr>
+                  <a:t>errs.cache</a:t>
+                </a:r>
+                <a:r>
+                  <a:rPr lang="en-US" sz="1100" baseline="0" dirty="0" smtClean="0">
+                    <a:latin typeface="Consolas"/>
+                    <a:cs typeface="Consolas"/>
+                  </a:rPr>
+                  <a:t>()</a:t>
+                </a:r>
+              </a:p>
+              <a:p>
+                <a:pPr algn="l"/>
+                <a:endParaRPr lang="en-US" sz="1100" baseline="0" dirty="0" smtClean="0">
+                  <a:latin typeface="Consolas"/>
+                  <a:cs typeface="Consolas"/>
+                </a:endParaRPr>
+              </a:p>
+              <a:p>
+                <a:pPr algn="l"/>
+                <a:r>
+                  <a:rPr lang="en-US" sz="1100" baseline="0" dirty="0" smtClean="0">
+                    <a:solidFill>
+                      <a:srgbClr val="333399"/>
+                    </a:solidFill>
+                    <a:latin typeface="Consolas"/>
+                    <a:cs typeface="Consolas"/>
+                  </a:rPr>
+                  <a:t>// Count errors using the cached RDD</a:t>
+                </a:r>
+              </a:p>
+              <a:p>
+                <a:pPr algn="l"/>
+                <a:r>
+                  <a:rPr lang="en-US" sz="1100" baseline="0" dirty="0" smtClean="0">
+                    <a:latin typeface="Consolas"/>
+                    <a:cs typeface="Consolas"/>
+                  </a:rPr>
+                  <a:t>ones = </a:t>
+                </a:r>
+                <a:r>
+                  <a:rPr lang="en-US" sz="1100" baseline="0" dirty="0" err="1" smtClean="0">
+                    <a:latin typeface="Consolas"/>
+                    <a:cs typeface="Consolas"/>
+                  </a:rPr>
+                  <a:t>cachedErrs.map</a:t>
+                </a:r>
+                <a:r>
+                  <a:rPr lang="en-US" sz="1100" baseline="0" dirty="0" smtClean="0">
+                    <a:latin typeface="Consolas"/>
+                    <a:cs typeface="Consolas"/>
+                  </a:rPr>
+                  <a:t>(_ =&gt; 1)</a:t>
+                </a:r>
+              </a:p>
+              <a:p>
+                <a:pPr algn="l"/>
+                <a:r>
+                  <a:rPr lang="en-US" sz="1100" baseline="0" dirty="0" smtClean="0">
+                    <a:latin typeface="Consolas"/>
+                    <a:cs typeface="Consolas"/>
+                  </a:rPr>
+                  <a:t>count = </a:t>
+                </a:r>
+                <a:r>
+                  <a:rPr lang="en-US" sz="1100" baseline="0" dirty="0" err="1" smtClean="0">
+                    <a:latin typeface="Consolas"/>
+                    <a:cs typeface="Consolas"/>
+                  </a:rPr>
+                  <a:t>ones.reduce</a:t>
+                </a:r>
+                <a:r>
+                  <a:rPr lang="en-US" sz="1100" baseline="0" dirty="0" smtClean="0">
+                    <a:latin typeface="Consolas"/>
+                    <a:cs typeface="Consolas"/>
+                  </a:rPr>
+                  <a:t>(_+_)</a:t>
+                </a:r>
+                <a:endParaRPr lang="en-US" sz="1100" baseline="0" dirty="0">
+                  <a:latin typeface="Consolas"/>
+                  <a:cs typeface="Consolas"/>
+                </a:endParaRPr>
+              </a:p>
+            </p:txBody>
+          </p:sp>
+          <p:sp>
+            <p:nvSpPr>
+              <p:cNvPr id="53" name="Rounded Rectangle 52"/>
+              <p:cNvSpPr/>
+              <p:nvPr/>
+            </p:nvSpPr>
+            <p:spPr>
+              <a:xfrm>
+                <a:off x="27965400" y="7543800"/>
+                <a:ext cx="1497806" cy="304800"/>
+              </a:xfrm>
+              <a:prstGeom prst="roundRect">
+                <a:avLst/>
+              </a:prstGeom>
+              <a:solidFill>
+                <a:schemeClr val="bg1"/>
+              </a:solidFill>
+              <a:ln w="12700" cap="flat" cmpd="sng" algn="ctr">
+                <a:noFill/>
+                <a:prstDash val="solid"/>
+                <a:round/>
+                <a:headEnd type="none" w="med" len="med"/>
+                <a:tailEnd type="none" w="med" len="med"/>
+              </a:ln>
+              <a:effectLst/>
+            </p:spPr>
+            <p:style>
+              <a:lnRef idx="1">
+                <a:schemeClr val="accent1"/>
+              </a:lnRef>
+              <a:fillRef idx="3">
+                <a:schemeClr val="accent1"/>
+              </a:fillRef>
+              <a:effectRef idx="2">
+                <a:schemeClr val="accent1"/>
+              </a:effectRef>
+              <a:fontRef idx="minor">
+                <a:schemeClr val="lt1"/>
+              </a:fontRef>
+            </p:style>
+            <p:txBody>
+              <a:bodyPr tIns="0" bIns="0" rtlCol="0" anchor="t"/>
+              <a:lstStyle/>
+              <a:p>
+                <a:pPr algn="l"/>
+                <a:r>
+                  <a:rPr lang="en-US" sz="1800" b="1" baseline="0" dirty="0" smtClean="0">
+                    <a:solidFill>
+                      <a:schemeClr val="tx1"/>
+                    </a:solidFill>
+                    <a:latin typeface="Arial"/>
+                    <a:cs typeface="Arial"/>
+                  </a:rPr>
+                  <a:t>Code</a:t>
+                </a:r>
+                <a:endParaRPr lang="en-US" sz="1800" baseline="0" dirty="0">
+                  <a:solidFill>
+                    <a:schemeClr val="tx1"/>
+                  </a:solidFill>
+                  <a:latin typeface="Arial"/>
+                  <a:cs typeface="Arial"/>
+                </a:endParaRPr>
+              </a:p>
+            </p:txBody>
+          </p:sp>
+          <p:sp>
+            <p:nvSpPr>
+              <p:cNvPr id="54" name="Rounded Rectangle 53"/>
+              <p:cNvSpPr/>
+              <p:nvPr/>
+            </p:nvSpPr>
+            <p:spPr>
+              <a:xfrm>
+                <a:off x="27965400" y="9601200"/>
+                <a:ext cx="1497806" cy="304800"/>
+              </a:xfrm>
+              <a:prstGeom prst="roundRect">
+                <a:avLst/>
+              </a:prstGeom>
+              <a:solidFill>
+                <a:schemeClr val="bg1"/>
+              </a:solidFill>
+              <a:ln w="12700" cap="flat" cmpd="sng" algn="ctr">
+                <a:noFill/>
+                <a:prstDash val="solid"/>
+                <a:round/>
+                <a:headEnd type="none" w="med" len="med"/>
+                <a:tailEnd type="none" w="med" len="med"/>
+              </a:ln>
+              <a:effectLst/>
+            </p:spPr>
+            <p:style>
+              <a:lnRef idx="1">
+                <a:schemeClr val="accent1"/>
+              </a:lnRef>
+              <a:fillRef idx="3">
+                <a:schemeClr val="accent1"/>
+              </a:fillRef>
+              <a:effectRef idx="2">
+                <a:schemeClr val="accent1"/>
+              </a:effectRef>
+              <a:fontRef idx="minor">
+                <a:schemeClr val="lt1"/>
+              </a:fontRef>
+            </p:style>
+            <p:txBody>
+              <a:bodyPr tIns="0" bIns="0" rtlCol="0" anchor="t"/>
+              <a:lstStyle/>
+              <a:p>
+                <a:pPr algn="l"/>
+                <a:r>
+                  <a:rPr lang="en-US" sz="1800" b="1" baseline="0" dirty="0" smtClean="0">
+                    <a:solidFill>
+                      <a:schemeClr val="tx1"/>
+                    </a:solidFill>
+                    <a:latin typeface="Arial"/>
+                    <a:cs typeface="Arial"/>
+                  </a:rPr>
+                  <a:t>Logs</a:t>
+                </a:r>
+                <a:endParaRPr lang="en-US" sz="1800" baseline="0" dirty="0">
+                  <a:solidFill>
+                    <a:schemeClr val="tx1"/>
+                  </a:solidFill>
+                  <a:latin typeface="Arial"/>
+                  <a:cs typeface="Arial"/>
+                </a:endParaRPr>
+              </a:p>
+            </p:txBody>
+          </p:sp>
+          <p:grpSp>
+            <p:nvGrpSpPr>
+              <p:cNvPr id="55" name="Group 54"/>
+              <p:cNvGrpSpPr/>
+              <p:nvPr/>
+            </p:nvGrpSpPr>
+            <p:grpSpPr>
+              <a:xfrm>
+                <a:off x="26060400" y="8001000"/>
+                <a:ext cx="1600200" cy="2609088"/>
+                <a:chOff x="26060400" y="8001000"/>
+                <a:chExt cx="1600200" cy="2609088"/>
+              </a:xfrm>
+            </p:grpSpPr>
+            <p:sp>
+              <p:nvSpPr>
+                <p:cNvPr id="56" name="Rounded Rectangle 55"/>
+                <p:cNvSpPr/>
+                <p:nvPr/>
+              </p:nvSpPr>
+              <p:spPr>
+                <a:xfrm>
+                  <a:off x="26074116" y="8001000"/>
+                  <a:ext cx="1572768" cy="246888"/>
+                </a:xfrm>
+                <a:prstGeom prst="roundRect">
+                  <a:avLst/>
+                </a:prstGeom>
+                <a:solidFill>
+                  <a:schemeClr val="bg1"/>
+                </a:solidFill>
+                <a:ln w="12700" cap="flat" cmpd="sng" algn="ctr">
+                  <a:solidFill>
+                    <a:srgbClr val="000D61"/>
+                  </a:solidFill>
+                  <a:prstDash val="solid"/>
+                  <a:round/>
+                  <a:headEnd type="none" w="med" len="med"/>
+                  <a:tailEnd type="none" w="med" len="med"/>
+                </a:ln>
+              </p:spPr>
+              <p:style>
+                <a:lnRef idx="1">
+                  <a:schemeClr val="accent1"/>
+                </a:lnRef>
+                <a:fillRef idx="3">
+                  <a:schemeClr val="accent1"/>
+                </a:fillRef>
+                <a:effectRef idx="2">
+                  <a:schemeClr val="accent1"/>
+                </a:effectRef>
+                <a:fontRef idx="minor">
+                  <a:schemeClr val="lt1"/>
+                </a:fontRef>
+              </p:style>
+              <p:txBody>
+                <a:bodyPr tIns="0" bIns="0" rtlCol="0" anchor="ctr"/>
+                <a:lstStyle/>
+                <a:p>
+                  <a:pPr algn="ctr"/>
+                  <a:r>
+                    <a:rPr lang="en-US" sz="1200" b="1" baseline="0" dirty="0" smtClean="0">
+                      <a:solidFill>
+                        <a:schemeClr val="tx1"/>
+                      </a:solidFill>
+                      <a:latin typeface="Arial"/>
+                      <a:cs typeface="Arial"/>
+                    </a:rPr>
+                    <a:t>RDD</a:t>
+                  </a:r>
+                </a:p>
+              </p:txBody>
+            </p:sp>
+            <p:sp>
+              <p:nvSpPr>
+                <p:cNvPr id="57" name="Rounded Rectangle 56"/>
+                <p:cNvSpPr/>
+                <p:nvPr/>
+              </p:nvSpPr>
+              <p:spPr>
+                <a:xfrm>
+                  <a:off x="26074116" y="8813800"/>
+                  <a:ext cx="1572768" cy="246888"/>
+                </a:xfrm>
+                <a:prstGeom prst="roundRect">
+                  <a:avLst/>
+                </a:prstGeom>
+                <a:solidFill>
+                  <a:schemeClr val="bg1"/>
+                </a:solidFill>
+                <a:ln w="12700" cap="flat" cmpd="sng" algn="ctr">
+                  <a:solidFill>
+                    <a:srgbClr val="000D61"/>
+                  </a:solidFill>
+                  <a:prstDash val="solid"/>
+                  <a:round/>
+                  <a:headEnd type="none" w="med" len="med"/>
+                  <a:tailEnd type="none" w="med" len="med"/>
+                </a:ln>
+              </p:spPr>
+              <p:style>
+                <a:lnRef idx="1">
+                  <a:schemeClr val="accent1"/>
+                </a:lnRef>
+                <a:fillRef idx="3">
+                  <a:schemeClr val="accent1"/>
+                </a:fillRef>
+                <a:effectRef idx="2">
+                  <a:schemeClr val="accent1"/>
+                </a:effectRef>
+                <a:fontRef idx="minor">
+                  <a:schemeClr val="lt1"/>
+                </a:fontRef>
+              </p:style>
+              <p:txBody>
+                <a:bodyPr tIns="0" bIns="0" rtlCol="0" anchor="ctr"/>
+                <a:lstStyle/>
+                <a:p>
+                  <a:pPr algn="ctr"/>
+                  <a:r>
+                    <a:rPr lang="en-US" sz="1200" b="1" baseline="0" dirty="0" smtClean="0">
+                      <a:solidFill>
+                        <a:schemeClr val="tx1"/>
+                      </a:solidFill>
+                      <a:latin typeface="Arial"/>
+                      <a:cs typeface="Arial"/>
+                    </a:rPr>
+                    <a:t>Filtered RDD</a:t>
+                  </a:r>
+                </a:p>
+              </p:txBody>
+            </p:sp>
+            <p:sp>
+              <p:nvSpPr>
+                <p:cNvPr id="58" name="Rounded Rectangle 57"/>
+                <p:cNvSpPr/>
+                <p:nvPr/>
+              </p:nvSpPr>
+              <p:spPr>
+                <a:xfrm>
+                  <a:off x="26074116" y="9626600"/>
+                  <a:ext cx="1572768" cy="246888"/>
+                </a:xfrm>
+                <a:prstGeom prst="roundRect">
+                  <a:avLst/>
+                </a:prstGeom>
+                <a:solidFill>
+                  <a:schemeClr val="bg1"/>
+                </a:solidFill>
+                <a:ln w="12700" cap="flat" cmpd="sng" algn="ctr">
+                  <a:solidFill>
+                    <a:srgbClr val="000D61"/>
+                  </a:solidFill>
+                  <a:prstDash val="solid"/>
+                  <a:round/>
+                  <a:headEnd type="none" w="med" len="med"/>
+                  <a:tailEnd type="none" w="med" len="med"/>
+                </a:ln>
+              </p:spPr>
+              <p:style>
+                <a:lnRef idx="1">
+                  <a:schemeClr val="accent1"/>
+                </a:lnRef>
+                <a:fillRef idx="3">
+                  <a:schemeClr val="accent1"/>
+                </a:fillRef>
+                <a:effectRef idx="2">
+                  <a:schemeClr val="accent1"/>
+                </a:effectRef>
+                <a:fontRef idx="minor">
+                  <a:schemeClr val="lt1"/>
+                </a:fontRef>
+              </p:style>
+              <p:txBody>
+                <a:bodyPr tIns="0" bIns="0" rtlCol="0" anchor="ctr"/>
+                <a:lstStyle/>
+                <a:p>
+                  <a:r>
+                    <a:rPr lang="en-US" sz="1200" b="1" baseline="0" dirty="0" smtClean="0">
+                      <a:solidFill>
+                        <a:schemeClr val="tx1"/>
+                      </a:solidFill>
+                      <a:latin typeface="Arial"/>
+                      <a:cs typeface="Arial"/>
+                    </a:rPr>
+                    <a:t>Cached RDD</a:t>
+                  </a:r>
+                </a:p>
+              </p:txBody>
+            </p:sp>
+            <p:sp>
+              <p:nvSpPr>
+                <p:cNvPr id="59" name="Rounded Rectangle 58"/>
+                <p:cNvSpPr/>
+                <p:nvPr/>
+              </p:nvSpPr>
+              <p:spPr>
+                <a:xfrm>
+                  <a:off x="26074116" y="10363200"/>
+                  <a:ext cx="1572768" cy="246888"/>
+                </a:xfrm>
+                <a:prstGeom prst="roundRect">
+                  <a:avLst/>
+                </a:prstGeom>
+                <a:solidFill>
+                  <a:schemeClr val="bg1"/>
+                </a:solidFill>
+                <a:ln w="12700" cap="flat" cmpd="sng" algn="ctr">
+                  <a:solidFill>
+                    <a:srgbClr val="000D61"/>
+                  </a:solidFill>
+                  <a:prstDash val="solid"/>
+                  <a:round/>
+                  <a:headEnd type="none" w="med" len="med"/>
+                  <a:tailEnd type="none" w="med" len="med"/>
+                </a:ln>
+              </p:spPr>
+              <p:style>
+                <a:lnRef idx="1">
+                  <a:schemeClr val="accent1"/>
+                </a:lnRef>
+                <a:fillRef idx="3">
+                  <a:schemeClr val="accent1"/>
+                </a:fillRef>
+                <a:effectRef idx="2">
+                  <a:schemeClr val="accent1"/>
+                </a:effectRef>
+                <a:fontRef idx="minor">
+                  <a:schemeClr val="lt1"/>
+                </a:fontRef>
+              </p:style>
+              <p:txBody>
+                <a:bodyPr tIns="0" bIns="0" rtlCol="0" anchor="t"/>
+                <a:lstStyle/>
+                <a:p>
+                  <a:pPr algn="ctr"/>
+                  <a:r>
+                    <a:rPr lang="en-US" sz="1200" b="1" baseline="0" dirty="0" smtClean="0">
+                      <a:solidFill>
+                        <a:schemeClr val="tx1"/>
+                      </a:solidFill>
+                      <a:latin typeface="Arial"/>
+                      <a:cs typeface="Arial"/>
+                    </a:rPr>
+                    <a:t>Mapped RDD</a:t>
+                  </a:r>
+                </a:p>
+              </p:txBody>
+            </p:sp>
+            <p:cxnSp>
+              <p:nvCxnSpPr>
+                <p:cNvPr id="60" name="Straight Arrow Connector 59"/>
+                <p:cNvCxnSpPr>
+                  <a:stCxn id="57" idx="0"/>
+                  <a:endCxn id="56" idx="2"/>
+                </p:cNvCxnSpPr>
+                <p:nvPr/>
+              </p:nvCxnSpPr>
+              <p:spPr>
+                <a:xfrm flipV="1">
+                  <a:off x="26860500" y="8247888"/>
+                  <a:ext cx="0" cy="565912"/>
+                </a:xfrm>
+                <a:prstGeom prst="straightConnector1">
+                  <a:avLst/>
+                </a:prstGeom>
+                <a:ln>
+                  <a:solidFill>
+                    <a:srgbClr val="000D61"/>
+                  </a:solidFill>
+                  <a:headEnd type="arrow"/>
+                  <a:tailEnd type="none"/>
+                </a:ln>
+              </p:spPr>
+              <p:style>
+                <a:lnRef idx="2">
+                  <a:schemeClr val="accent1"/>
+                </a:lnRef>
+                <a:fillRef idx="0">
+                  <a:schemeClr val="accent1"/>
+                </a:fillRef>
+                <a:effectRef idx="1">
+                  <a:schemeClr val="accent1"/>
+                </a:effectRef>
+                <a:fontRef idx="minor">
+                  <a:schemeClr val="tx1"/>
+                </a:fontRef>
+              </p:style>
+            </p:cxnSp>
+            <p:cxnSp>
+              <p:nvCxnSpPr>
+                <p:cNvPr id="61" name="Straight Arrow Connector 60"/>
+                <p:cNvCxnSpPr>
+                  <a:stCxn id="57" idx="2"/>
+                  <a:endCxn id="58" idx="0"/>
+                </p:cNvCxnSpPr>
+                <p:nvPr/>
+              </p:nvCxnSpPr>
+              <p:spPr>
+                <a:xfrm>
+                  <a:off x="26860500" y="9060688"/>
+                  <a:ext cx="0" cy="565912"/>
+                </a:xfrm>
+                <a:prstGeom prst="straightConnector1">
+                  <a:avLst/>
+                </a:prstGeom>
+                <a:ln>
+                  <a:solidFill>
+                    <a:srgbClr val="000D61"/>
+                  </a:solidFill>
+                  <a:tailEnd type="arrow"/>
+                </a:ln>
+              </p:spPr>
+              <p:style>
+                <a:lnRef idx="2">
+                  <a:schemeClr val="accent1"/>
+                </a:lnRef>
+                <a:fillRef idx="0">
+                  <a:schemeClr val="accent1"/>
+                </a:fillRef>
+                <a:effectRef idx="1">
+                  <a:schemeClr val="accent1"/>
+                </a:effectRef>
+                <a:fontRef idx="minor">
+                  <a:schemeClr val="tx1"/>
+                </a:fontRef>
+              </p:style>
+            </p:cxnSp>
+            <p:cxnSp>
+              <p:nvCxnSpPr>
+                <p:cNvPr id="62" name="Straight Arrow Connector 61"/>
+                <p:cNvCxnSpPr>
+                  <a:stCxn id="58" idx="2"/>
+                  <a:endCxn id="59" idx="0"/>
+                </p:cNvCxnSpPr>
+                <p:nvPr/>
+              </p:nvCxnSpPr>
+              <p:spPr>
+                <a:xfrm>
+                  <a:off x="26860500" y="9873488"/>
+                  <a:ext cx="0" cy="489712"/>
+                </a:xfrm>
+                <a:prstGeom prst="straightConnector1">
+                  <a:avLst/>
+                </a:prstGeom>
+                <a:ln>
+                  <a:solidFill>
+                    <a:srgbClr val="000D61"/>
+                  </a:solidFill>
+                  <a:tailEnd type="arrow"/>
+                </a:ln>
+              </p:spPr>
+              <p:style>
+                <a:lnRef idx="2">
+                  <a:schemeClr val="accent1"/>
+                </a:lnRef>
+                <a:fillRef idx="0">
+                  <a:schemeClr val="accent1"/>
+                </a:fillRef>
+                <a:effectRef idx="1">
+                  <a:schemeClr val="accent1"/>
+                </a:effectRef>
+                <a:fontRef idx="minor">
+                  <a:schemeClr val="tx1"/>
+                </a:fontRef>
+              </p:style>
+            </p:cxnSp>
+            <p:sp>
+              <p:nvSpPr>
+                <p:cNvPr id="63" name="Rounded Rectangle 62"/>
+                <p:cNvSpPr/>
+                <p:nvPr/>
+              </p:nvSpPr>
+              <p:spPr>
+                <a:xfrm>
+                  <a:off x="26060400" y="8305800"/>
+                  <a:ext cx="1600200" cy="228600"/>
+                </a:xfrm>
+                <a:prstGeom prst="roundRect">
+                  <a:avLst/>
+                </a:prstGeom>
+                <a:solidFill>
+                  <a:srgbClr val="FFFFFF">
+                    <a:alpha val="60000"/>
+                  </a:srgbClr>
+                </a:solidFill>
+                <a:ln w="12700" cap="flat" cmpd="sng" algn="ctr">
+                  <a:noFill/>
+                  <a:prstDash val="solid"/>
+                  <a:round/>
+                  <a:headEnd type="none" w="med" len="med"/>
+                  <a:tailEnd type="none" w="med" len="med"/>
+                </a:ln>
+                <a:effectLst/>
+              </p:spPr>
+              <p:style>
+                <a:lnRef idx="1">
+                  <a:schemeClr val="accent1"/>
+                </a:lnRef>
+                <a:fillRef idx="3">
+                  <a:schemeClr val="accent1"/>
+                </a:fillRef>
+                <a:effectRef idx="2">
+                  <a:schemeClr val="accent1"/>
+                </a:effectRef>
+                <a:fontRef idx="minor">
+                  <a:schemeClr val="lt1"/>
+                </a:fontRef>
+              </p:style>
+              <p:txBody>
+                <a:bodyPr tIns="0" bIns="0" rtlCol="0" anchor="t"/>
+                <a:lstStyle/>
+                <a:p>
+                  <a:r>
+                    <a:rPr lang="en-US" sz="1200" baseline="0" dirty="0">
+                      <a:solidFill>
+                        <a:schemeClr val="tx1"/>
+                      </a:solidFill>
+                      <a:cs typeface="Arial"/>
+                    </a:rPr>
+                    <a:t>filter(_.contains(</a:t>
+                  </a:r>
+                  <a:r>
+                    <a:rPr lang="en-US" sz="1200" baseline="0" dirty="0" smtClean="0">
+                      <a:solidFill>
+                        <a:schemeClr val="tx1"/>
+                      </a:solidFill>
+                      <a:cs typeface="Arial"/>
+                    </a:rPr>
+                    <a:t>...</a:t>
+                  </a:r>
+                  <a:r>
+                    <a:rPr lang="en-US" sz="1200" baseline="0" dirty="0">
+                      <a:solidFill>
+                        <a:schemeClr val="tx1"/>
+                      </a:solidFill>
+                      <a:cs typeface="Arial"/>
+                    </a:rPr>
+                    <a:t>))</a:t>
+                  </a:r>
+                </a:p>
+              </p:txBody>
+            </p:sp>
+            <p:sp>
+              <p:nvSpPr>
+                <p:cNvPr id="64" name="Rounded Rectangle 63"/>
+                <p:cNvSpPr/>
+                <p:nvPr/>
+              </p:nvSpPr>
+              <p:spPr>
+                <a:xfrm>
+                  <a:off x="26060400" y="9118600"/>
+                  <a:ext cx="1600200" cy="228600"/>
+                </a:xfrm>
+                <a:prstGeom prst="roundRect">
+                  <a:avLst/>
+                </a:prstGeom>
+                <a:solidFill>
+                  <a:srgbClr val="FFFFFF">
+                    <a:alpha val="60000"/>
+                  </a:srgbClr>
+                </a:solidFill>
+                <a:ln w="12700" cap="flat" cmpd="sng" algn="ctr">
+                  <a:noFill/>
+                  <a:prstDash val="solid"/>
+                  <a:round/>
+                  <a:headEnd type="none" w="med" len="med"/>
+                  <a:tailEnd type="none" w="med" len="med"/>
+                </a:ln>
+                <a:effectLst/>
+              </p:spPr>
+              <p:style>
+                <a:lnRef idx="1">
+                  <a:schemeClr val="accent1"/>
+                </a:lnRef>
+                <a:fillRef idx="3">
+                  <a:schemeClr val="accent1"/>
+                </a:fillRef>
+                <a:effectRef idx="2">
+                  <a:schemeClr val="accent1"/>
+                </a:effectRef>
+                <a:fontRef idx="minor">
+                  <a:schemeClr val="lt1"/>
+                </a:fontRef>
+              </p:style>
+              <p:txBody>
+                <a:bodyPr tIns="0" bIns="0" rtlCol="0" anchor="t"/>
+                <a:lstStyle/>
+                <a:p>
+                  <a:r>
+                    <a:rPr lang="en-US" sz="1200" baseline="0" dirty="0" smtClean="0">
+                      <a:solidFill>
+                        <a:schemeClr val="tx1"/>
+                      </a:solidFill>
+                      <a:cs typeface="Arial"/>
+                    </a:rPr>
+                    <a:t>cache()</a:t>
+                  </a:r>
+                  <a:endParaRPr lang="en-US" sz="1200" baseline="0" dirty="0">
+                    <a:solidFill>
+                      <a:schemeClr val="tx1"/>
+                    </a:solidFill>
+                    <a:cs typeface="Arial"/>
+                  </a:endParaRPr>
+                </a:p>
+              </p:txBody>
+            </p:sp>
+            <p:sp>
+              <p:nvSpPr>
+                <p:cNvPr id="65" name="Rounded Rectangle 64"/>
+                <p:cNvSpPr/>
+                <p:nvPr/>
+              </p:nvSpPr>
+              <p:spPr>
+                <a:xfrm>
+                  <a:off x="26060400" y="9931400"/>
+                  <a:ext cx="1600200" cy="279400"/>
+                </a:xfrm>
+                <a:prstGeom prst="roundRect">
+                  <a:avLst/>
+                </a:prstGeom>
+                <a:solidFill>
+                  <a:srgbClr val="FFFFFF">
+                    <a:alpha val="60000"/>
+                  </a:srgbClr>
+                </a:solidFill>
+                <a:ln w="12700" cap="flat" cmpd="sng" algn="ctr">
+                  <a:noFill/>
+                  <a:prstDash val="solid"/>
+                  <a:round/>
+                  <a:headEnd type="none" w="med" len="med"/>
+                  <a:tailEnd type="none" w="med" len="med"/>
+                </a:ln>
+                <a:effectLst/>
+              </p:spPr>
+              <p:style>
+                <a:lnRef idx="1">
+                  <a:schemeClr val="accent1"/>
+                </a:lnRef>
+                <a:fillRef idx="3">
+                  <a:schemeClr val="accent1"/>
+                </a:fillRef>
+                <a:effectRef idx="2">
+                  <a:schemeClr val="accent1"/>
+                </a:effectRef>
+                <a:fontRef idx="minor">
+                  <a:schemeClr val="lt1"/>
+                </a:fontRef>
+              </p:style>
+              <p:txBody>
+                <a:bodyPr tIns="0" bIns="0" rtlCol="0" anchor="t"/>
+                <a:lstStyle/>
+                <a:p>
+                  <a:r>
+                    <a:rPr lang="en-US" sz="1200" baseline="0" dirty="0" smtClean="0">
+                      <a:solidFill>
+                        <a:schemeClr val="tx1"/>
+                      </a:solidFill>
+                      <a:cs typeface="Arial"/>
+                    </a:rPr>
+                    <a:t>map( _ =&gt; 1 )</a:t>
+                  </a:r>
+                  <a:endParaRPr lang="en-US" sz="1200" baseline="0" dirty="0">
+                    <a:solidFill>
+                      <a:schemeClr val="tx1"/>
+                    </a:solidFill>
+                    <a:cs typeface="Arial"/>
+                  </a:endParaRPr>
+                </a:p>
+              </p:txBody>
+            </p:sp>
+          </p:grpSp>
+        </p:grpSp>
+      </p:grpSp>
+      <p:sp>
+        <p:nvSpPr>
+          <p:cNvPr id="66" name="Text Box 5"/>
+          <p:cNvSpPr txBox="1">
+            <a:spLocks noChangeArrowheads="1"/>
+          </p:cNvSpPr>
+          <p:nvPr/>
+        </p:nvSpPr>
+        <p:spPr bwMode="auto">
+          <a:xfrm>
+            <a:off x="23184727" y="19507201"/>
+            <a:ext cx="9200273" cy="7086600"/>
+          </a:xfrm>
+          <a:prstGeom prst="rect">
+            <a:avLst/>
+          </a:prstGeom>
+          <a:noFill/>
+          <a:ln w="9525">
+            <a:noFill/>
+            <a:miter lim="800000"/>
+            <a:headEnd/>
+            <a:tailEnd/>
+          </a:ln>
+        </p:spPr>
+        <p:txBody>
+          <a:bodyPr lIns="49227" tIns="24614" rIns="49227" bIns="24614">
+            <a:prstTxWarp prst="textNoShape">
+              <a:avLst/>
+            </a:prstTxWarp>
+          </a:bodyPr>
+          <a:lstStyle/>
+          <a:p>
+            <a:pPr marL="455613" indent="-455613" algn="l" defTabSz="490538">
+              <a:lnSpc>
+                <a:spcPct val="105000"/>
+              </a:lnSpc>
+              <a:spcAft>
+                <a:spcPts val="1800"/>
+              </a:spcAft>
+              <a:buFont typeface="Arial" charset="0"/>
+              <a:buChar char="•"/>
+            </a:pPr>
+            <a:r>
+              <a:rPr lang="en-US" sz="4500" baseline="0" dirty="0" smtClean="0">
+                <a:latin typeface="Corbel" charset="0"/>
+                <a:ea typeface="Corbel" charset="0"/>
+                <a:cs typeface="Corbel" charset="0"/>
+              </a:rPr>
+              <a:t>Performance </a:t>
+            </a:r>
+            <a:r>
+              <a:rPr lang="en-US" sz="4500" baseline="0" dirty="0" smtClean="0">
+                <a:latin typeface="Corbel" charset="0"/>
+                <a:ea typeface="Corbel" charset="0"/>
+                <a:cs typeface="Corbel" charset="0"/>
+              </a:rPr>
+              <a:t>profiling</a:t>
+            </a:r>
+            <a:endParaRPr lang="en-US" sz="4500" baseline="0" dirty="0" smtClean="0">
+              <a:latin typeface="Corbel" charset="0"/>
+              <a:ea typeface="Corbel" charset="0"/>
+              <a:cs typeface="Corbel" charset="0"/>
+            </a:endParaRPr>
+          </a:p>
+          <a:p>
+            <a:pPr marL="455613" indent="-455613" algn="l" defTabSz="490538">
+              <a:lnSpc>
+                <a:spcPct val="105000"/>
+              </a:lnSpc>
+              <a:spcAft>
+                <a:spcPts val="0"/>
+              </a:spcAft>
+              <a:buFont typeface="Arial" charset="0"/>
+              <a:buChar char="•"/>
+            </a:pPr>
+            <a:r>
+              <a:rPr lang="en-US" sz="4500" baseline="0" dirty="0" smtClean="0">
+                <a:latin typeface="Corbel" charset="0"/>
+                <a:ea typeface="Corbel" charset="0"/>
+                <a:cs typeface="Corbel" charset="0"/>
+              </a:rPr>
+              <a:t>More visualizations</a:t>
+            </a:r>
+          </a:p>
+          <a:p>
+            <a:pPr marL="911226" lvl="1" indent="-455613" algn="l" defTabSz="490538">
+              <a:lnSpc>
+                <a:spcPct val="105000"/>
+              </a:lnSpc>
+              <a:spcAft>
+                <a:spcPts val="0"/>
+              </a:spcAft>
+              <a:buFont typeface="Arial" charset="0"/>
+              <a:buChar char="•"/>
+            </a:pPr>
+            <a:r>
+              <a:rPr lang="en-US" sz="4500" baseline="0" dirty="0">
+                <a:latin typeface="Corbel" charset="0"/>
+                <a:ea typeface="Corbel" charset="0"/>
+                <a:cs typeface="Corbel" charset="0"/>
+              </a:rPr>
+              <a:t>T</a:t>
+            </a:r>
+            <a:r>
+              <a:rPr lang="en-US" sz="4500" baseline="0" dirty="0" smtClean="0">
+                <a:latin typeface="Corbel" charset="0"/>
+                <a:ea typeface="Corbel" charset="0"/>
+                <a:cs typeface="Corbel" charset="0"/>
+              </a:rPr>
+              <a:t>ask </a:t>
+            </a:r>
+            <a:r>
+              <a:rPr lang="en-US" sz="4500" baseline="0" dirty="0" smtClean="0">
+                <a:latin typeface="Corbel" charset="0"/>
+                <a:ea typeface="Corbel" charset="0"/>
+                <a:cs typeface="Corbel" charset="0"/>
+              </a:rPr>
+              <a:t>schedule view</a:t>
+            </a:r>
+          </a:p>
+          <a:p>
+            <a:pPr marL="911226" lvl="1" indent="-455613" algn="l" defTabSz="490538">
+              <a:lnSpc>
+                <a:spcPct val="105000"/>
+              </a:lnSpc>
+              <a:spcAft>
+                <a:spcPts val="1800"/>
+              </a:spcAft>
+              <a:buFont typeface="Arial" charset="0"/>
+              <a:buChar char="•"/>
+            </a:pPr>
+            <a:r>
+              <a:rPr lang="en-US" sz="4500" baseline="0" dirty="0" smtClean="0">
+                <a:latin typeface="Corbel" charset="0"/>
+                <a:ea typeface="Corbel" charset="0"/>
+                <a:cs typeface="Corbel" charset="0"/>
+              </a:rPr>
+              <a:t>Data visualizations</a:t>
+            </a:r>
+          </a:p>
+          <a:p>
+            <a:pPr marL="455613" indent="-455613" algn="l" defTabSz="490538">
+              <a:lnSpc>
+                <a:spcPct val="105000"/>
+              </a:lnSpc>
+              <a:spcAft>
+                <a:spcPts val="0"/>
+              </a:spcAft>
+              <a:buFont typeface="Arial" charset="0"/>
+              <a:buChar char="•"/>
+            </a:pPr>
+            <a:r>
+              <a:rPr lang="en-US" sz="4500" baseline="0" dirty="0" smtClean="0">
+                <a:latin typeface="Corbel" charset="0"/>
+                <a:ea typeface="Corbel" charset="0"/>
+                <a:cs typeface="Corbel" charset="0"/>
+              </a:rPr>
+              <a:t>System status </a:t>
+            </a:r>
+          </a:p>
+          <a:p>
+            <a:pPr marL="911226" lvl="1" indent="-455613" algn="l" defTabSz="490538">
+              <a:lnSpc>
+                <a:spcPct val="105000"/>
+              </a:lnSpc>
+              <a:spcAft>
+                <a:spcPts val="1800"/>
+              </a:spcAft>
+              <a:buFont typeface="Arial" charset="0"/>
+              <a:buChar char="•"/>
+            </a:pPr>
+            <a:r>
+              <a:rPr lang="en-US" sz="4500" baseline="0" dirty="0" smtClean="0">
+                <a:latin typeface="Corbel" charset="0"/>
+                <a:ea typeface="Corbel" charset="0"/>
+                <a:cs typeface="Corbel" charset="0"/>
+              </a:rPr>
+              <a:t>Higher level counters like number of garbage collections</a:t>
+            </a:r>
+          </a:p>
+          <a:p>
+            <a:pPr marL="455613" indent="-455613" algn="l" defTabSz="490538">
+              <a:lnSpc>
+                <a:spcPct val="105000"/>
+              </a:lnSpc>
+              <a:spcAft>
+                <a:spcPts val="0"/>
+              </a:spcAft>
+              <a:buFont typeface="Arial" charset="0"/>
+              <a:buChar char="•"/>
+            </a:pPr>
+            <a:r>
+              <a:rPr lang="en-US" sz="4500" baseline="0" dirty="0" smtClean="0">
+                <a:latin typeface="Corbel" charset="0"/>
+                <a:ea typeface="Corbel" charset="0"/>
+                <a:cs typeface="Corbel" charset="0"/>
+              </a:rPr>
+              <a:t>Suggestions from Spark users, </a:t>
+            </a:r>
+          </a:p>
+          <a:p>
+            <a:pPr algn="l" defTabSz="490538">
+              <a:lnSpc>
+                <a:spcPct val="105000"/>
+              </a:lnSpc>
+              <a:spcAft>
+                <a:spcPts val="0"/>
+              </a:spcAft>
+            </a:pPr>
+            <a:r>
+              <a:rPr lang="en-US" sz="4500" baseline="0" dirty="0">
+                <a:latin typeface="Corbel" charset="0"/>
+                <a:ea typeface="Corbel" charset="0"/>
+                <a:cs typeface="Corbel" charset="0"/>
+              </a:rPr>
+              <a:t>	</a:t>
+            </a:r>
+            <a:r>
+              <a:rPr lang="en-US" sz="4500" baseline="0" dirty="0" smtClean="0">
+                <a:latin typeface="Corbel" charset="0"/>
+                <a:ea typeface="Corbel" charset="0"/>
+                <a:cs typeface="Corbel" charset="0"/>
+              </a:rPr>
+              <a:t>you tell us!</a:t>
+            </a:r>
+            <a:endParaRPr lang="en-US" sz="4500" baseline="0" dirty="0">
+              <a:latin typeface="Corbel" charset="0"/>
+              <a:ea typeface="Corbel" charset="0"/>
+              <a:cs typeface="Corbel" charset="0"/>
+            </a:endParaRPr>
+          </a:p>
+        </p:txBody>
+      </p:sp>
+      <p:sp>
+        <p:nvSpPr>
+          <p:cNvPr id="67" name="Text Box 5"/>
+          <p:cNvSpPr txBox="1">
+            <a:spLocks noChangeArrowheads="1"/>
+          </p:cNvSpPr>
+          <p:nvPr/>
+        </p:nvSpPr>
+        <p:spPr bwMode="auto">
+          <a:xfrm>
+            <a:off x="23164800" y="18135600"/>
+            <a:ext cx="9601200" cy="1295400"/>
+          </a:xfrm>
+          <a:prstGeom prst="rect">
+            <a:avLst/>
+          </a:prstGeom>
+          <a:noFill/>
+          <a:ln w="9525">
+            <a:noFill/>
+            <a:miter lim="800000"/>
+            <a:headEnd/>
+            <a:tailEnd/>
+          </a:ln>
+        </p:spPr>
+        <p:txBody>
+          <a:bodyPr lIns="49227" tIns="24614" rIns="49227" bIns="24614">
+            <a:prstTxWarp prst="textNoShape">
+              <a:avLst/>
+            </a:prstTxWarp>
+          </a:bodyPr>
+          <a:lstStyle/>
+          <a:p>
+            <a:pPr marL="455613" indent="-455613" algn="l" defTabSz="490538">
+              <a:lnSpc>
+                <a:spcPct val="110000"/>
+              </a:lnSpc>
+            </a:pPr>
+            <a:r>
+              <a:rPr lang="en-US" sz="6200" b="1" baseline="0" dirty="0">
+                <a:solidFill>
+                  <a:srgbClr val="3366FF"/>
+                </a:solidFill>
+                <a:latin typeface="Corbel" charset="0"/>
+                <a:ea typeface="Corbel" charset="0"/>
+                <a:cs typeface="Corbel" charset="0"/>
+              </a:rPr>
+              <a:t>Future </a:t>
+            </a:r>
+            <a:r>
+              <a:rPr lang="en-US" sz="6200" b="1" baseline="0" dirty="0" smtClean="0">
+                <a:solidFill>
+                  <a:srgbClr val="3366FF"/>
+                </a:solidFill>
+                <a:latin typeface="Corbel" charset="0"/>
+                <a:ea typeface="Corbel" charset="0"/>
+                <a:cs typeface="Corbel" charset="0"/>
+              </a:rPr>
+              <a:t>Plans</a:t>
+            </a:r>
+            <a:endParaRPr lang="en-US" sz="6200" b="1" baseline="0" dirty="0">
+              <a:solidFill>
+                <a:srgbClr val="3366FF"/>
+              </a:solidFill>
+              <a:latin typeface="Corbel" charset="0"/>
+              <a:ea typeface="Corbel" charset="0"/>
+              <a:cs typeface="Corbel" charset="0"/>
+            </a:endParaRPr>
+          </a:p>
+        </p:txBody>
+      </p:sp>
+      <p:grpSp>
+        <p:nvGrpSpPr>
+          <p:cNvPr id="14348" name="Group 14347"/>
+          <p:cNvGrpSpPr/>
+          <p:nvPr/>
+        </p:nvGrpSpPr>
+        <p:grpSpPr>
+          <a:xfrm>
+            <a:off x="26618656" y="10287001"/>
+            <a:ext cx="4775744" cy="4952999"/>
+            <a:chOff x="25984200" y="10515600"/>
+            <a:chExt cx="5516118" cy="5720853"/>
+          </a:xfrm>
+        </p:grpSpPr>
+        <p:sp>
+          <p:nvSpPr>
+            <p:cNvPr id="69" name="Rounded Rectangle 68"/>
+            <p:cNvSpPr/>
+            <p:nvPr/>
+          </p:nvSpPr>
+          <p:spPr>
+            <a:xfrm>
+              <a:off x="25984200" y="13147242"/>
+              <a:ext cx="1096518" cy="615453"/>
+            </a:xfrm>
+            <a:prstGeom prst="roundRect">
+              <a:avLst/>
+            </a:prstGeom>
+            <a:ln>
+              <a:headEnd type="none" w="med" len="med"/>
+              <a:tailEnd type="none"/>
+            </a:ln>
+          </p:spPr>
+          <p:style>
+            <a:lnRef idx="1">
+              <a:schemeClr val="accent1"/>
+            </a:lnRef>
+            <a:fillRef idx="2">
+              <a:schemeClr val="accent1"/>
+            </a:fillRef>
+            <a:effectRef idx="1">
+              <a:schemeClr val="accent1"/>
+            </a:effectRef>
+            <a:fontRef idx="minor">
+              <a:schemeClr val="dk1"/>
+            </a:fontRef>
+          </p:style>
+          <p:txBody>
+            <a:bodyPr rtlCol="0" anchor="ctr"/>
+            <a:lstStyle/>
+            <a:p>
+              <a:pPr marL="0" marR="0" lvl="0" indent="0" algn="ctr" defTabSz="914400" eaLnBrk="1" fontAlgn="auto" latinLnBrk="0" hangingPunct="1">
+                <a:lnSpc>
+                  <a:spcPct val="100000"/>
+                </a:lnSpc>
+                <a:spcBef>
+                  <a:spcPts val="0"/>
+                </a:spcBef>
+                <a:spcAft>
+                  <a:spcPts val="0"/>
+                </a:spcAft>
+                <a:buClrTx/>
+                <a:buSzTx/>
+                <a:buFontTx/>
+                <a:buNone/>
+                <a:tabLst/>
+                <a:defRPr/>
+              </a:pPr>
+              <a:endParaRPr kumimoji="0" lang="en-US" sz="1800" b="1" i="0" u="none" strike="noStrike" kern="0" cap="none" spc="0" normalizeH="0" baseline="0" noProof="0" dirty="0">
+                <a:ln>
+                  <a:noFill/>
+                </a:ln>
+                <a:solidFill>
+                  <a:schemeClr val="tx2"/>
+                </a:solidFill>
+                <a:effectLst/>
+                <a:uLnTx/>
+                <a:uFillTx/>
+                <a:latin typeface="Corbel"/>
+                <a:ea typeface="+mn-ea"/>
+                <a:cs typeface="+mn-cs"/>
+              </a:endParaRPr>
+            </a:p>
+          </p:txBody>
+        </p:sp>
+        <p:sp>
+          <p:nvSpPr>
+            <p:cNvPr id="71" name="Rounded Rectangle 70"/>
+            <p:cNvSpPr/>
+            <p:nvPr/>
+          </p:nvSpPr>
+          <p:spPr>
+            <a:xfrm>
+              <a:off x="28177235" y="13147242"/>
+              <a:ext cx="1096518" cy="615453"/>
+            </a:xfrm>
+            <a:prstGeom prst="roundRect">
+              <a:avLst/>
+            </a:prstGeom>
+            <a:ln>
+              <a:headEnd type="none" w="med" len="med"/>
+              <a:tailEnd type="none"/>
+            </a:ln>
+          </p:spPr>
+          <p:style>
+            <a:lnRef idx="1">
+              <a:schemeClr val="accent2"/>
+            </a:lnRef>
+            <a:fillRef idx="2">
+              <a:schemeClr val="accent2"/>
+            </a:fillRef>
+            <a:effectRef idx="1">
+              <a:schemeClr val="accent2"/>
+            </a:effectRef>
+            <a:fontRef idx="minor">
+              <a:schemeClr val="dk1"/>
+            </a:fontRef>
+          </p:style>
+          <p:txBody>
+            <a:bodyPr rtlCol="0" anchor="ctr"/>
+            <a:lstStyle/>
+            <a:p>
+              <a:pPr marL="0" marR="0" lvl="0" indent="0" algn="ctr" defTabSz="914400" eaLnBrk="1" fontAlgn="auto" latinLnBrk="0" hangingPunct="1">
+                <a:lnSpc>
+                  <a:spcPct val="100000"/>
+                </a:lnSpc>
+                <a:spcBef>
+                  <a:spcPts val="0"/>
+                </a:spcBef>
+                <a:spcAft>
+                  <a:spcPts val="0"/>
+                </a:spcAft>
+                <a:buClrTx/>
+                <a:buSzTx/>
+                <a:buFontTx/>
+                <a:buNone/>
+                <a:tabLst/>
+                <a:defRPr/>
+              </a:pPr>
+              <a:endParaRPr kumimoji="0" lang="en-US" sz="1800" b="1" i="0" u="none" strike="noStrike" kern="0" cap="none" spc="0" normalizeH="0" baseline="0" noProof="0" dirty="0">
+                <a:ln>
+                  <a:noFill/>
+                </a:ln>
+                <a:solidFill>
+                  <a:schemeClr val="tx2"/>
+                </a:solidFill>
+                <a:effectLst/>
+                <a:uLnTx/>
+                <a:uFillTx/>
+                <a:latin typeface="Corbel"/>
+                <a:ea typeface="+mn-ea"/>
+                <a:cs typeface="+mn-cs"/>
+              </a:endParaRPr>
+            </a:p>
+          </p:txBody>
+        </p:sp>
+        <p:sp>
+          <p:nvSpPr>
+            <p:cNvPr id="73" name="Rounded Rectangle 72"/>
+            <p:cNvSpPr/>
+            <p:nvPr/>
+          </p:nvSpPr>
+          <p:spPr>
+            <a:xfrm>
+              <a:off x="30370270" y="13147242"/>
+              <a:ext cx="1096518" cy="615453"/>
+            </a:xfrm>
+            <a:prstGeom prst="roundRect">
+              <a:avLst/>
+            </a:prstGeom>
+            <a:ln>
+              <a:headEnd type="none" w="med" len="med"/>
+              <a:tailEnd type="none"/>
+            </a:ln>
+          </p:spPr>
+          <p:style>
+            <a:lnRef idx="1">
+              <a:schemeClr val="accent1"/>
+            </a:lnRef>
+            <a:fillRef idx="2">
+              <a:schemeClr val="accent1"/>
+            </a:fillRef>
+            <a:effectRef idx="1">
+              <a:schemeClr val="accent1"/>
+            </a:effectRef>
+            <a:fontRef idx="minor">
+              <a:schemeClr val="dk1"/>
+            </a:fontRef>
+          </p:style>
+          <p:txBody>
+            <a:bodyPr rtlCol="0" anchor="ctr"/>
+            <a:lstStyle/>
+            <a:p>
+              <a:pPr marL="0" marR="0" lvl="0" indent="0" algn="ctr" defTabSz="914400" eaLnBrk="1" fontAlgn="auto" latinLnBrk="0" hangingPunct="1">
+                <a:lnSpc>
+                  <a:spcPct val="100000"/>
+                </a:lnSpc>
+                <a:spcBef>
+                  <a:spcPts val="0"/>
+                </a:spcBef>
+                <a:spcAft>
+                  <a:spcPts val="0"/>
+                </a:spcAft>
+                <a:buClrTx/>
+                <a:buSzTx/>
+                <a:buFontTx/>
+                <a:buNone/>
+                <a:tabLst/>
+                <a:defRPr/>
+              </a:pPr>
+              <a:endParaRPr kumimoji="0" lang="en-US" sz="1800" b="1" i="0" u="none" strike="noStrike" kern="0" cap="none" spc="0" normalizeH="0" baseline="0" noProof="0" dirty="0">
+                <a:ln>
+                  <a:noFill/>
+                </a:ln>
+                <a:solidFill>
+                  <a:schemeClr val="tx2"/>
+                </a:solidFill>
+                <a:effectLst/>
+                <a:uLnTx/>
+                <a:uFillTx/>
+                <a:latin typeface="Corbel"/>
+                <a:ea typeface="+mn-ea"/>
+                <a:cs typeface="+mn-cs"/>
+              </a:endParaRPr>
+            </a:p>
+          </p:txBody>
+        </p:sp>
+        <p:sp>
+          <p:nvSpPr>
+            <p:cNvPr id="76" name="Rounded Rectangle 75"/>
+            <p:cNvSpPr/>
+            <p:nvPr/>
+          </p:nvSpPr>
+          <p:spPr>
+            <a:xfrm>
+              <a:off x="28067583" y="10515600"/>
+              <a:ext cx="1096518" cy="615453"/>
+            </a:xfrm>
+            <a:prstGeom prst="roundRect">
+              <a:avLst/>
+            </a:prstGeom>
+            <a:ln>
+              <a:headEnd type="none" w="med" len="med"/>
+              <a:tailEnd type="none"/>
+            </a:ln>
+          </p:spPr>
+          <p:style>
+            <a:lnRef idx="1">
+              <a:schemeClr val="accent2"/>
+            </a:lnRef>
+            <a:fillRef idx="2">
+              <a:schemeClr val="accent2"/>
+            </a:fillRef>
+            <a:effectRef idx="1">
+              <a:schemeClr val="accent2"/>
+            </a:effectRef>
+            <a:fontRef idx="minor">
+              <a:schemeClr val="dk1"/>
+            </a:fontRef>
+          </p:style>
+          <p:txBody>
+            <a:bodyPr rtlCol="0" anchor="ctr"/>
+            <a:lstStyle/>
+            <a:p>
+              <a:pPr marL="0" marR="0" lvl="0" indent="0" algn="ctr" defTabSz="914400" eaLnBrk="1" fontAlgn="auto" latinLnBrk="0" hangingPunct="1">
+                <a:lnSpc>
+                  <a:spcPct val="100000"/>
+                </a:lnSpc>
+                <a:spcBef>
+                  <a:spcPts val="0"/>
+                </a:spcBef>
+                <a:spcAft>
+                  <a:spcPts val="0"/>
+                </a:spcAft>
+                <a:buClrTx/>
+                <a:buSzTx/>
+                <a:buFontTx/>
+                <a:buNone/>
+                <a:tabLst/>
+                <a:defRPr/>
+              </a:pPr>
+              <a:endParaRPr kumimoji="0" lang="en-US" sz="1800" b="1" i="0" u="none" strike="noStrike" kern="0" cap="none" spc="0" normalizeH="0" baseline="0" noProof="0" dirty="0">
+                <a:ln>
+                  <a:noFill/>
+                </a:ln>
+                <a:solidFill>
+                  <a:schemeClr val="tx2"/>
+                </a:solidFill>
+                <a:effectLst/>
+                <a:uLnTx/>
+                <a:uFillTx/>
+                <a:latin typeface="Corbel"/>
+                <a:ea typeface="+mn-ea"/>
+                <a:cs typeface="+mn-cs"/>
+              </a:endParaRPr>
+            </a:p>
+          </p:txBody>
+        </p:sp>
+        <p:sp>
+          <p:nvSpPr>
+            <p:cNvPr id="77" name="Rounded Rectangle 76"/>
+            <p:cNvSpPr/>
+            <p:nvPr/>
+          </p:nvSpPr>
+          <p:spPr>
+            <a:xfrm>
+              <a:off x="27080718" y="11831421"/>
+              <a:ext cx="1096518" cy="615453"/>
+            </a:xfrm>
+            <a:prstGeom prst="roundRect">
+              <a:avLst/>
+            </a:prstGeom>
+            <a:ln>
+              <a:headEnd type="none" w="med" len="med"/>
+              <a:tailEnd type="none"/>
+            </a:ln>
+          </p:spPr>
+          <p:style>
+            <a:lnRef idx="1">
+              <a:schemeClr val="accent2"/>
+            </a:lnRef>
+            <a:fillRef idx="2">
+              <a:schemeClr val="accent2"/>
+            </a:fillRef>
+            <a:effectRef idx="1">
+              <a:schemeClr val="accent2"/>
+            </a:effectRef>
+            <a:fontRef idx="minor">
+              <a:schemeClr val="dk1"/>
+            </a:fontRef>
+          </p:style>
+          <p:txBody>
+            <a:bodyPr rtlCol="0" anchor="ctr"/>
+            <a:lstStyle/>
+            <a:p>
+              <a:pPr marL="0" marR="0" lvl="0" indent="0" algn="ctr" defTabSz="914400" eaLnBrk="1" fontAlgn="auto" latinLnBrk="0" hangingPunct="1">
+                <a:lnSpc>
+                  <a:spcPct val="100000"/>
+                </a:lnSpc>
+                <a:spcBef>
+                  <a:spcPts val="0"/>
+                </a:spcBef>
+                <a:spcAft>
+                  <a:spcPts val="0"/>
+                </a:spcAft>
+                <a:buClrTx/>
+                <a:buSzTx/>
+                <a:buFontTx/>
+                <a:buNone/>
+                <a:tabLst/>
+                <a:defRPr/>
+              </a:pPr>
+              <a:endParaRPr kumimoji="0" lang="en-US" sz="1800" b="1" i="0" u="none" strike="noStrike" kern="0" cap="none" spc="0" normalizeH="0" baseline="0" noProof="0" dirty="0">
+                <a:ln>
+                  <a:noFill/>
+                </a:ln>
+                <a:solidFill>
+                  <a:schemeClr val="tx2"/>
+                </a:solidFill>
+                <a:effectLst/>
+                <a:uLnTx/>
+                <a:uFillTx/>
+                <a:latin typeface="Corbel"/>
+                <a:ea typeface="+mn-ea"/>
+                <a:cs typeface="+mn-cs"/>
+              </a:endParaRPr>
+            </a:p>
+          </p:txBody>
+        </p:sp>
+        <p:sp>
+          <p:nvSpPr>
+            <p:cNvPr id="80" name="Rounded Rectangle 79"/>
+            <p:cNvSpPr/>
+            <p:nvPr/>
+          </p:nvSpPr>
+          <p:spPr>
+            <a:xfrm>
+              <a:off x="30370270" y="10515600"/>
+              <a:ext cx="1096518" cy="615453"/>
+            </a:xfrm>
+            <a:prstGeom prst="roundRect">
+              <a:avLst/>
+            </a:prstGeom>
+            <a:ln>
+              <a:headEnd type="none" w="med" len="med"/>
+              <a:tailEnd type="none"/>
+            </a:ln>
+          </p:spPr>
+          <p:style>
+            <a:lnRef idx="1">
+              <a:schemeClr val="accent1"/>
+            </a:lnRef>
+            <a:fillRef idx="2">
+              <a:schemeClr val="accent1"/>
+            </a:fillRef>
+            <a:effectRef idx="1">
+              <a:schemeClr val="accent1"/>
+            </a:effectRef>
+            <a:fontRef idx="minor">
+              <a:schemeClr val="dk1"/>
+            </a:fontRef>
+          </p:style>
+          <p:txBody>
+            <a:bodyPr rtlCol="0" anchor="ctr"/>
+            <a:lstStyle/>
+            <a:p>
+              <a:pPr marL="0" marR="0" lvl="0" indent="0" algn="ctr" defTabSz="914400" eaLnBrk="1" fontAlgn="auto" latinLnBrk="0" hangingPunct="1">
+                <a:lnSpc>
+                  <a:spcPct val="100000"/>
+                </a:lnSpc>
+                <a:spcBef>
+                  <a:spcPts val="0"/>
+                </a:spcBef>
+                <a:spcAft>
+                  <a:spcPts val="0"/>
+                </a:spcAft>
+                <a:buClrTx/>
+                <a:buSzTx/>
+                <a:buFontTx/>
+                <a:buNone/>
+                <a:tabLst/>
+                <a:defRPr/>
+              </a:pPr>
+              <a:endParaRPr kumimoji="0" lang="en-US" sz="1800" b="1" i="0" u="none" strike="noStrike" kern="0" cap="none" spc="0" normalizeH="0" baseline="0" noProof="0" dirty="0">
+                <a:ln>
+                  <a:noFill/>
+                </a:ln>
+                <a:solidFill>
+                  <a:schemeClr val="tx2"/>
+                </a:solidFill>
+                <a:effectLst/>
+                <a:uLnTx/>
+                <a:uFillTx/>
+                <a:latin typeface="Corbel"/>
+                <a:ea typeface="+mn-ea"/>
+                <a:cs typeface="+mn-cs"/>
+              </a:endParaRPr>
+            </a:p>
+          </p:txBody>
+        </p:sp>
+        <p:cxnSp>
+          <p:nvCxnSpPr>
+            <p:cNvPr id="83" name="Straight Arrow Connector 82"/>
+            <p:cNvCxnSpPr>
+              <a:stCxn id="76" idx="2"/>
+              <a:endCxn id="77" idx="0"/>
+            </p:cNvCxnSpPr>
+            <p:nvPr/>
+          </p:nvCxnSpPr>
+          <p:spPr bwMode="auto">
+            <a:xfrm flipH="1">
+              <a:off x="27628976" y="11131053"/>
+              <a:ext cx="986866" cy="700368"/>
+            </a:xfrm>
+            <a:prstGeom prst="straightConnector1">
+              <a:avLst/>
+            </a:prstGeom>
+            <a:noFill/>
+            <a:ln w="28575" cap="flat" cmpd="sng" algn="ctr">
+              <a:solidFill>
+                <a:schemeClr val="accent2">
+                  <a:lumMod val="75000"/>
+                </a:schemeClr>
+              </a:solidFill>
+              <a:prstDash val="solid"/>
+              <a:round/>
+              <a:headEnd type="none" w="med" len="med"/>
+              <a:tailEnd type="triangle" w="lg" len="lg"/>
+            </a:ln>
+            <a:effectLst/>
+          </p:spPr>
+        </p:cxnSp>
+        <p:cxnSp>
+          <p:nvCxnSpPr>
+            <p:cNvPr id="84" name="Straight Arrow Connector 83"/>
+            <p:cNvCxnSpPr>
+              <a:stCxn id="76" idx="2"/>
+              <a:endCxn id="71" idx="0"/>
+            </p:cNvCxnSpPr>
+            <p:nvPr/>
+          </p:nvCxnSpPr>
+          <p:spPr bwMode="auto">
+            <a:xfrm>
+              <a:off x="28615842" y="11131053"/>
+              <a:ext cx="109652" cy="2016189"/>
+            </a:xfrm>
+            <a:prstGeom prst="straightConnector1">
+              <a:avLst/>
+            </a:prstGeom>
+            <a:noFill/>
+            <a:ln w="28575" cap="flat" cmpd="sng" algn="ctr">
+              <a:solidFill>
+                <a:schemeClr val="accent2">
+                  <a:lumMod val="75000"/>
+                </a:schemeClr>
+              </a:solidFill>
+              <a:prstDash val="solid"/>
+              <a:round/>
+              <a:headEnd type="none" w="med" len="med"/>
+              <a:tailEnd type="triangle" w="lg" len="lg"/>
+            </a:ln>
+            <a:effectLst/>
+          </p:spPr>
+        </p:cxnSp>
+        <p:cxnSp>
+          <p:nvCxnSpPr>
+            <p:cNvPr id="85" name="Straight Arrow Connector 84"/>
+            <p:cNvCxnSpPr>
+              <a:stCxn id="77" idx="2"/>
+            </p:cNvCxnSpPr>
+            <p:nvPr/>
+          </p:nvCxnSpPr>
+          <p:spPr bwMode="auto">
+            <a:xfrm>
+              <a:off x="27628976" y="12446874"/>
+              <a:ext cx="986866" cy="700368"/>
+            </a:xfrm>
+            <a:prstGeom prst="straightConnector1">
+              <a:avLst/>
+            </a:prstGeom>
+            <a:noFill/>
+            <a:ln w="28575" cap="flat" cmpd="sng" algn="ctr">
+              <a:solidFill>
+                <a:schemeClr val="accent2">
+                  <a:lumMod val="75000"/>
+                </a:schemeClr>
+              </a:solidFill>
+              <a:prstDash val="solid"/>
+              <a:round/>
+              <a:headEnd type="none" w="med" len="med"/>
+              <a:tailEnd type="triangle" w="lg" len="lg"/>
+            </a:ln>
+            <a:effectLst/>
+          </p:spPr>
+        </p:cxnSp>
+        <p:cxnSp>
+          <p:nvCxnSpPr>
+            <p:cNvPr id="86" name="Straight Arrow Connector 85"/>
+            <p:cNvCxnSpPr>
+              <a:stCxn id="77" idx="2"/>
+              <a:endCxn id="69" idx="0"/>
+            </p:cNvCxnSpPr>
+            <p:nvPr/>
+          </p:nvCxnSpPr>
+          <p:spPr bwMode="auto">
+            <a:xfrm flipH="1">
+              <a:off x="26532459" y="12446874"/>
+              <a:ext cx="1096518" cy="700368"/>
+            </a:xfrm>
+            <a:prstGeom prst="straightConnector1">
+              <a:avLst/>
+            </a:prstGeom>
+            <a:noFill/>
+            <a:ln w="28575" cap="flat" cmpd="sng" algn="ctr">
+              <a:solidFill>
+                <a:schemeClr val="tx1">
+                  <a:lumMod val="75000"/>
+                  <a:lumOff val="25000"/>
+                </a:schemeClr>
+              </a:solidFill>
+              <a:prstDash val="solid"/>
+              <a:round/>
+              <a:headEnd type="none" w="med" len="med"/>
+              <a:tailEnd type="triangle" w="lg" len="lg"/>
+            </a:ln>
+            <a:effectLst/>
+          </p:spPr>
+        </p:cxnSp>
+        <p:cxnSp>
+          <p:nvCxnSpPr>
+            <p:cNvPr id="87" name="Straight Arrow Connector 86"/>
+            <p:cNvCxnSpPr>
+              <a:stCxn id="80" idx="2"/>
+              <a:endCxn id="73" idx="0"/>
+            </p:cNvCxnSpPr>
+            <p:nvPr/>
+          </p:nvCxnSpPr>
+          <p:spPr bwMode="auto">
+            <a:xfrm>
+              <a:off x="30918529" y="11131053"/>
+              <a:ext cx="0" cy="2016189"/>
+            </a:xfrm>
+            <a:prstGeom prst="straightConnector1">
+              <a:avLst/>
+            </a:prstGeom>
+            <a:noFill/>
+            <a:ln w="28575" cap="flat" cmpd="sng" algn="ctr">
+              <a:solidFill>
+                <a:schemeClr val="tx1">
+                  <a:lumMod val="75000"/>
+                  <a:lumOff val="25000"/>
+                </a:schemeClr>
+              </a:solidFill>
+              <a:prstDash val="solid"/>
+              <a:round/>
+              <a:headEnd type="none" w="med" len="med"/>
+              <a:tailEnd type="triangle" w="lg" len="lg"/>
+            </a:ln>
+            <a:effectLst/>
+          </p:spPr>
+        </p:cxnSp>
+        <p:cxnSp>
+          <p:nvCxnSpPr>
+            <p:cNvPr id="88" name="Straight Arrow Connector 87"/>
+            <p:cNvCxnSpPr>
+              <a:stCxn id="76" idx="2"/>
+            </p:cNvCxnSpPr>
+            <p:nvPr/>
+          </p:nvCxnSpPr>
+          <p:spPr bwMode="auto">
+            <a:xfrm>
+              <a:off x="28615842" y="11131053"/>
+              <a:ext cx="2175262" cy="2006391"/>
+            </a:xfrm>
+            <a:prstGeom prst="straightConnector1">
+              <a:avLst/>
+            </a:prstGeom>
+            <a:noFill/>
+            <a:ln w="28575" cap="flat" cmpd="sng" algn="ctr">
+              <a:solidFill>
+                <a:schemeClr val="tx1">
+                  <a:lumMod val="75000"/>
+                  <a:lumOff val="25000"/>
+                </a:schemeClr>
+              </a:solidFill>
+              <a:prstDash val="solid"/>
+              <a:round/>
+              <a:headEnd type="none" w="med" len="med"/>
+              <a:tailEnd type="triangle" w="lg" len="lg"/>
+            </a:ln>
+            <a:effectLst/>
+          </p:spPr>
+        </p:cxnSp>
+        <p:sp>
+          <p:nvSpPr>
+            <p:cNvPr id="90" name="Rounded Rectangle 89"/>
+            <p:cNvSpPr/>
+            <p:nvPr/>
+          </p:nvSpPr>
+          <p:spPr>
+            <a:xfrm>
+              <a:off x="28194000" y="14401800"/>
+              <a:ext cx="1096518" cy="615453"/>
+            </a:xfrm>
+            <a:prstGeom prst="roundRect">
+              <a:avLst/>
+            </a:prstGeom>
+            <a:ln>
+              <a:headEnd type="none" w="med" len="med"/>
+              <a:tailEnd type="none"/>
+            </a:ln>
+          </p:spPr>
+          <p:style>
+            <a:lnRef idx="1">
+              <a:schemeClr val="accent2"/>
+            </a:lnRef>
+            <a:fillRef idx="2">
+              <a:schemeClr val="accent2"/>
+            </a:fillRef>
+            <a:effectRef idx="1">
+              <a:schemeClr val="accent2"/>
+            </a:effectRef>
+            <a:fontRef idx="minor">
+              <a:schemeClr val="dk1"/>
+            </a:fontRef>
+          </p:style>
+          <p:txBody>
+            <a:bodyPr rtlCol="0" anchor="ctr"/>
+            <a:lstStyle/>
+            <a:p>
+              <a:pPr marL="0" marR="0" lvl="0" indent="0" algn="ctr" defTabSz="914400" eaLnBrk="1" fontAlgn="auto" latinLnBrk="0" hangingPunct="1">
+                <a:lnSpc>
+                  <a:spcPct val="100000"/>
+                </a:lnSpc>
+                <a:spcBef>
+                  <a:spcPts val="0"/>
+                </a:spcBef>
+                <a:spcAft>
+                  <a:spcPts val="0"/>
+                </a:spcAft>
+                <a:buClrTx/>
+                <a:buSzTx/>
+                <a:buFontTx/>
+                <a:buNone/>
+                <a:tabLst/>
+                <a:defRPr/>
+              </a:pPr>
+              <a:endParaRPr kumimoji="0" lang="en-US" sz="1800" b="1" i="0" u="none" strike="noStrike" kern="0" cap="none" spc="0" normalizeH="0" baseline="0" noProof="0" dirty="0">
+                <a:ln>
+                  <a:noFill/>
+                </a:ln>
+                <a:solidFill>
+                  <a:schemeClr val="tx2"/>
+                </a:solidFill>
+                <a:effectLst/>
+                <a:uLnTx/>
+                <a:uFillTx/>
+                <a:latin typeface="Corbel"/>
+                <a:ea typeface="+mn-ea"/>
+                <a:cs typeface="+mn-cs"/>
+              </a:endParaRPr>
+            </a:p>
+          </p:txBody>
+        </p:sp>
+        <p:sp>
+          <p:nvSpPr>
+            <p:cNvPr id="92" name="Rounded Rectangle 91"/>
+            <p:cNvSpPr/>
+            <p:nvPr/>
+          </p:nvSpPr>
+          <p:spPr>
+            <a:xfrm>
+              <a:off x="28194000" y="15621000"/>
+              <a:ext cx="1096518" cy="615453"/>
+            </a:xfrm>
+            <a:prstGeom prst="roundRect">
+              <a:avLst/>
+            </a:prstGeom>
+            <a:ln w="57150" cmpd="sng">
+              <a:headEnd type="none" w="med" len="med"/>
+              <a:tailEnd type="none"/>
+            </a:ln>
+          </p:spPr>
+          <p:style>
+            <a:lnRef idx="1">
+              <a:schemeClr val="accent2"/>
+            </a:lnRef>
+            <a:fillRef idx="2">
+              <a:schemeClr val="accent2"/>
+            </a:fillRef>
+            <a:effectRef idx="1">
+              <a:schemeClr val="accent2"/>
+            </a:effectRef>
+            <a:fontRef idx="minor">
+              <a:schemeClr val="dk1"/>
+            </a:fontRef>
+          </p:style>
+          <p:txBody>
+            <a:bodyPr rtlCol="0" anchor="ctr"/>
+            <a:lstStyle/>
+            <a:p>
+              <a:pPr marL="0" marR="0" lvl="0" indent="0" algn="ctr" defTabSz="914400" eaLnBrk="1" fontAlgn="auto" latinLnBrk="0" hangingPunct="1">
+                <a:lnSpc>
+                  <a:spcPct val="100000"/>
+                </a:lnSpc>
+                <a:spcBef>
+                  <a:spcPts val="0"/>
+                </a:spcBef>
+                <a:spcAft>
+                  <a:spcPts val="0"/>
+                </a:spcAft>
+                <a:buClrTx/>
+                <a:buSzTx/>
+                <a:buFontTx/>
+                <a:buNone/>
+                <a:tabLst/>
+                <a:defRPr/>
+              </a:pPr>
+              <a:endParaRPr kumimoji="0" lang="en-US" sz="1800" b="1" i="0" u="none" strike="noStrike" kern="0" cap="none" spc="0" normalizeH="0" baseline="0" noProof="0" dirty="0">
+                <a:ln>
+                  <a:noFill/>
+                </a:ln>
+                <a:solidFill>
+                  <a:schemeClr val="tx2"/>
+                </a:solidFill>
+                <a:effectLst/>
+                <a:uLnTx/>
+                <a:uFillTx/>
+                <a:latin typeface="Corbel"/>
+                <a:ea typeface="+mn-ea"/>
+                <a:cs typeface="+mn-cs"/>
+              </a:endParaRPr>
+            </a:p>
+          </p:txBody>
+        </p:sp>
+        <p:sp>
+          <p:nvSpPr>
+            <p:cNvPr id="94" name="Rounded Rectangle 93"/>
+            <p:cNvSpPr/>
+            <p:nvPr/>
+          </p:nvSpPr>
+          <p:spPr>
+            <a:xfrm>
+              <a:off x="25984200" y="15621000"/>
+              <a:ext cx="1096518" cy="615453"/>
+            </a:xfrm>
+            <a:prstGeom prst="roundRect">
+              <a:avLst/>
+            </a:prstGeom>
+            <a:ln>
+              <a:headEnd type="none" w="med" len="med"/>
+              <a:tailEnd type="none"/>
+            </a:ln>
+          </p:spPr>
+          <p:style>
+            <a:lnRef idx="1">
+              <a:schemeClr val="accent1"/>
+            </a:lnRef>
+            <a:fillRef idx="2">
+              <a:schemeClr val="accent1"/>
+            </a:fillRef>
+            <a:effectRef idx="1">
+              <a:schemeClr val="accent1"/>
+            </a:effectRef>
+            <a:fontRef idx="minor">
+              <a:schemeClr val="dk1"/>
+            </a:fontRef>
+          </p:style>
+          <p:txBody>
+            <a:bodyPr rtlCol="0" anchor="ctr"/>
+            <a:lstStyle/>
+            <a:p>
+              <a:pPr marL="0" marR="0" lvl="0" indent="0" algn="ctr" defTabSz="914400" eaLnBrk="1" fontAlgn="auto" latinLnBrk="0" hangingPunct="1">
+                <a:lnSpc>
+                  <a:spcPct val="100000"/>
+                </a:lnSpc>
+                <a:spcBef>
+                  <a:spcPts val="0"/>
+                </a:spcBef>
+                <a:spcAft>
+                  <a:spcPts val="0"/>
+                </a:spcAft>
+                <a:buClrTx/>
+                <a:buSzTx/>
+                <a:buFontTx/>
+                <a:buNone/>
+                <a:tabLst/>
+                <a:defRPr/>
+              </a:pPr>
+              <a:endParaRPr kumimoji="0" lang="en-US" sz="1800" b="1" i="0" u="none" strike="noStrike" kern="0" cap="none" spc="0" normalizeH="0" baseline="0" noProof="0" dirty="0">
+                <a:ln>
+                  <a:noFill/>
+                </a:ln>
+                <a:solidFill>
+                  <a:schemeClr val="tx2"/>
+                </a:solidFill>
+                <a:effectLst/>
+                <a:uLnTx/>
+                <a:uFillTx/>
+                <a:latin typeface="Corbel"/>
+                <a:ea typeface="+mn-ea"/>
+                <a:cs typeface="+mn-cs"/>
+              </a:endParaRPr>
+            </a:p>
+          </p:txBody>
+        </p:sp>
+        <p:cxnSp>
+          <p:nvCxnSpPr>
+            <p:cNvPr id="95" name="Straight Arrow Connector 94"/>
+            <p:cNvCxnSpPr>
+              <a:stCxn id="69" idx="2"/>
+              <a:endCxn id="94" idx="0"/>
+            </p:cNvCxnSpPr>
+            <p:nvPr/>
+          </p:nvCxnSpPr>
+          <p:spPr bwMode="auto">
+            <a:xfrm>
+              <a:off x="26532459" y="13762695"/>
+              <a:ext cx="0" cy="1858305"/>
+            </a:xfrm>
+            <a:prstGeom prst="straightConnector1">
+              <a:avLst/>
+            </a:prstGeom>
+            <a:noFill/>
+            <a:ln w="28575" cap="flat" cmpd="sng" algn="ctr">
+              <a:solidFill>
+                <a:schemeClr val="tx1">
+                  <a:lumMod val="75000"/>
+                  <a:lumOff val="25000"/>
+                </a:schemeClr>
+              </a:solidFill>
+              <a:prstDash val="solid"/>
+              <a:round/>
+              <a:headEnd type="none" w="med" len="med"/>
+              <a:tailEnd type="triangle" w="lg" len="lg"/>
+            </a:ln>
+            <a:effectLst/>
+          </p:spPr>
+        </p:cxnSp>
+        <p:cxnSp>
+          <p:nvCxnSpPr>
+            <p:cNvPr id="96" name="Straight Arrow Connector 95"/>
+            <p:cNvCxnSpPr>
+              <a:stCxn id="71" idx="2"/>
+              <a:endCxn id="90" idx="0"/>
+            </p:cNvCxnSpPr>
+            <p:nvPr/>
+          </p:nvCxnSpPr>
+          <p:spPr bwMode="auto">
+            <a:xfrm>
+              <a:off x="28725494" y="13762695"/>
+              <a:ext cx="16765" cy="639105"/>
+            </a:xfrm>
+            <a:prstGeom prst="straightConnector1">
+              <a:avLst/>
+            </a:prstGeom>
+            <a:noFill/>
+            <a:ln w="28575" cap="flat" cmpd="sng" algn="ctr">
+              <a:solidFill>
+                <a:schemeClr val="accent2">
+                  <a:lumMod val="75000"/>
+                </a:schemeClr>
+              </a:solidFill>
+              <a:prstDash val="solid"/>
+              <a:round/>
+              <a:headEnd type="none" w="med" len="med"/>
+              <a:tailEnd type="triangle" w="lg" len="lg"/>
+            </a:ln>
+            <a:effectLst/>
+          </p:spPr>
+        </p:cxnSp>
+        <p:cxnSp>
+          <p:nvCxnSpPr>
+            <p:cNvPr id="97" name="Straight Arrow Connector 96"/>
+            <p:cNvCxnSpPr>
+              <a:stCxn id="90" idx="2"/>
+              <a:endCxn id="92" idx="0"/>
+            </p:cNvCxnSpPr>
+            <p:nvPr/>
+          </p:nvCxnSpPr>
+          <p:spPr bwMode="auto">
+            <a:xfrm>
+              <a:off x="28742259" y="15017253"/>
+              <a:ext cx="0" cy="603747"/>
+            </a:xfrm>
+            <a:prstGeom prst="straightConnector1">
+              <a:avLst/>
+            </a:prstGeom>
+            <a:noFill/>
+            <a:ln w="28575" cap="flat" cmpd="sng" algn="ctr">
+              <a:solidFill>
+                <a:schemeClr val="accent2">
+                  <a:lumMod val="75000"/>
+                </a:schemeClr>
+              </a:solidFill>
+              <a:prstDash val="solid"/>
+              <a:round/>
+              <a:headEnd type="none" w="med" len="med"/>
+              <a:tailEnd type="triangle" w="lg" len="lg"/>
+            </a:ln>
+            <a:effectLst/>
+          </p:spPr>
+        </p:cxnSp>
+        <p:cxnSp>
+          <p:nvCxnSpPr>
+            <p:cNvPr id="98" name="Straight Arrow Connector 97"/>
+            <p:cNvCxnSpPr>
+              <a:stCxn id="71" idx="2"/>
+            </p:cNvCxnSpPr>
+            <p:nvPr/>
+          </p:nvCxnSpPr>
+          <p:spPr bwMode="auto">
+            <a:xfrm flipH="1">
+              <a:off x="26593800" y="13762695"/>
+              <a:ext cx="2131694" cy="1858305"/>
+            </a:xfrm>
+            <a:prstGeom prst="straightConnector1">
+              <a:avLst/>
+            </a:prstGeom>
+            <a:noFill/>
+            <a:ln w="28575" cap="flat" cmpd="sng" algn="ctr">
+              <a:solidFill>
+                <a:schemeClr val="tx1">
+                  <a:lumMod val="75000"/>
+                  <a:lumOff val="25000"/>
+                </a:schemeClr>
+              </a:solidFill>
+              <a:prstDash val="solid"/>
+              <a:round/>
+              <a:headEnd type="none" w="med" len="med"/>
+              <a:tailEnd type="triangle" w="lg" len="lg"/>
+            </a:ln>
+            <a:effectLst/>
+          </p:spPr>
+        </p:cxnSp>
+        <p:sp>
+          <p:nvSpPr>
+            <p:cNvPr id="105" name="Rounded Rectangle 104"/>
+            <p:cNvSpPr/>
+            <p:nvPr/>
+          </p:nvSpPr>
+          <p:spPr>
+            <a:xfrm>
+              <a:off x="30403800" y="15621000"/>
+              <a:ext cx="1096518" cy="615453"/>
+            </a:xfrm>
+            <a:prstGeom prst="roundRect">
+              <a:avLst/>
+            </a:prstGeom>
+            <a:ln>
+              <a:headEnd type="none" w="med" len="med"/>
+              <a:tailEnd type="none"/>
+            </a:ln>
+          </p:spPr>
+          <p:style>
+            <a:lnRef idx="1">
+              <a:schemeClr val="accent1"/>
+            </a:lnRef>
+            <a:fillRef idx="2">
+              <a:schemeClr val="accent1"/>
+            </a:fillRef>
+            <a:effectRef idx="1">
+              <a:schemeClr val="accent1"/>
+            </a:effectRef>
+            <a:fontRef idx="minor">
+              <a:schemeClr val="dk1"/>
+            </a:fontRef>
+          </p:style>
+          <p:txBody>
+            <a:bodyPr rtlCol="0" anchor="ctr"/>
+            <a:lstStyle/>
+            <a:p>
+              <a:pPr marL="0" marR="0" lvl="0" indent="0" algn="ctr" defTabSz="914400" eaLnBrk="1" fontAlgn="auto" latinLnBrk="0" hangingPunct="1">
+                <a:lnSpc>
+                  <a:spcPct val="100000"/>
+                </a:lnSpc>
+                <a:spcBef>
+                  <a:spcPts val="0"/>
+                </a:spcBef>
+                <a:spcAft>
+                  <a:spcPts val="0"/>
+                </a:spcAft>
+                <a:buClrTx/>
+                <a:buSzTx/>
+                <a:buFontTx/>
+                <a:buNone/>
+                <a:tabLst/>
+                <a:defRPr/>
+              </a:pPr>
+              <a:endParaRPr kumimoji="0" lang="en-US" sz="1800" b="1" i="0" u="none" strike="noStrike" kern="0" cap="none" spc="0" normalizeH="0" baseline="0" noProof="0" dirty="0">
+                <a:ln>
+                  <a:noFill/>
+                </a:ln>
+                <a:solidFill>
+                  <a:schemeClr val="tx2"/>
+                </a:solidFill>
+                <a:effectLst/>
+                <a:uLnTx/>
+                <a:uFillTx/>
+                <a:latin typeface="Corbel"/>
+                <a:ea typeface="+mn-ea"/>
+                <a:cs typeface="+mn-cs"/>
+              </a:endParaRPr>
+            </a:p>
+          </p:txBody>
+        </p:sp>
+        <p:cxnSp>
+          <p:nvCxnSpPr>
+            <p:cNvPr id="106" name="Straight Arrow Connector 105"/>
+            <p:cNvCxnSpPr>
+              <a:stCxn id="73" idx="2"/>
+              <a:endCxn id="105" idx="0"/>
+            </p:cNvCxnSpPr>
+            <p:nvPr/>
+          </p:nvCxnSpPr>
+          <p:spPr bwMode="auto">
+            <a:xfrm>
+              <a:off x="30918529" y="13762695"/>
+              <a:ext cx="33530" cy="1858305"/>
+            </a:xfrm>
+            <a:prstGeom prst="straightConnector1">
+              <a:avLst/>
+            </a:prstGeom>
+            <a:noFill/>
+            <a:ln w="28575" cap="flat" cmpd="sng" algn="ctr">
+              <a:solidFill>
+                <a:schemeClr val="tx1">
+                  <a:lumMod val="75000"/>
+                  <a:lumOff val="25000"/>
+                </a:schemeClr>
+              </a:solidFill>
+              <a:prstDash val="solid"/>
+              <a:round/>
+              <a:headEnd type="none" w="med" len="med"/>
+              <a:tailEnd type="triangle" w="lg" len="lg"/>
+            </a:ln>
+            <a:effectLst/>
+          </p:spPr>
+        </p:cxnSp>
+        <p:cxnSp>
+          <p:nvCxnSpPr>
+            <p:cNvPr id="114" name="Straight Arrow Connector 113"/>
+            <p:cNvCxnSpPr>
+              <a:stCxn id="90" idx="2"/>
+            </p:cNvCxnSpPr>
+            <p:nvPr/>
+          </p:nvCxnSpPr>
+          <p:spPr bwMode="auto">
+            <a:xfrm>
+              <a:off x="28742259" y="15017253"/>
+              <a:ext cx="2118741" cy="603747"/>
+            </a:xfrm>
+            <a:prstGeom prst="straightConnector1">
+              <a:avLst/>
+            </a:prstGeom>
+            <a:noFill/>
+            <a:ln w="28575" cap="flat" cmpd="sng" algn="ctr">
+              <a:solidFill>
+                <a:schemeClr val="tx1">
+                  <a:lumMod val="75000"/>
+                  <a:lumOff val="25000"/>
+                </a:schemeClr>
+              </a:solidFill>
+              <a:prstDash val="solid"/>
+              <a:round/>
+              <a:headEnd type="none" w="med" len="med"/>
+              <a:tailEnd type="triangle" w="lg" len="lg"/>
+            </a:ln>
+            <a:effectLst/>
+          </p:spPr>
+        </p:cxnSp>
+      </p:grpSp>
+      <p:sp>
+        <p:nvSpPr>
+          <p:cNvPr id="118" name="Text Box 5"/>
+          <p:cNvSpPr txBox="1">
+            <a:spLocks noChangeArrowheads="1"/>
+          </p:cNvSpPr>
+          <p:nvPr/>
+        </p:nvSpPr>
+        <p:spPr bwMode="auto">
+          <a:xfrm>
+            <a:off x="25831800" y="15773400"/>
+            <a:ext cx="6096000" cy="1371600"/>
+          </a:xfrm>
+          <a:prstGeom prst="rect">
+            <a:avLst/>
+          </a:prstGeom>
+          <a:noFill/>
+          <a:ln w="9525">
+            <a:noFill/>
+            <a:miter lim="800000"/>
+            <a:headEnd/>
+            <a:tailEnd/>
+          </a:ln>
+        </p:spPr>
+        <p:txBody>
+          <a:bodyPr lIns="49227" tIns="24614" rIns="49227" bIns="24614">
+            <a:prstTxWarp prst="textNoShape">
+              <a:avLst/>
+            </a:prstTxWarp>
+          </a:bodyPr>
+          <a:lstStyle/>
+          <a:p>
+            <a:pPr lvl="1" indent="0" algn="l" defTabSz="490538">
+              <a:lnSpc>
+                <a:spcPct val="105000"/>
+              </a:lnSpc>
+            </a:pPr>
+            <a:r>
+              <a:rPr lang="en-US" baseline="0" dirty="0" smtClean="0">
+                <a:latin typeface="Corbel" charset="0"/>
+                <a:ea typeface="Corbel" charset="0"/>
+                <a:cs typeface="Corbel" charset="0"/>
+              </a:rPr>
+              <a:t>Visualization showing reconstruction of specific RDD by partial execution</a:t>
+            </a:r>
+            <a:endParaRPr lang="en-US" baseline="0" dirty="0" smtClean="0">
+              <a:latin typeface="Corbel" charset="0"/>
+              <a:ea typeface="Corbel" charset="0"/>
+              <a:cs typeface="Corbel" charset="0"/>
+            </a:endParaRPr>
+          </a:p>
+        </p:txBody>
+      </p:sp>
+    </p:spTree>
   </p:cSld>
   <p:clrMapOvr>
     <a:masterClrMapping/>
